--- a/doc/test/CropToSame.pptx
+++ b/doc/test/CropToSame.pptx
@@ -7,7 +7,7 @@
     <p:sldMasterId id="2147483672" r:id="rId3"/>
   </p:sldMasterIdLst>
   <p:notesMasterIdLst>
-    <p:notesMasterId r:id="rId32"/>
+    <p:notesMasterId r:id="rId35"/>
   </p:notesMasterIdLst>
   <p:sldIdLst>
     <p:sldId id="287" r:id="rId4"/>
@@ -33,11 +33,14 @@
     <p:sldId id="325" r:id="rId24"/>
     <p:sldId id="355" r:id="rId25"/>
     <p:sldId id="357" r:id="rId26"/>
-    <p:sldId id="331" r:id="rId27"/>
-    <p:sldId id="332" r:id="rId28"/>
-    <p:sldId id="333" r:id="rId29"/>
-    <p:sldId id="334" r:id="rId30"/>
-    <p:sldId id="318" r:id="rId31"/>
+    <p:sldId id="366" r:id="rId27"/>
+    <p:sldId id="365" r:id="rId28"/>
+    <p:sldId id="368" r:id="rId29"/>
+    <p:sldId id="331" r:id="rId30"/>
+    <p:sldId id="332" r:id="rId31"/>
+    <p:sldId id="333" r:id="rId32"/>
+    <p:sldId id="334" r:id="rId33"/>
+    <p:sldId id="318" r:id="rId34"/>
   </p:sldIdLst>
   <p:sldSz cx="9144000" cy="6858000" type="screen4x3"/>
   <p:notesSz cx="6858000" cy="9144000"/>
@@ -168,6 +171,9 @@
             <p14:sldId id="325"/>
             <p14:sldId id="355"/>
             <p14:sldId id="357"/>
+            <p14:sldId id="366"/>
+            <p14:sldId id="365"/>
+            <p14:sldId id="368"/>
             <p14:sldId id="331"/>
             <p14:sldId id="332"/>
             <p14:sldId id="333"/>
@@ -277,7 +283,7 @@
           <a:p>
             <a:fld id="{26004F41-C1A1-4B0D-9EEE-5E3F0E5BC108}" type="datetimeFigureOut">
               <a:rPr lang="en-SG" smtClean="0"/>
-              <a:t>2/4/2017</a:t>
+              <a:t>3/12/2017</a:t>
             </a:fld>
             <a:endParaRPr lang="en-SG"/>
           </a:p>
@@ -726,7 +732,7 @@
           <a:p>
             <a:fld id="{699DC775-C286-4358-8C92-D7E584E969B3}" type="datetimeFigureOut">
               <a:rPr lang="en-US" smtClean="0"/>
-              <a:t>2/4/2017</a:t>
+              <a:t>3/12/2017</a:t>
             </a:fld>
             <a:endParaRPr lang="en-US"/>
           </a:p>
@@ -896,7 +902,7 @@
           <a:p>
             <a:fld id="{699DC775-C286-4358-8C92-D7E584E969B3}" type="datetimeFigureOut">
               <a:rPr lang="en-US" smtClean="0"/>
-              <a:t>2/4/2017</a:t>
+              <a:t>3/12/2017</a:t>
             </a:fld>
             <a:endParaRPr lang="en-US"/>
           </a:p>
@@ -1076,7 +1082,7 @@
           <a:p>
             <a:fld id="{699DC775-C286-4358-8C92-D7E584E969B3}" type="datetimeFigureOut">
               <a:rPr lang="en-US" smtClean="0"/>
-              <a:t>2/4/2017</a:t>
+              <a:t>3/12/2017</a:t>
             </a:fld>
             <a:endParaRPr lang="en-US"/>
           </a:p>
@@ -1318,7 +1324,7 @@
           <a:p>
             <a:fld id="{699DC775-C286-4358-8C92-D7E584E969B3}" type="datetimeFigureOut">
               <a:rPr lang="en-US" smtClean="0"/>
-              <a:t>2/4/2017</a:t>
+              <a:t>3/12/2017</a:t>
             </a:fld>
             <a:endParaRPr lang="en-US"/>
           </a:p>
@@ -1488,7 +1494,7 @@
           <a:p>
             <a:fld id="{699DC775-C286-4358-8C92-D7E584E969B3}" type="datetimeFigureOut">
               <a:rPr lang="en-US" smtClean="0"/>
-              <a:t>2/4/2017</a:t>
+              <a:t>3/12/2017</a:t>
             </a:fld>
             <a:endParaRPr lang="en-US"/>
           </a:p>
@@ -1734,7 +1740,7 @@
           <a:p>
             <a:fld id="{699DC775-C286-4358-8C92-D7E584E969B3}" type="datetimeFigureOut">
               <a:rPr lang="en-US" smtClean="0"/>
-              <a:t>2/4/2017</a:t>
+              <a:t>3/12/2017</a:t>
             </a:fld>
             <a:endParaRPr lang="en-US"/>
           </a:p>
@@ -2022,7 +2028,7 @@
           <a:p>
             <a:fld id="{699DC775-C286-4358-8C92-D7E584E969B3}" type="datetimeFigureOut">
               <a:rPr lang="en-US" smtClean="0"/>
-              <a:t>2/4/2017</a:t>
+              <a:t>3/12/2017</a:t>
             </a:fld>
             <a:endParaRPr lang="en-US"/>
           </a:p>
@@ -2444,7 +2450,7 @@
           <a:p>
             <a:fld id="{699DC775-C286-4358-8C92-D7E584E969B3}" type="datetimeFigureOut">
               <a:rPr lang="en-US" smtClean="0"/>
-              <a:t>2/4/2017</a:t>
+              <a:t>3/12/2017</a:t>
             </a:fld>
             <a:endParaRPr lang="en-US"/>
           </a:p>
@@ -2562,7 +2568,7 @@
           <a:p>
             <a:fld id="{699DC775-C286-4358-8C92-D7E584E969B3}" type="datetimeFigureOut">
               <a:rPr lang="en-US" smtClean="0"/>
-              <a:t>2/4/2017</a:t>
+              <a:t>3/12/2017</a:t>
             </a:fld>
             <a:endParaRPr lang="en-US"/>
           </a:p>
@@ -2657,7 +2663,7 @@
           <a:p>
             <a:fld id="{699DC775-C286-4358-8C92-D7E584E969B3}" type="datetimeFigureOut">
               <a:rPr lang="en-US" smtClean="0"/>
-              <a:t>2/4/2017</a:t>
+              <a:t>3/12/2017</a:t>
             </a:fld>
             <a:endParaRPr lang="en-US"/>
           </a:p>
@@ -2934,7 +2940,7 @@
           <a:p>
             <a:fld id="{699DC775-C286-4358-8C92-D7E584E969B3}" type="datetimeFigureOut">
               <a:rPr lang="en-US" smtClean="0"/>
-              <a:t>2/4/2017</a:t>
+              <a:t>3/12/2017</a:t>
             </a:fld>
             <a:endParaRPr lang="en-US"/>
           </a:p>
@@ -3104,7 +3110,7 @@
           <a:p>
             <a:fld id="{699DC775-C286-4358-8C92-D7E584E969B3}" type="datetimeFigureOut">
               <a:rPr lang="en-US" smtClean="0"/>
-              <a:t>2/4/2017</a:t>
+              <a:t>3/12/2017</a:t>
             </a:fld>
             <a:endParaRPr lang="en-US"/>
           </a:p>
@@ -3357,7 +3363,7 @@
           <a:p>
             <a:fld id="{699DC775-C286-4358-8C92-D7E584E969B3}" type="datetimeFigureOut">
               <a:rPr lang="en-US" smtClean="0"/>
-              <a:t>2/4/2017</a:t>
+              <a:t>3/12/2017</a:t>
             </a:fld>
             <a:endParaRPr lang="en-US"/>
           </a:p>
@@ -3527,7 +3533,7 @@
           <a:p>
             <a:fld id="{699DC775-C286-4358-8C92-D7E584E969B3}" type="datetimeFigureOut">
               <a:rPr lang="en-US" smtClean="0"/>
-              <a:t>2/4/2017</a:t>
+              <a:t>3/12/2017</a:t>
             </a:fld>
             <a:endParaRPr lang="en-US"/>
           </a:p>
@@ -3707,7 +3713,7 @@
           <a:p>
             <a:fld id="{699DC775-C286-4358-8C92-D7E584E969B3}" type="datetimeFigureOut">
               <a:rPr lang="en-US" smtClean="0"/>
-              <a:t>2/4/2017</a:t>
+              <a:t>3/12/2017</a:t>
             </a:fld>
             <a:endParaRPr lang="en-US"/>
           </a:p>
@@ -3957,7 +3963,7 @@
           <a:p>
             <a:fld id="{699DC775-C286-4358-8C92-D7E584E969B3}" type="datetimeFigureOut">
               <a:rPr lang="en-US" smtClean="0"/>
-              <a:t>2/4/2017</a:t>
+              <a:t>3/12/2017</a:t>
             </a:fld>
             <a:endParaRPr lang="en-US"/>
           </a:p>
@@ -4135,7 +4141,7 @@
           <a:p>
             <a:fld id="{699DC775-C286-4358-8C92-D7E584E969B3}" type="datetimeFigureOut">
               <a:rPr lang="en-US" smtClean="0"/>
-              <a:t>2/4/2017</a:t>
+              <a:t>3/12/2017</a:t>
             </a:fld>
             <a:endParaRPr lang="en-US"/>
           </a:p>
@@ -4389,7 +4395,7 @@
           <a:p>
             <a:fld id="{699DC775-C286-4358-8C92-D7E584E969B3}" type="datetimeFigureOut">
               <a:rPr lang="en-US" smtClean="0"/>
-              <a:t>2/4/2017</a:t>
+              <a:t>3/12/2017</a:t>
             </a:fld>
             <a:endParaRPr lang="en-US"/>
           </a:p>
@@ -4685,7 +4691,7 @@
           <a:p>
             <a:fld id="{699DC775-C286-4358-8C92-D7E584E969B3}" type="datetimeFigureOut">
               <a:rPr lang="en-US" smtClean="0"/>
-              <a:t>2/4/2017</a:t>
+              <a:t>3/12/2017</a:t>
             </a:fld>
             <a:endParaRPr lang="en-US"/>
           </a:p>
@@ -5115,7 +5121,7 @@
           <a:p>
             <a:fld id="{699DC775-C286-4358-8C92-D7E584E969B3}" type="datetimeFigureOut">
               <a:rPr lang="en-US" smtClean="0"/>
-              <a:t>2/4/2017</a:t>
+              <a:t>3/12/2017</a:t>
             </a:fld>
             <a:endParaRPr lang="en-US"/>
           </a:p>
@@ -5241,7 +5247,7 @@
           <a:p>
             <a:fld id="{699DC775-C286-4358-8C92-D7E584E969B3}" type="datetimeFigureOut">
               <a:rPr lang="en-US" smtClean="0"/>
-              <a:t>2/4/2017</a:t>
+              <a:t>3/12/2017</a:t>
             </a:fld>
             <a:endParaRPr lang="en-US"/>
           </a:p>
@@ -5344,7 +5350,7 @@
           <a:p>
             <a:fld id="{699DC775-C286-4358-8C92-D7E584E969B3}" type="datetimeFigureOut">
               <a:rPr lang="en-US" smtClean="0"/>
-              <a:t>2/4/2017</a:t>
+              <a:t>3/12/2017</a:t>
             </a:fld>
             <a:endParaRPr lang="en-US"/>
           </a:p>
@@ -5590,7 +5596,7 @@
           <a:p>
             <a:fld id="{699DC775-C286-4358-8C92-D7E584E969B3}" type="datetimeFigureOut">
               <a:rPr lang="en-US" smtClean="0"/>
-              <a:t>2/4/2017</a:t>
+              <a:t>3/12/2017</a:t>
             </a:fld>
             <a:endParaRPr lang="en-US"/>
           </a:p>
@@ -5875,7 +5881,7 @@
           <a:p>
             <a:fld id="{699DC775-C286-4358-8C92-D7E584E969B3}" type="datetimeFigureOut">
               <a:rPr lang="en-US" smtClean="0"/>
-              <a:t>2/4/2017</a:t>
+              <a:t>3/12/2017</a:t>
             </a:fld>
             <a:endParaRPr lang="en-US"/>
           </a:p>
@@ -6136,7 +6142,7 @@
           <a:p>
             <a:fld id="{699DC775-C286-4358-8C92-D7E584E969B3}" type="datetimeFigureOut">
               <a:rPr lang="en-US" smtClean="0"/>
-              <a:t>2/4/2017</a:t>
+              <a:t>3/12/2017</a:t>
             </a:fld>
             <a:endParaRPr lang="en-US"/>
           </a:p>
@@ -6314,7 +6320,7 @@
           <a:p>
             <a:fld id="{699DC775-C286-4358-8C92-D7E584E969B3}" type="datetimeFigureOut">
               <a:rPr lang="en-US" smtClean="0"/>
-              <a:t>2/4/2017</a:t>
+              <a:t>3/12/2017</a:t>
             </a:fld>
             <a:endParaRPr lang="en-US"/>
           </a:p>
@@ -6502,7 +6508,7 @@
           <a:p>
             <a:fld id="{699DC775-C286-4358-8C92-D7E584E969B3}" type="datetimeFigureOut">
               <a:rPr lang="en-US" smtClean="0"/>
-              <a:t>2/4/2017</a:t>
+              <a:t>3/12/2017</a:t>
             </a:fld>
             <a:endParaRPr lang="en-US"/>
           </a:p>
@@ -6790,7 +6796,7 @@
           <a:p>
             <a:fld id="{699DC775-C286-4358-8C92-D7E584E969B3}" type="datetimeFigureOut">
               <a:rPr lang="en-US" smtClean="0"/>
-              <a:t>2/4/2017</a:t>
+              <a:t>3/12/2017</a:t>
             </a:fld>
             <a:endParaRPr lang="en-US"/>
           </a:p>
@@ -7212,7 +7218,7 @@
           <a:p>
             <a:fld id="{699DC775-C286-4358-8C92-D7E584E969B3}" type="datetimeFigureOut">
               <a:rPr lang="en-US" smtClean="0"/>
-              <a:t>2/4/2017</a:t>
+              <a:t>3/12/2017</a:t>
             </a:fld>
             <a:endParaRPr lang="en-US"/>
           </a:p>
@@ -7330,7 +7336,7 @@
           <a:p>
             <a:fld id="{699DC775-C286-4358-8C92-D7E584E969B3}" type="datetimeFigureOut">
               <a:rPr lang="en-US" smtClean="0"/>
-              <a:t>2/4/2017</a:t>
+              <a:t>3/12/2017</a:t>
             </a:fld>
             <a:endParaRPr lang="en-US"/>
           </a:p>
@@ -7425,7 +7431,7 @@
           <a:p>
             <a:fld id="{699DC775-C286-4358-8C92-D7E584E969B3}" type="datetimeFigureOut">
               <a:rPr lang="en-US" smtClean="0"/>
-              <a:t>2/4/2017</a:t>
+              <a:t>3/12/2017</a:t>
             </a:fld>
             <a:endParaRPr lang="en-US"/>
           </a:p>
@@ -7702,7 +7708,7 @@
           <a:p>
             <a:fld id="{699DC775-C286-4358-8C92-D7E584E969B3}" type="datetimeFigureOut">
               <a:rPr lang="en-US" smtClean="0"/>
-              <a:t>2/4/2017</a:t>
+              <a:t>3/12/2017</a:t>
             </a:fld>
             <a:endParaRPr lang="en-US"/>
           </a:p>
@@ -7955,7 +7961,7 @@
           <a:p>
             <a:fld id="{699DC775-C286-4358-8C92-D7E584E969B3}" type="datetimeFigureOut">
               <a:rPr lang="en-US" smtClean="0"/>
-              <a:t>2/4/2017</a:t>
+              <a:t>3/12/2017</a:t>
             </a:fld>
             <a:endParaRPr lang="en-US"/>
           </a:p>
@@ -8168,7 +8174,7 @@
           <a:p>
             <a:fld id="{699DC775-C286-4358-8C92-D7E584E969B3}" type="datetimeFigureOut">
               <a:rPr lang="en-US" smtClean="0"/>
-              <a:t>2/4/2017</a:t>
+              <a:t>3/12/2017</a:t>
             </a:fld>
             <a:endParaRPr lang="en-US"/>
           </a:p>
@@ -8683,7 +8689,7 @@
           <a:p>
             <a:fld id="{699DC775-C286-4358-8C92-D7E584E969B3}" type="datetimeFigureOut">
               <a:rPr lang="en-US" smtClean="0"/>
-              <a:t>2/4/2017</a:t>
+              <a:t>3/12/2017</a:t>
             </a:fld>
             <a:endParaRPr lang="en-US"/>
           </a:p>
@@ -9196,7 +9202,7 @@
           <a:p>
             <a:fld id="{699DC775-C286-4358-8C92-D7E584E969B3}" type="datetimeFigureOut">
               <a:rPr lang="en-US" smtClean="0"/>
-              <a:t>2/4/2017</a:t>
+              <a:t>3/12/2017</a:t>
             </a:fld>
             <a:endParaRPr lang="en-US"/>
           </a:p>
@@ -11381,6 +11387,303 @@
           <a:p>
             <a:r>
               <a:rPr lang="en-US" dirty="0" smtClean="0"/>
+              <a:t>Auto Crop:: Cropped image</a:t>
+            </a:r>
+            <a:br>
+              <a:rPr lang="en-US" dirty="0" smtClean="0"/>
+            </a:br>
+            <a:endParaRPr lang="en-SG" dirty="0"/>
+          </a:p>
+        </p:txBody>
+      </p:sp>
+      <p:sp>
+        <p:nvSpPr>
+          <p:cNvPr id="3" name="Content Placeholder 2"/>
+          <p:cNvSpPr>
+            <a:spLocks noGrp="1"/>
+          </p:cNvSpPr>
+          <p:nvPr>
+            <p:ph idx="1"/>
+          </p:nvPr>
+        </p:nvSpPr>
+        <p:spPr/>
+        <p:txBody>
+          <a:bodyPr/>
+          <a:lstStyle/>
+          <a:p>
+            <a:endParaRPr lang="en-SG" dirty="0"/>
+          </a:p>
+        </p:txBody>
+      </p:sp>
+    </p:spTree>
+    <p:extLst>
+      <p:ext uri="{BB962C8B-B14F-4D97-AF65-F5344CB8AC3E}">
+        <p14:creationId xmlns:p14="http://schemas.microsoft.com/office/powerpoint/2010/main" val="731725823"/>
+      </p:ext>
+    </p:extLst>
+  </p:cSld>
+  <p:clrMapOvr>
+    <a:masterClrMapping/>
+  </p:clrMapOvr>
+</p:sld>
+</file>
+
+<file path=ppt/slides/slide25.xml><?xml version="1.0" encoding="utf-8"?>
+<p:sld xmlns:a="http://schemas.openxmlformats.org/drawingml/2006/main" xmlns:r="http://schemas.openxmlformats.org/officeDocument/2006/relationships" xmlns:p="http://schemas.openxmlformats.org/presentationml/2006/main">
+  <p:cSld>
+    <p:bg>
+      <p:bgPr>
+        <a:solidFill>
+          <a:schemeClr val="bg1"/>
+        </a:solidFill>
+        <a:effectLst/>
+      </p:bgPr>
+    </p:bg>
+    <p:spTree>
+      <p:nvGrpSpPr>
+        <p:cNvPr id="1" name=""/>
+        <p:cNvGrpSpPr/>
+        <p:nvPr/>
+      </p:nvGrpSpPr>
+      <p:grpSpPr>
+        <a:xfrm>
+          <a:off x="0" y="0"/>
+          <a:ext cx="0" cy="0"/>
+          <a:chOff x="0" y="0"/>
+          <a:chExt cx="0" cy="0"/>
+        </a:xfrm>
+      </p:grpSpPr>
+      <p:pic>
+        <p:nvPicPr>
+          <p:cNvPr id="4" name="selectMe2"/>
+          <p:cNvPicPr>
+            <a:picLocks noChangeAspect="1"/>
+          </p:cNvPicPr>
+          <p:nvPr/>
+        </p:nvPicPr>
+        <p:blipFill rotWithShape="1">
+          <a:blip r:embed="rId2">
+            <a:extLst>
+              <a:ext uri="{28A0092B-C50C-407E-A947-70E740481C1C}">
+                <a14:useLocalDpi xmlns:a14="http://schemas.microsoft.com/office/drawing/2010/main" val="0"/>
+              </a:ext>
+            </a:extLst>
+          </a:blip>
+          <a:srcRect l="30001" t="32390" r="33331" b="30237"/>
+          <a:stretch/>
+        </p:blipFill>
+        <p:spPr>
+          <a:xfrm>
+            <a:off x="1828800" y="1219200"/>
+            <a:ext cx="1676400" cy="1143000"/>
+          </a:xfrm>
+          <a:prstGeom prst="rect">
+            <a:avLst/>
+          </a:prstGeom>
+        </p:spPr>
+      </p:pic>
+      <p:pic>
+        <p:nvPicPr>
+          <p:cNvPr id="3" name="selectMe1"/>
+          <p:cNvPicPr>
+            <a:picLocks noChangeAspect="1"/>
+          </p:cNvPicPr>
+          <p:nvPr/>
+        </p:nvPicPr>
+        <p:blipFill rotWithShape="1">
+          <a:blip r:embed="rId2">
+            <a:extLst>
+              <a:ext uri="{28A0092B-C50C-407E-A947-70E740481C1C}">
+                <a14:useLocalDpi xmlns:a14="http://schemas.microsoft.com/office/drawing/2010/main" val="0"/>
+              </a:ext>
+            </a:extLst>
+          </a:blip>
+          <a:srcRect l="10000" t="9966" r="6667" b="10306"/>
+          <a:stretch/>
+        </p:blipFill>
+        <p:spPr>
+          <a:xfrm>
+            <a:off x="4800600" y="3810000"/>
+            <a:ext cx="3810000" cy="2438400"/>
+          </a:xfrm>
+          <a:prstGeom prst="rect">
+            <a:avLst/>
+          </a:prstGeom>
+        </p:spPr>
+      </p:pic>
+    </p:spTree>
+    <p:extLst>
+      <p:ext uri="{BB962C8B-B14F-4D97-AF65-F5344CB8AC3E}">
+        <p14:creationId xmlns:p14="http://schemas.microsoft.com/office/powerpoint/2010/main" val="132719599"/>
+      </p:ext>
+    </p:extLst>
+  </p:cSld>
+  <p:clrMapOvr>
+    <a:masterClrMapping/>
+  </p:clrMapOvr>
+</p:sld>
+</file>
+
+<file path=ppt/slides/slide26.xml><?xml version="1.0" encoding="utf-8"?>
+<p:sld xmlns:a="http://schemas.openxmlformats.org/drawingml/2006/main" xmlns:r="http://schemas.openxmlformats.org/officeDocument/2006/relationships" xmlns:p="http://schemas.openxmlformats.org/presentationml/2006/main">
+  <p:cSld>
+    <p:bg>
+      <p:bgPr>
+        <a:solidFill>
+          <a:schemeClr val="bg1"/>
+        </a:solidFill>
+        <a:effectLst/>
+      </p:bgPr>
+    </p:bg>
+    <p:spTree>
+      <p:nvGrpSpPr>
+        <p:cNvPr id="1" name=""/>
+        <p:cNvGrpSpPr/>
+        <p:nvPr/>
+      </p:nvGrpSpPr>
+      <p:grpSpPr>
+        <a:xfrm>
+          <a:off x="0" y="0"/>
+          <a:ext cx="0" cy="0"/>
+          <a:chOff x="0" y="0"/>
+          <a:chExt cx="0" cy="0"/>
+        </a:xfrm>
+      </p:grpSpPr>
+      <p:pic>
+        <p:nvPicPr>
+          <p:cNvPr id="4" name="selectMe2"/>
+          <p:cNvPicPr>
+            <a:picLocks noChangeAspect="1"/>
+          </p:cNvPicPr>
+          <p:nvPr/>
+        </p:nvPicPr>
+        <p:blipFill rotWithShape="1">
+          <a:blip r:embed="rId2">
+            <a:extLst>
+              <a:ext uri="{28A0092B-C50C-407E-A947-70E740481C1C}">
+                <a14:useLocalDpi xmlns:a14="http://schemas.microsoft.com/office/drawing/2010/main" val="0"/>
+              </a:ext>
+            </a:extLst>
+          </a:blip>
+          <a:srcRect l="30001" t="32390" r="33331" b="30237"/>
+          <a:stretch/>
+        </p:blipFill>
+        <p:spPr>
+          <a:xfrm>
+            <a:off x="1828800" y="1219200"/>
+            <a:ext cx="1676400" cy="1143000"/>
+          </a:xfrm>
+          <a:prstGeom prst="rect">
+            <a:avLst/>
+          </a:prstGeom>
+        </p:spPr>
+      </p:pic>
+      <p:pic>
+        <p:nvPicPr>
+          <p:cNvPr id="3" name="selectMe1"/>
+          <p:cNvPicPr>
+            <a:picLocks noChangeAspect="1"/>
+          </p:cNvPicPr>
+          <p:nvPr/>
+        </p:nvPicPr>
+        <p:blipFill rotWithShape="1">
+          <a:blip r:embed="rId2">
+            <a:extLst>
+              <a:ext uri="{28A0092B-C50C-407E-A947-70E740481C1C}">
+                <a14:useLocalDpi xmlns:a14="http://schemas.microsoft.com/office/drawing/2010/main" val="0"/>
+              </a:ext>
+            </a:extLst>
+          </a:blip>
+          <a:srcRect l="32106" t="31872" r="31227" b="30756"/>
+          <a:stretch/>
+        </p:blipFill>
+        <p:spPr>
+          <a:xfrm>
+            <a:off x="5811307" y="4479966"/>
+            <a:ext cx="1676408" cy="1142999"/>
+          </a:xfrm>
+          <a:prstGeom prst="rect">
+            <a:avLst/>
+          </a:prstGeom>
+        </p:spPr>
+      </p:pic>
+      <p:sp>
+        <p:nvSpPr>
+          <p:cNvPr id="5" name="text"/>
+          <p:cNvSpPr txBox="1"/>
+          <p:nvPr/>
+        </p:nvSpPr>
+        <p:spPr>
+          <a:xfrm>
+            <a:off x="8101022" y="0"/>
+            <a:ext cx="1042978" cy="369332"/>
+          </a:xfrm>
+          <a:prstGeom prst="rect">
+            <a:avLst/>
+          </a:prstGeom>
+          <a:noFill/>
+        </p:spPr>
+        <p:txBody>
+          <a:bodyPr wrap="none" rtlCol="0">
+            <a:spAutoFit/>
+          </a:bodyPr>
+          <a:lstStyle/>
+          <a:p>
+            <a:r>
+              <a:rPr lang="en-SG" dirty="0" smtClean="0"/>
+              <a:t>Expected</a:t>
+            </a:r>
+            <a:endParaRPr lang="en-SG" dirty="0"/>
+          </a:p>
+        </p:txBody>
+      </p:sp>
+    </p:spTree>
+    <p:extLst>
+      <p:ext uri="{BB962C8B-B14F-4D97-AF65-F5344CB8AC3E}">
+        <p14:creationId xmlns:p14="http://schemas.microsoft.com/office/powerpoint/2010/main" val="3134480863"/>
+      </p:ext>
+    </p:extLst>
+  </p:cSld>
+  <p:clrMapOvr>
+    <a:masterClrMapping/>
+  </p:clrMapOvr>
+</p:sld>
+</file>
+
+<file path=ppt/slides/slide27.xml><?xml version="1.0" encoding="utf-8"?>
+<p:sld xmlns:a="http://schemas.openxmlformats.org/drawingml/2006/main" xmlns:r="http://schemas.openxmlformats.org/officeDocument/2006/relationships" xmlns:p="http://schemas.openxmlformats.org/presentationml/2006/main">
+  <p:cSld>
+    <p:spTree>
+      <p:nvGrpSpPr>
+        <p:cNvPr id="1" name=""/>
+        <p:cNvGrpSpPr/>
+        <p:nvPr/>
+      </p:nvGrpSpPr>
+      <p:grpSpPr>
+        <a:xfrm>
+          <a:off x="0" y="0"/>
+          <a:ext cx="0" cy="0"/>
+          <a:chOff x="0" y="0"/>
+          <a:chExt cx="0" cy="0"/>
+        </a:xfrm>
+      </p:grpSpPr>
+      <p:sp>
+        <p:nvSpPr>
+          <p:cNvPr id="2" name="Title 1"/>
+          <p:cNvSpPr>
+            <a:spLocks noGrp="1"/>
+          </p:cNvSpPr>
+          <p:nvPr>
+            <p:ph type="title"/>
+          </p:nvPr>
+        </p:nvSpPr>
+        <p:spPr/>
+        <p:txBody>
+          <a:bodyPr/>
+          <a:lstStyle/>
+          <a:p>
+            <a:r>
+              <a:rPr lang="en-US" dirty="0" smtClean="0"/>
               <a:t>Auto Crop:: non-picture selected</a:t>
             </a:r>
             <a:endParaRPr lang="en-SG" dirty="0"/>
@@ -11423,7 +11726,7 @@
 </p:sld>
 </file>
 
-<file path=ppt/slides/slide25.xml><?xml version="1.0" encoding="utf-8"?>
+<file path=ppt/slides/slide28.xml><?xml version="1.0" encoding="utf-8"?>
 <p:sld xmlns:a="http://schemas.openxmlformats.org/drawingml/2006/main" xmlns:r="http://schemas.openxmlformats.org/officeDocument/2006/relationships" xmlns:p="http://schemas.openxmlformats.org/presentationml/2006/main">
   <p:cSld>
     <p:spTree>
@@ -11533,7 +11836,7 @@
 </p:sld>
 </file>
 
-<file path=ppt/slides/slide26.xml><?xml version="1.0" encoding="utf-8"?>
+<file path=ppt/slides/slide29.xml><?xml version="1.0" encoding="utf-8"?>
 <p:sld xmlns:a="http://schemas.openxmlformats.org/drawingml/2006/main" xmlns:r="http://schemas.openxmlformats.org/officeDocument/2006/relationships" xmlns:p="http://schemas.openxmlformats.org/presentationml/2006/main">
   <p:cSld>
     <p:spTree>
@@ -11611,7 +11914,79 @@
 </p:sld>
 </file>
 
-<file path=ppt/slides/slide27.xml><?xml version="1.0" encoding="utf-8"?>
+<file path=ppt/slides/slide3.xml><?xml version="1.0" encoding="utf-8"?>
+<p:sld xmlns:a="http://schemas.openxmlformats.org/drawingml/2006/main" xmlns:r="http://schemas.openxmlformats.org/officeDocument/2006/relationships" xmlns:p="http://schemas.openxmlformats.org/presentationml/2006/main">
+  <p:cSld>
+    <p:spTree>
+      <p:nvGrpSpPr>
+        <p:cNvPr id="1" name=""/>
+        <p:cNvGrpSpPr/>
+        <p:nvPr/>
+      </p:nvGrpSpPr>
+      <p:grpSpPr>
+        <a:xfrm>
+          <a:off x="0" y="0"/>
+          <a:ext cx="0" cy="0"/>
+          <a:chOff x="0" y="0"/>
+          <a:chExt cx="0" cy="0"/>
+        </a:xfrm>
+      </p:grpSpPr>
+      <p:sp>
+        <p:nvSpPr>
+          <p:cNvPr id="2" name="Title 1"/>
+          <p:cNvSpPr>
+            <a:spLocks noGrp="1"/>
+          </p:cNvSpPr>
+          <p:nvPr>
+            <p:ph type="title"/>
+          </p:nvPr>
+        </p:nvSpPr>
+        <p:spPr/>
+        <p:txBody>
+          <a:bodyPr/>
+          <a:lstStyle/>
+          <a:p>
+            <a:r>
+              <a:rPr lang="en-US" dirty="0" smtClean="0"/>
+              <a:t>Auto Crop:: Same picture</a:t>
+            </a:r>
+            <a:endParaRPr lang="en-SG" dirty="0"/>
+          </a:p>
+        </p:txBody>
+      </p:sp>
+      <p:sp>
+        <p:nvSpPr>
+          <p:cNvPr id="3" name="Content Placeholder 2"/>
+          <p:cNvSpPr>
+            <a:spLocks noGrp="1"/>
+          </p:cNvSpPr>
+          <p:nvPr>
+            <p:ph idx="1"/>
+          </p:nvPr>
+        </p:nvSpPr>
+        <p:spPr/>
+        <p:txBody>
+          <a:bodyPr/>
+          <a:lstStyle/>
+          <a:p>
+            <a:endParaRPr lang="en-SG" dirty="0"/>
+          </a:p>
+        </p:txBody>
+      </p:sp>
+    </p:spTree>
+    <p:extLst>
+      <p:ext uri="{BB962C8B-B14F-4D97-AF65-F5344CB8AC3E}">
+        <p14:creationId xmlns:p14="http://schemas.microsoft.com/office/powerpoint/2010/main" val="1286891872"/>
+      </p:ext>
+    </p:extLst>
+  </p:cSld>
+  <p:clrMapOvr>
+    <a:masterClrMapping/>
+  </p:clrMapOvr>
+</p:sld>
+</file>
+
+<file path=ppt/slides/slide30.xml><?xml version="1.0" encoding="utf-8"?>
 <p:sld xmlns:a="http://schemas.openxmlformats.org/drawingml/2006/main" xmlns:r="http://schemas.openxmlformats.org/officeDocument/2006/relationships" xmlns:p="http://schemas.openxmlformats.org/presentationml/2006/main">
   <p:cSld>
     <p:spTree>
@@ -11641,7 +12016,7 @@
 </p:sld>
 </file>
 
-<file path=ppt/slides/slide28.xml><?xml version="1.0" encoding="utf-8"?>
+<file path=ppt/slides/slide31.xml><?xml version="1.0" encoding="utf-8"?>
 <p:sld xmlns:a="http://schemas.openxmlformats.org/drawingml/2006/main" xmlns:r="http://schemas.openxmlformats.org/officeDocument/2006/relationships" xmlns:p="http://schemas.openxmlformats.org/presentationml/2006/main" show="0">
   <p:cSld>
     <p:spTree>
@@ -11731,78 +12106,6 @@
       </p:par>
     </p:tnLst>
   </p:timing>
-</p:sld>
-</file>
-
-<file path=ppt/slides/slide3.xml><?xml version="1.0" encoding="utf-8"?>
-<p:sld xmlns:a="http://schemas.openxmlformats.org/drawingml/2006/main" xmlns:r="http://schemas.openxmlformats.org/officeDocument/2006/relationships" xmlns:p="http://schemas.openxmlformats.org/presentationml/2006/main">
-  <p:cSld>
-    <p:spTree>
-      <p:nvGrpSpPr>
-        <p:cNvPr id="1" name=""/>
-        <p:cNvGrpSpPr/>
-        <p:nvPr/>
-      </p:nvGrpSpPr>
-      <p:grpSpPr>
-        <a:xfrm>
-          <a:off x="0" y="0"/>
-          <a:ext cx="0" cy="0"/>
-          <a:chOff x="0" y="0"/>
-          <a:chExt cx="0" cy="0"/>
-        </a:xfrm>
-      </p:grpSpPr>
-      <p:sp>
-        <p:nvSpPr>
-          <p:cNvPr id="2" name="Title 1"/>
-          <p:cNvSpPr>
-            <a:spLocks noGrp="1"/>
-          </p:cNvSpPr>
-          <p:nvPr>
-            <p:ph type="title"/>
-          </p:nvPr>
-        </p:nvSpPr>
-        <p:spPr/>
-        <p:txBody>
-          <a:bodyPr/>
-          <a:lstStyle/>
-          <a:p>
-            <a:r>
-              <a:rPr lang="en-US" dirty="0" smtClean="0"/>
-              <a:t>Auto Crop:: Same picture</a:t>
-            </a:r>
-            <a:endParaRPr lang="en-SG" dirty="0"/>
-          </a:p>
-        </p:txBody>
-      </p:sp>
-      <p:sp>
-        <p:nvSpPr>
-          <p:cNvPr id="3" name="Content Placeholder 2"/>
-          <p:cNvSpPr>
-            <a:spLocks noGrp="1"/>
-          </p:cNvSpPr>
-          <p:nvPr>
-            <p:ph idx="1"/>
-          </p:nvPr>
-        </p:nvSpPr>
-        <p:spPr/>
-        <p:txBody>
-          <a:bodyPr/>
-          <a:lstStyle/>
-          <a:p>
-            <a:endParaRPr lang="en-SG" dirty="0"/>
-          </a:p>
-        </p:txBody>
-      </p:sp>
-    </p:spTree>
-    <p:extLst>
-      <p:ext uri="{BB962C8B-B14F-4D97-AF65-F5344CB8AC3E}">
-        <p14:creationId xmlns:p14="http://schemas.microsoft.com/office/powerpoint/2010/main" val="1286891872"/>
-      </p:ext>
-    </p:extLst>
-  </p:cSld>
-  <p:clrMapOvr>
-    <a:masterClrMapping/>
-  </p:clrMapOvr>
 </p:sld>
 </file>
 

--- a/doc/test/CropToSame.pptx
+++ b/doc/test/CropToSame.pptx
@@ -7,40 +7,38 @@
     <p:sldMasterId id="2147483672" r:id="rId3"/>
   </p:sldMasterIdLst>
   <p:notesMasterIdLst>
-    <p:notesMasterId r:id="rId35"/>
+    <p:notesMasterId r:id="rId33"/>
   </p:notesMasterIdLst>
   <p:sldIdLst>
     <p:sldId id="287" r:id="rId4"/>
     <p:sldId id="256" r:id="rId5"/>
-    <p:sldId id="292" r:id="rId6"/>
-    <p:sldId id="293" r:id="rId7"/>
-    <p:sldId id="344" r:id="rId8"/>
-    <p:sldId id="296" r:id="rId9"/>
-    <p:sldId id="310" r:id="rId10"/>
-    <p:sldId id="346" r:id="rId11"/>
-    <p:sldId id="305" r:id="rId12"/>
-    <p:sldId id="347" r:id="rId13"/>
-    <p:sldId id="349" r:id="rId14"/>
-    <p:sldId id="358" r:id="rId15"/>
-    <p:sldId id="359" r:id="rId16"/>
-    <p:sldId id="360" r:id="rId17"/>
-    <p:sldId id="317" r:id="rId18"/>
-    <p:sldId id="350" r:id="rId19"/>
-    <p:sldId id="352" r:id="rId20"/>
-    <p:sldId id="321" r:id="rId21"/>
-    <p:sldId id="362" r:id="rId22"/>
-    <p:sldId id="363" r:id="rId23"/>
-    <p:sldId id="325" r:id="rId24"/>
-    <p:sldId id="355" r:id="rId25"/>
-    <p:sldId id="357" r:id="rId26"/>
-    <p:sldId id="366" r:id="rId27"/>
-    <p:sldId id="365" r:id="rId28"/>
-    <p:sldId id="368" r:id="rId29"/>
-    <p:sldId id="331" r:id="rId30"/>
-    <p:sldId id="332" r:id="rId31"/>
-    <p:sldId id="333" r:id="rId32"/>
-    <p:sldId id="334" r:id="rId33"/>
-    <p:sldId id="318" r:id="rId34"/>
+    <p:sldId id="296" r:id="rId6"/>
+    <p:sldId id="310" r:id="rId7"/>
+    <p:sldId id="346" r:id="rId8"/>
+    <p:sldId id="305" r:id="rId9"/>
+    <p:sldId id="347" r:id="rId10"/>
+    <p:sldId id="349" r:id="rId11"/>
+    <p:sldId id="358" r:id="rId12"/>
+    <p:sldId id="359" r:id="rId13"/>
+    <p:sldId id="360" r:id="rId14"/>
+    <p:sldId id="317" r:id="rId15"/>
+    <p:sldId id="350" r:id="rId16"/>
+    <p:sldId id="352" r:id="rId17"/>
+    <p:sldId id="325" r:id="rId18"/>
+    <p:sldId id="355" r:id="rId19"/>
+    <p:sldId id="357" r:id="rId20"/>
+    <p:sldId id="366" r:id="rId21"/>
+    <p:sldId id="365" r:id="rId22"/>
+    <p:sldId id="368" r:id="rId23"/>
+    <p:sldId id="331" r:id="rId24"/>
+    <p:sldId id="332" r:id="rId25"/>
+    <p:sldId id="333" r:id="rId26"/>
+    <p:sldId id="334" r:id="rId27"/>
+    <p:sldId id="292" r:id="rId28"/>
+    <p:sldId id="293" r:id="rId29"/>
+    <p:sldId id="321" r:id="rId30"/>
+    <p:sldId id="362" r:id="rId31"/>
+    <p:sldId id="318" r:id="rId32"/>
   </p:sldIdLst>
   <p:sldSz cx="9144000" cy="6858000" type="screen4x3"/>
   <p:notesSz cx="6858000" cy="9144000"/>
@@ -150,9 +148,6 @@
         <p14:section name="AutoCrop" id="{A3A2B0AB-762C-4281-AA7B-EF7E134E0DC4}">
           <p14:sldIdLst>
             <p14:sldId id="256"/>
-            <p14:sldId id="292"/>
-            <p14:sldId id="293"/>
-            <p14:sldId id="344"/>
             <p14:sldId id="296"/>
             <p14:sldId id="310"/>
             <p14:sldId id="346"/>
@@ -165,9 +160,6 @@
             <p14:sldId id="317"/>
             <p14:sldId id="350"/>
             <p14:sldId id="352"/>
-            <p14:sldId id="321"/>
-            <p14:sldId id="362"/>
-            <p14:sldId id="363"/>
             <p14:sldId id="325"/>
             <p14:sldId id="355"/>
             <p14:sldId id="357"/>
@@ -178,6 +170,10 @@
             <p14:sldId id="332"/>
             <p14:sldId id="333"/>
             <p14:sldId id="334"/>
+            <p14:sldId id="292"/>
+            <p14:sldId id="293"/>
+            <p14:sldId id="321"/>
+            <p14:sldId id="362"/>
             <p14:sldId id="318"/>
           </p14:sldIdLst>
         </p14:section>
@@ -283,7 +279,7 @@
           <a:p>
             <a:fld id="{26004F41-C1A1-4B0D-9EEE-5E3F0E5BC108}" type="datetimeFigureOut">
               <a:rPr lang="en-SG" smtClean="0"/>
-              <a:t>3/12/2017</a:t>
+              <a:t>3/20/2017</a:t>
             </a:fld>
             <a:endParaRPr lang="en-SG"/>
           </a:p>
@@ -347,35 +343,35 @@
           <a:p>
             <a:pPr lvl="0"/>
             <a:r>
-              <a:rPr lang="zh-CN" altLang="en-US" smtClean="0"/>
+              <a:rPr lang="zh-CN" altLang="en-US"/>
               <a:t>单击此处编辑母版文本样式</a:t>
             </a:r>
           </a:p>
           <a:p>
             <a:pPr lvl="1"/>
             <a:r>
-              <a:rPr lang="zh-CN" altLang="en-US" smtClean="0"/>
+              <a:rPr lang="zh-CN" altLang="en-US"/>
               <a:t>第二级</a:t>
             </a:r>
           </a:p>
           <a:p>
             <a:pPr lvl="2"/>
             <a:r>
-              <a:rPr lang="zh-CN" altLang="en-US" smtClean="0"/>
+              <a:rPr lang="zh-CN" altLang="en-US"/>
               <a:t>第三级</a:t>
             </a:r>
           </a:p>
           <a:p>
             <a:pPr lvl="3"/>
             <a:r>
-              <a:rPr lang="zh-CN" altLang="en-US" smtClean="0"/>
+              <a:rPr lang="zh-CN" altLang="en-US"/>
               <a:t>第四级</a:t>
             </a:r>
           </a:p>
           <a:p>
             <a:pPr lvl="4"/>
             <a:r>
-              <a:rPr lang="zh-CN" altLang="en-US" smtClean="0"/>
+              <a:rPr lang="zh-CN" altLang="en-US"/>
               <a:t>第五级</a:t>
             </a:r>
             <a:endParaRPr lang="en-SG"/>
@@ -589,10 +585,9 @@
           <a:lstStyle/>
           <a:p>
             <a:r>
-              <a:rPr lang="en-US" smtClean="0"/>
+              <a:rPr lang="en-US"/>
               <a:t>Click to edit Master title style</a:t>
             </a:r>
-            <a:endParaRPr lang="en-US"/>
           </a:p>
         </p:txBody>
       </p:sp>
@@ -708,10 +703,9 @@
           </a:lstStyle>
           <a:p>
             <a:r>
-              <a:rPr lang="en-US" smtClean="0"/>
+              <a:rPr lang="en-US"/>
               <a:t>Click to edit Master subtitle style</a:t>
             </a:r>
-            <a:endParaRPr lang="en-US"/>
           </a:p>
         </p:txBody>
       </p:sp>
@@ -732,7 +726,7 @@
           <a:p>
             <a:fld id="{699DC775-C286-4358-8C92-D7E584E969B3}" type="datetimeFigureOut">
               <a:rPr lang="en-US" smtClean="0"/>
-              <a:t>3/12/2017</a:t>
+              <a:t>3/20/2017</a:t>
             </a:fld>
             <a:endParaRPr lang="en-US"/>
           </a:p>
@@ -826,10 +820,9 @@
           <a:lstStyle/>
           <a:p>
             <a:r>
-              <a:rPr lang="en-US" smtClean="0"/>
+              <a:rPr lang="en-US"/>
               <a:t>Click to edit Master title style</a:t>
             </a:r>
-            <a:endParaRPr lang="en-US"/>
           </a:p>
         </p:txBody>
       </p:sp>
@@ -850,38 +843,37 @@
           <a:p>
             <a:pPr lvl="0"/>
             <a:r>
-              <a:rPr lang="en-US" smtClean="0"/>
+              <a:rPr lang="en-US"/>
               <a:t>Click to edit Master text styles</a:t>
             </a:r>
           </a:p>
           <a:p>
             <a:pPr lvl="1"/>
             <a:r>
-              <a:rPr lang="en-US" smtClean="0"/>
+              <a:rPr lang="en-US"/>
               <a:t>Second level</a:t>
             </a:r>
           </a:p>
           <a:p>
             <a:pPr lvl="2"/>
             <a:r>
-              <a:rPr lang="en-US" smtClean="0"/>
+              <a:rPr lang="en-US"/>
               <a:t>Third level</a:t>
             </a:r>
           </a:p>
           <a:p>
             <a:pPr lvl="3"/>
             <a:r>
-              <a:rPr lang="en-US" smtClean="0"/>
+              <a:rPr lang="en-US"/>
               <a:t>Fourth level</a:t>
             </a:r>
           </a:p>
           <a:p>
             <a:pPr lvl="4"/>
             <a:r>
-              <a:rPr lang="en-US" smtClean="0"/>
+              <a:rPr lang="en-US"/>
               <a:t>Fifth level</a:t>
             </a:r>
-            <a:endParaRPr lang="en-US"/>
           </a:p>
         </p:txBody>
       </p:sp>
@@ -902,7 +894,7 @@
           <a:p>
             <a:fld id="{699DC775-C286-4358-8C92-D7E584E969B3}" type="datetimeFigureOut">
               <a:rPr lang="en-US" smtClean="0"/>
-              <a:t>3/12/2017</a:t>
+              <a:t>3/20/2017</a:t>
             </a:fld>
             <a:endParaRPr lang="en-US"/>
           </a:p>
@@ -1001,10 +993,9 @@
           <a:lstStyle/>
           <a:p>
             <a:r>
-              <a:rPr lang="en-US" smtClean="0"/>
+              <a:rPr lang="en-US"/>
               <a:t>Click to edit Master title style</a:t>
             </a:r>
-            <a:endParaRPr lang="en-US"/>
           </a:p>
         </p:txBody>
       </p:sp>
@@ -1030,38 +1021,37 @@
           <a:p>
             <a:pPr lvl="0"/>
             <a:r>
-              <a:rPr lang="en-US" smtClean="0"/>
+              <a:rPr lang="en-US"/>
               <a:t>Click to edit Master text styles</a:t>
             </a:r>
           </a:p>
           <a:p>
             <a:pPr lvl="1"/>
             <a:r>
-              <a:rPr lang="en-US" smtClean="0"/>
+              <a:rPr lang="en-US"/>
               <a:t>Second level</a:t>
             </a:r>
           </a:p>
           <a:p>
             <a:pPr lvl="2"/>
             <a:r>
-              <a:rPr lang="en-US" smtClean="0"/>
+              <a:rPr lang="en-US"/>
               <a:t>Third level</a:t>
             </a:r>
           </a:p>
           <a:p>
             <a:pPr lvl="3"/>
             <a:r>
-              <a:rPr lang="en-US" smtClean="0"/>
+              <a:rPr lang="en-US"/>
               <a:t>Fourth level</a:t>
             </a:r>
           </a:p>
           <a:p>
             <a:pPr lvl="4"/>
             <a:r>
-              <a:rPr lang="en-US" smtClean="0"/>
+              <a:rPr lang="en-US"/>
               <a:t>Fifth level</a:t>
             </a:r>
-            <a:endParaRPr lang="en-US"/>
           </a:p>
         </p:txBody>
       </p:sp>
@@ -1082,7 +1072,7 @@
           <a:p>
             <a:fld id="{699DC775-C286-4358-8C92-D7E584E969B3}" type="datetimeFigureOut">
               <a:rPr lang="en-US" smtClean="0"/>
-              <a:t>3/12/2017</a:t>
+              <a:t>3/20/2017</a:t>
             </a:fld>
             <a:endParaRPr lang="en-US"/>
           </a:p>
@@ -1181,10 +1171,9 @@
           <a:lstStyle/>
           <a:p>
             <a:r>
-              <a:rPr lang="en-US" smtClean="0"/>
+              <a:rPr lang="en-US"/>
               <a:t>Click to edit Master title style</a:t>
             </a:r>
-            <a:endParaRPr lang="en-US"/>
           </a:p>
         </p:txBody>
       </p:sp>
@@ -1300,10 +1289,9 @@
           </a:lstStyle>
           <a:p>
             <a:r>
-              <a:rPr lang="en-US" smtClean="0"/>
+              <a:rPr lang="en-US"/>
               <a:t>Click to edit Master subtitle style</a:t>
             </a:r>
-            <a:endParaRPr lang="en-US"/>
           </a:p>
         </p:txBody>
       </p:sp>
@@ -1324,7 +1312,7 @@
           <a:p>
             <a:fld id="{699DC775-C286-4358-8C92-D7E584E969B3}" type="datetimeFigureOut">
               <a:rPr lang="en-US" smtClean="0"/>
-              <a:t>3/12/2017</a:t>
+              <a:t>3/20/2017</a:t>
             </a:fld>
             <a:endParaRPr lang="en-US"/>
           </a:p>
@@ -1418,10 +1406,9 @@
           <a:lstStyle/>
           <a:p>
             <a:r>
-              <a:rPr lang="en-US" smtClean="0"/>
+              <a:rPr lang="en-US"/>
               <a:t>Click to edit Master title style</a:t>
             </a:r>
-            <a:endParaRPr lang="en-US"/>
           </a:p>
         </p:txBody>
       </p:sp>
@@ -1442,38 +1429,37 @@
           <a:p>
             <a:pPr lvl="0"/>
             <a:r>
-              <a:rPr lang="en-US" smtClean="0"/>
+              <a:rPr lang="en-US"/>
               <a:t>Click to edit Master text styles</a:t>
             </a:r>
           </a:p>
           <a:p>
             <a:pPr lvl="1"/>
             <a:r>
-              <a:rPr lang="en-US" smtClean="0"/>
+              <a:rPr lang="en-US"/>
               <a:t>Second level</a:t>
             </a:r>
           </a:p>
           <a:p>
             <a:pPr lvl="2"/>
             <a:r>
-              <a:rPr lang="en-US" smtClean="0"/>
+              <a:rPr lang="en-US"/>
               <a:t>Third level</a:t>
             </a:r>
           </a:p>
           <a:p>
             <a:pPr lvl="3"/>
             <a:r>
-              <a:rPr lang="en-US" smtClean="0"/>
+              <a:rPr lang="en-US"/>
               <a:t>Fourth level</a:t>
             </a:r>
           </a:p>
           <a:p>
             <a:pPr lvl="4"/>
             <a:r>
-              <a:rPr lang="en-US" smtClean="0"/>
+              <a:rPr lang="en-US"/>
               <a:t>Fifth level</a:t>
             </a:r>
-            <a:endParaRPr lang="en-US"/>
           </a:p>
         </p:txBody>
       </p:sp>
@@ -1494,7 +1480,7 @@
           <a:p>
             <a:fld id="{699DC775-C286-4358-8C92-D7E584E969B3}" type="datetimeFigureOut">
               <a:rPr lang="en-US" smtClean="0"/>
-              <a:t>3/12/2017</a:t>
+              <a:t>3/20/2017</a:t>
             </a:fld>
             <a:endParaRPr lang="en-US"/>
           </a:p>
@@ -1597,10 +1583,9 @@
           </a:lstStyle>
           <a:p>
             <a:r>
-              <a:rPr lang="en-US" smtClean="0"/>
+              <a:rPr lang="en-US"/>
               <a:t>Click to edit Master title style</a:t>
             </a:r>
-            <a:endParaRPr lang="en-US"/>
           </a:p>
         </p:txBody>
       </p:sp>
@@ -1717,7 +1702,7 @@
           <a:p>
             <a:pPr lvl="0"/>
             <a:r>
-              <a:rPr lang="en-US" smtClean="0"/>
+              <a:rPr lang="en-US"/>
               <a:t>Click to edit Master text styles</a:t>
             </a:r>
           </a:p>
@@ -1740,7 +1725,7 @@
           <a:p>
             <a:fld id="{699DC775-C286-4358-8C92-D7E584E969B3}" type="datetimeFigureOut">
               <a:rPr lang="en-US" smtClean="0"/>
-              <a:t>3/12/2017</a:t>
+              <a:t>3/20/2017</a:t>
             </a:fld>
             <a:endParaRPr lang="en-US"/>
           </a:p>
@@ -1834,10 +1819,9 @@
           <a:lstStyle/>
           <a:p>
             <a:r>
-              <a:rPr lang="en-US" smtClean="0"/>
+              <a:rPr lang="en-US"/>
               <a:t>Click to edit Master title style</a:t>
             </a:r>
-            <a:endParaRPr lang="en-US"/>
           </a:p>
         </p:txBody>
       </p:sp>
@@ -1891,38 +1875,37 @@
           <a:p>
             <a:pPr lvl="0"/>
             <a:r>
-              <a:rPr lang="en-US" smtClean="0"/>
+              <a:rPr lang="en-US"/>
               <a:t>Click to edit Master text styles</a:t>
             </a:r>
           </a:p>
           <a:p>
             <a:pPr lvl="1"/>
             <a:r>
-              <a:rPr lang="en-US" smtClean="0"/>
+              <a:rPr lang="en-US"/>
               <a:t>Second level</a:t>
             </a:r>
           </a:p>
           <a:p>
             <a:pPr lvl="2"/>
             <a:r>
-              <a:rPr lang="en-US" smtClean="0"/>
+              <a:rPr lang="en-US"/>
               <a:t>Third level</a:t>
             </a:r>
           </a:p>
           <a:p>
             <a:pPr lvl="3"/>
             <a:r>
-              <a:rPr lang="en-US" smtClean="0"/>
+              <a:rPr lang="en-US"/>
               <a:t>Fourth level</a:t>
             </a:r>
           </a:p>
           <a:p>
             <a:pPr lvl="4"/>
             <a:r>
-              <a:rPr lang="en-US" smtClean="0"/>
+              <a:rPr lang="en-US"/>
               <a:t>Fifth level</a:t>
             </a:r>
-            <a:endParaRPr lang="en-US"/>
           </a:p>
         </p:txBody>
       </p:sp>
@@ -1976,38 +1959,37 @@
           <a:p>
             <a:pPr lvl="0"/>
             <a:r>
-              <a:rPr lang="en-US" smtClean="0"/>
+              <a:rPr lang="en-US"/>
               <a:t>Click to edit Master text styles</a:t>
             </a:r>
           </a:p>
           <a:p>
             <a:pPr lvl="1"/>
             <a:r>
-              <a:rPr lang="en-US" smtClean="0"/>
+              <a:rPr lang="en-US"/>
               <a:t>Second level</a:t>
             </a:r>
           </a:p>
           <a:p>
             <a:pPr lvl="2"/>
             <a:r>
-              <a:rPr lang="en-US" smtClean="0"/>
+              <a:rPr lang="en-US"/>
               <a:t>Third level</a:t>
             </a:r>
           </a:p>
           <a:p>
             <a:pPr lvl="3"/>
             <a:r>
-              <a:rPr lang="en-US" smtClean="0"/>
+              <a:rPr lang="en-US"/>
               <a:t>Fourth level</a:t>
             </a:r>
           </a:p>
           <a:p>
             <a:pPr lvl="4"/>
             <a:r>
-              <a:rPr lang="en-US" smtClean="0"/>
+              <a:rPr lang="en-US"/>
               <a:t>Fifth level</a:t>
             </a:r>
-            <a:endParaRPr lang="en-US"/>
           </a:p>
         </p:txBody>
       </p:sp>
@@ -2028,7 +2010,7 @@
           <a:p>
             <a:fld id="{699DC775-C286-4358-8C92-D7E584E969B3}" type="datetimeFigureOut">
               <a:rPr lang="en-US" smtClean="0"/>
-              <a:t>3/12/2017</a:t>
+              <a:t>3/20/2017</a:t>
             </a:fld>
             <a:endParaRPr lang="en-US"/>
           </a:p>
@@ -2126,10 +2108,9 @@
           </a:lstStyle>
           <a:p>
             <a:r>
-              <a:rPr lang="en-US" smtClean="0"/>
+              <a:rPr lang="en-US"/>
               <a:t>Click to edit Master title style</a:t>
             </a:r>
-            <a:endParaRPr lang="en-US"/>
           </a:p>
         </p:txBody>
       </p:sp>
@@ -2192,7 +2173,7 @@
           <a:p>
             <a:pPr lvl="0"/>
             <a:r>
-              <a:rPr lang="en-US" smtClean="0"/>
+              <a:rPr lang="en-US"/>
               <a:t>Click to edit Master text styles</a:t>
             </a:r>
           </a:p>
@@ -2248,38 +2229,37 @@
           <a:p>
             <a:pPr lvl="0"/>
             <a:r>
-              <a:rPr lang="en-US" smtClean="0"/>
+              <a:rPr lang="en-US"/>
               <a:t>Click to edit Master text styles</a:t>
             </a:r>
           </a:p>
           <a:p>
             <a:pPr lvl="1"/>
             <a:r>
-              <a:rPr lang="en-US" smtClean="0"/>
+              <a:rPr lang="en-US"/>
               <a:t>Second level</a:t>
             </a:r>
           </a:p>
           <a:p>
             <a:pPr lvl="2"/>
             <a:r>
-              <a:rPr lang="en-US" smtClean="0"/>
+              <a:rPr lang="en-US"/>
               <a:t>Third level</a:t>
             </a:r>
           </a:p>
           <a:p>
             <a:pPr lvl="3"/>
             <a:r>
-              <a:rPr lang="en-US" smtClean="0"/>
+              <a:rPr lang="en-US"/>
               <a:t>Fourth level</a:t>
             </a:r>
           </a:p>
           <a:p>
             <a:pPr lvl="4"/>
             <a:r>
-              <a:rPr lang="en-US" smtClean="0"/>
+              <a:rPr lang="en-US"/>
               <a:t>Fifth level</a:t>
             </a:r>
-            <a:endParaRPr lang="en-US"/>
           </a:p>
         </p:txBody>
       </p:sp>
@@ -2342,7 +2322,7 @@
           <a:p>
             <a:pPr lvl="0"/>
             <a:r>
-              <a:rPr lang="en-US" smtClean="0"/>
+              <a:rPr lang="en-US"/>
               <a:t>Click to edit Master text styles</a:t>
             </a:r>
           </a:p>
@@ -2398,38 +2378,37 @@
           <a:p>
             <a:pPr lvl="0"/>
             <a:r>
-              <a:rPr lang="en-US" smtClean="0"/>
+              <a:rPr lang="en-US"/>
               <a:t>Click to edit Master text styles</a:t>
             </a:r>
           </a:p>
           <a:p>
             <a:pPr lvl="1"/>
             <a:r>
-              <a:rPr lang="en-US" smtClean="0"/>
+              <a:rPr lang="en-US"/>
               <a:t>Second level</a:t>
             </a:r>
           </a:p>
           <a:p>
             <a:pPr lvl="2"/>
             <a:r>
-              <a:rPr lang="en-US" smtClean="0"/>
+              <a:rPr lang="en-US"/>
               <a:t>Third level</a:t>
             </a:r>
           </a:p>
           <a:p>
             <a:pPr lvl="3"/>
             <a:r>
-              <a:rPr lang="en-US" smtClean="0"/>
+              <a:rPr lang="en-US"/>
               <a:t>Fourth level</a:t>
             </a:r>
           </a:p>
           <a:p>
             <a:pPr lvl="4"/>
             <a:r>
-              <a:rPr lang="en-US" smtClean="0"/>
+              <a:rPr lang="en-US"/>
               <a:t>Fifth level</a:t>
             </a:r>
-            <a:endParaRPr lang="en-US"/>
           </a:p>
         </p:txBody>
       </p:sp>
@@ -2450,7 +2429,7 @@
           <a:p>
             <a:fld id="{699DC775-C286-4358-8C92-D7E584E969B3}" type="datetimeFigureOut">
               <a:rPr lang="en-US" smtClean="0"/>
-              <a:t>3/12/2017</a:t>
+              <a:t>3/20/2017</a:t>
             </a:fld>
             <a:endParaRPr lang="en-US"/>
           </a:p>
@@ -2544,10 +2523,9 @@
           <a:lstStyle/>
           <a:p>
             <a:r>
-              <a:rPr lang="en-US" smtClean="0"/>
+              <a:rPr lang="en-US"/>
               <a:t>Click to edit Master title style</a:t>
             </a:r>
-            <a:endParaRPr lang="en-US"/>
           </a:p>
         </p:txBody>
       </p:sp>
@@ -2568,7 +2546,7 @@
           <a:p>
             <a:fld id="{699DC775-C286-4358-8C92-D7E584E969B3}" type="datetimeFigureOut">
               <a:rPr lang="en-US" smtClean="0"/>
-              <a:t>3/12/2017</a:t>
+              <a:t>3/20/2017</a:t>
             </a:fld>
             <a:endParaRPr lang="en-US"/>
           </a:p>
@@ -2663,7 +2641,7 @@
           <a:p>
             <a:fld id="{699DC775-C286-4358-8C92-D7E584E969B3}" type="datetimeFigureOut">
               <a:rPr lang="en-US" smtClean="0"/>
-              <a:t>3/12/2017</a:t>
+              <a:t>3/20/2017</a:t>
             </a:fld>
             <a:endParaRPr lang="en-US"/>
           </a:p>
@@ -2766,10 +2744,9 @@
           </a:lstStyle>
           <a:p>
             <a:r>
-              <a:rPr lang="en-US" smtClean="0"/>
+              <a:rPr lang="en-US"/>
               <a:t>Click to edit Master title style</a:t>
             </a:r>
-            <a:endParaRPr lang="en-US"/>
           </a:p>
         </p:txBody>
       </p:sp>
@@ -2823,38 +2800,37 @@
           <a:p>
             <a:pPr lvl="0"/>
             <a:r>
-              <a:rPr lang="en-US" smtClean="0"/>
+              <a:rPr lang="en-US"/>
               <a:t>Click to edit Master text styles</a:t>
             </a:r>
           </a:p>
           <a:p>
             <a:pPr lvl="1"/>
             <a:r>
-              <a:rPr lang="en-US" smtClean="0"/>
+              <a:rPr lang="en-US"/>
               <a:t>Second level</a:t>
             </a:r>
           </a:p>
           <a:p>
             <a:pPr lvl="2"/>
             <a:r>
-              <a:rPr lang="en-US" smtClean="0"/>
+              <a:rPr lang="en-US"/>
               <a:t>Third level</a:t>
             </a:r>
           </a:p>
           <a:p>
             <a:pPr lvl="3"/>
             <a:r>
-              <a:rPr lang="en-US" smtClean="0"/>
+              <a:rPr lang="en-US"/>
               <a:t>Fourth level</a:t>
             </a:r>
           </a:p>
           <a:p>
             <a:pPr lvl="4"/>
             <a:r>
-              <a:rPr lang="en-US" smtClean="0"/>
+              <a:rPr lang="en-US"/>
               <a:t>Fifth level</a:t>
             </a:r>
-            <a:endParaRPr lang="en-US"/>
           </a:p>
         </p:txBody>
       </p:sp>
@@ -2917,7 +2893,7 @@
           <a:p>
             <a:pPr lvl="0"/>
             <a:r>
-              <a:rPr lang="en-US" smtClean="0"/>
+              <a:rPr lang="en-US"/>
               <a:t>Click to edit Master text styles</a:t>
             </a:r>
           </a:p>
@@ -2940,7 +2916,7 @@
           <a:p>
             <a:fld id="{699DC775-C286-4358-8C92-D7E584E969B3}" type="datetimeFigureOut">
               <a:rPr lang="en-US" smtClean="0"/>
-              <a:t>3/12/2017</a:t>
+              <a:t>3/20/2017</a:t>
             </a:fld>
             <a:endParaRPr lang="en-US"/>
           </a:p>
@@ -3034,10 +3010,9 @@
           <a:lstStyle/>
           <a:p>
             <a:r>
-              <a:rPr lang="en-US" smtClean="0"/>
+              <a:rPr lang="en-US"/>
               <a:t>Click to edit Master title style</a:t>
             </a:r>
-            <a:endParaRPr lang="en-US"/>
           </a:p>
         </p:txBody>
       </p:sp>
@@ -3058,38 +3033,37 @@
           <a:p>
             <a:pPr lvl="0"/>
             <a:r>
-              <a:rPr lang="en-US" smtClean="0"/>
+              <a:rPr lang="en-US"/>
               <a:t>Click to edit Master text styles</a:t>
             </a:r>
           </a:p>
           <a:p>
             <a:pPr lvl="1"/>
             <a:r>
-              <a:rPr lang="en-US" smtClean="0"/>
+              <a:rPr lang="en-US"/>
               <a:t>Second level</a:t>
             </a:r>
           </a:p>
           <a:p>
             <a:pPr lvl="2"/>
             <a:r>
-              <a:rPr lang="en-US" smtClean="0"/>
+              <a:rPr lang="en-US"/>
               <a:t>Third level</a:t>
             </a:r>
           </a:p>
           <a:p>
             <a:pPr lvl="3"/>
             <a:r>
-              <a:rPr lang="en-US" smtClean="0"/>
+              <a:rPr lang="en-US"/>
               <a:t>Fourth level</a:t>
             </a:r>
           </a:p>
           <a:p>
             <a:pPr lvl="4"/>
             <a:r>
-              <a:rPr lang="en-US" smtClean="0"/>
+              <a:rPr lang="en-US"/>
               <a:t>Fifth level</a:t>
             </a:r>
-            <a:endParaRPr lang="en-US"/>
           </a:p>
         </p:txBody>
       </p:sp>
@@ -3110,7 +3084,7 @@
           <a:p>
             <a:fld id="{699DC775-C286-4358-8C92-D7E584E969B3}" type="datetimeFigureOut">
               <a:rPr lang="en-US" smtClean="0"/>
-              <a:t>3/12/2017</a:t>
+              <a:t>3/20/2017</a:t>
             </a:fld>
             <a:endParaRPr lang="en-US"/>
           </a:p>
@@ -3213,10 +3187,9 @@
           </a:lstStyle>
           <a:p>
             <a:r>
-              <a:rPr lang="en-US" smtClean="0"/>
+              <a:rPr lang="en-US"/>
               <a:t>Click to edit Master title style</a:t>
             </a:r>
-            <a:endParaRPr lang="en-US"/>
           </a:p>
         </p:txBody>
       </p:sp>
@@ -3340,7 +3313,7 @@
           <a:p>
             <a:pPr lvl="0"/>
             <a:r>
-              <a:rPr lang="en-US" smtClean="0"/>
+              <a:rPr lang="en-US"/>
               <a:t>Click to edit Master text styles</a:t>
             </a:r>
           </a:p>
@@ -3363,7 +3336,7 @@
           <a:p>
             <a:fld id="{699DC775-C286-4358-8C92-D7E584E969B3}" type="datetimeFigureOut">
               <a:rPr lang="en-US" smtClean="0"/>
-              <a:t>3/12/2017</a:t>
+              <a:t>3/20/2017</a:t>
             </a:fld>
             <a:endParaRPr lang="en-US"/>
           </a:p>
@@ -3457,10 +3430,9 @@
           <a:lstStyle/>
           <a:p>
             <a:r>
-              <a:rPr lang="en-US" smtClean="0"/>
+              <a:rPr lang="en-US"/>
               <a:t>Click to edit Master title style</a:t>
             </a:r>
-            <a:endParaRPr lang="en-US"/>
           </a:p>
         </p:txBody>
       </p:sp>
@@ -3481,38 +3453,37 @@
           <a:p>
             <a:pPr lvl="0"/>
             <a:r>
-              <a:rPr lang="en-US" smtClean="0"/>
+              <a:rPr lang="en-US"/>
               <a:t>Click to edit Master text styles</a:t>
             </a:r>
           </a:p>
           <a:p>
             <a:pPr lvl="1"/>
             <a:r>
-              <a:rPr lang="en-US" smtClean="0"/>
+              <a:rPr lang="en-US"/>
               <a:t>Second level</a:t>
             </a:r>
           </a:p>
           <a:p>
             <a:pPr lvl="2"/>
             <a:r>
-              <a:rPr lang="en-US" smtClean="0"/>
+              <a:rPr lang="en-US"/>
               <a:t>Third level</a:t>
             </a:r>
           </a:p>
           <a:p>
             <a:pPr lvl="3"/>
             <a:r>
-              <a:rPr lang="en-US" smtClean="0"/>
+              <a:rPr lang="en-US"/>
               <a:t>Fourth level</a:t>
             </a:r>
           </a:p>
           <a:p>
             <a:pPr lvl="4"/>
             <a:r>
-              <a:rPr lang="en-US" smtClean="0"/>
+              <a:rPr lang="en-US"/>
               <a:t>Fifth level</a:t>
             </a:r>
-            <a:endParaRPr lang="en-US"/>
           </a:p>
         </p:txBody>
       </p:sp>
@@ -3533,7 +3504,7 @@
           <a:p>
             <a:fld id="{699DC775-C286-4358-8C92-D7E584E969B3}" type="datetimeFigureOut">
               <a:rPr lang="en-US" smtClean="0"/>
-              <a:t>3/12/2017</a:t>
+              <a:t>3/20/2017</a:t>
             </a:fld>
             <a:endParaRPr lang="en-US"/>
           </a:p>
@@ -3632,10 +3603,9 @@
           <a:lstStyle/>
           <a:p>
             <a:r>
-              <a:rPr lang="en-US" smtClean="0"/>
+              <a:rPr lang="en-US"/>
               <a:t>Click to edit Master title style</a:t>
             </a:r>
-            <a:endParaRPr lang="en-US"/>
           </a:p>
         </p:txBody>
       </p:sp>
@@ -3661,38 +3631,37 @@
           <a:p>
             <a:pPr lvl="0"/>
             <a:r>
-              <a:rPr lang="en-US" smtClean="0"/>
+              <a:rPr lang="en-US"/>
               <a:t>Click to edit Master text styles</a:t>
             </a:r>
           </a:p>
           <a:p>
             <a:pPr lvl="1"/>
             <a:r>
-              <a:rPr lang="en-US" smtClean="0"/>
+              <a:rPr lang="en-US"/>
               <a:t>Second level</a:t>
             </a:r>
           </a:p>
           <a:p>
             <a:pPr lvl="2"/>
             <a:r>
-              <a:rPr lang="en-US" smtClean="0"/>
+              <a:rPr lang="en-US"/>
               <a:t>Third level</a:t>
             </a:r>
           </a:p>
           <a:p>
             <a:pPr lvl="3"/>
             <a:r>
-              <a:rPr lang="en-US" smtClean="0"/>
+              <a:rPr lang="en-US"/>
               <a:t>Fourth level</a:t>
             </a:r>
           </a:p>
           <a:p>
             <a:pPr lvl="4"/>
             <a:r>
-              <a:rPr lang="en-US" smtClean="0"/>
+              <a:rPr lang="en-US"/>
               <a:t>Fifth level</a:t>
             </a:r>
-            <a:endParaRPr lang="en-US"/>
           </a:p>
         </p:txBody>
       </p:sp>
@@ -3713,7 +3682,7 @@
           <a:p>
             <a:fld id="{699DC775-C286-4358-8C92-D7E584E969B3}" type="datetimeFigureOut">
               <a:rPr lang="en-US" smtClean="0"/>
-              <a:t>3/12/2017</a:t>
+              <a:t>3/20/2017</a:t>
             </a:fld>
             <a:endParaRPr lang="en-US"/>
           </a:p>
@@ -3820,10 +3789,9 @@
           <a:lstStyle/>
           <a:p>
             <a:r>
-              <a:rPr lang="en-US" smtClean="0"/>
+              <a:rPr lang="en-US"/>
               <a:t>Click to edit Master title style</a:t>
             </a:r>
-            <a:endParaRPr lang="en-US"/>
           </a:p>
         </p:txBody>
       </p:sp>
@@ -3939,10 +3907,9 @@
           </a:lstStyle>
           <a:p>
             <a:r>
-              <a:rPr lang="en-US" smtClean="0"/>
+              <a:rPr lang="en-US"/>
               <a:t>Click to edit Master subtitle style</a:t>
             </a:r>
-            <a:endParaRPr lang="en-US"/>
           </a:p>
         </p:txBody>
       </p:sp>
@@ -3963,7 +3930,7 @@
           <a:p>
             <a:fld id="{699DC775-C286-4358-8C92-D7E584E969B3}" type="datetimeFigureOut">
               <a:rPr lang="en-US" smtClean="0"/>
-              <a:t>3/12/2017</a:t>
+              <a:t>3/20/2017</a:t>
             </a:fld>
             <a:endParaRPr lang="en-US"/>
           </a:p>
@@ -4065,10 +4032,9 @@
           <a:lstStyle/>
           <a:p>
             <a:r>
-              <a:rPr lang="en-US" smtClean="0"/>
+              <a:rPr lang="en-US"/>
               <a:t>Click to edit Master title style</a:t>
             </a:r>
-            <a:endParaRPr lang="en-US"/>
           </a:p>
         </p:txBody>
       </p:sp>
@@ -4089,38 +4055,37 @@
           <a:p>
             <a:pPr lvl="0"/>
             <a:r>
-              <a:rPr lang="en-US" smtClean="0"/>
+              <a:rPr lang="en-US"/>
               <a:t>Click to edit Master text styles</a:t>
             </a:r>
           </a:p>
           <a:p>
             <a:pPr lvl="1"/>
             <a:r>
-              <a:rPr lang="en-US" smtClean="0"/>
+              <a:rPr lang="en-US"/>
               <a:t>Second level</a:t>
             </a:r>
           </a:p>
           <a:p>
             <a:pPr lvl="2"/>
             <a:r>
-              <a:rPr lang="en-US" smtClean="0"/>
+              <a:rPr lang="en-US"/>
               <a:t>Third level</a:t>
             </a:r>
           </a:p>
           <a:p>
             <a:pPr lvl="3"/>
             <a:r>
-              <a:rPr lang="en-US" smtClean="0"/>
+              <a:rPr lang="en-US"/>
               <a:t>Fourth level</a:t>
             </a:r>
           </a:p>
           <a:p>
             <a:pPr lvl="4"/>
             <a:r>
-              <a:rPr lang="en-US" smtClean="0"/>
+              <a:rPr lang="en-US"/>
               <a:t>Fifth level</a:t>
             </a:r>
-            <a:endParaRPr lang="en-US"/>
           </a:p>
         </p:txBody>
       </p:sp>
@@ -4141,7 +4106,7 @@
           <a:p>
             <a:fld id="{699DC775-C286-4358-8C92-D7E584E969B3}" type="datetimeFigureOut">
               <a:rPr lang="en-US" smtClean="0"/>
-              <a:t>3/12/2017</a:t>
+              <a:t>3/20/2017</a:t>
             </a:fld>
             <a:endParaRPr lang="en-US"/>
           </a:p>
@@ -4252,10 +4217,9 @@
           </a:lstStyle>
           <a:p>
             <a:r>
-              <a:rPr lang="en-US" smtClean="0"/>
+              <a:rPr lang="en-US"/>
               <a:t>Click to edit Master title style</a:t>
             </a:r>
-            <a:endParaRPr lang="en-US"/>
           </a:p>
         </p:txBody>
       </p:sp>
@@ -4372,7 +4336,7 @@
           <a:p>
             <a:pPr lvl="0"/>
             <a:r>
-              <a:rPr lang="en-US" smtClean="0"/>
+              <a:rPr lang="en-US"/>
               <a:t>Click to edit Master text styles</a:t>
             </a:r>
           </a:p>
@@ -4395,7 +4359,7 @@
           <a:p>
             <a:fld id="{699DC775-C286-4358-8C92-D7E584E969B3}" type="datetimeFigureOut">
               <a:rPr lang="en-US" smtClean="0"/>
-              <a:t>3/12/2017</a:t>
+              <a:t>3/20/2017</a:t>
             </a:fld>
             <a:endParaRPr lang="en-US"/>
           </a:p>
@@ -4497,10 +4461,9 @@
           <a:lstStyle/>
           <a:p>
             <a:r>
-              <a:rPr lang="en-US" smtClean="0"/>
+              <a:rPr lang="en-US"/>
               <a:t>Click to edit Master title style</a:t>
             </a:r>
-            <a:endParaRPr lang="en-US"/>
           </a:p>
         </p:txBody>
       </p:sp>
@@ -4554,38 +4517,37 @@
           <a:p>
             <a:pPr lvl="0"/>
             <a:r>
-              <a:rPr lang="en-US" smtClean="0"/>
+              <a:rPr lang="en-US"/>
               <a:t>Click to edit Master text styles</a:t>
             </a:r>
           </a:p>
           <a:p>
             <a:pPr lvl="1"/>
             <a:r>
-              <a:rPr lang="en-US" smtClean="0"/>
+              <a:rPr lang="en-US"/>
               <a:t>Second level</a:t>
             </a:r>
           </a:p>
           <a:p>
             <a:pPr lvl="2"/>
             <a:r>
-              <a:rPr lang="en-US" smtClean="0"/>
+              <a:rPr lang="en-US"/>
               <a:t>Third level</a:t>
             </a:r>
           </a:p>
           <a:p>
             <a:pPr lvl="3"/>
             <a:r>
-              <a:rPr lang="en-US" smtClean="0"/>
+              <a:rPr lang="en-US"/>
               <a:t>Fourth level</a:t>
             </a:r>
           </a:p>
           <a:p>
             <a:pPr lvl="4"/>
             <a:r>
-              <a:rPr lang="en-US" smtClean="0"/>
+              <a:rPr lang="en-US"/>
               <a:t>Fifth level</a:t>
             </a:r>
-            <a:endParaRPr lang="en-US"/>
           </a:p>
         </p:txBody>
       </p:sp>
@@ -4639,38 +4601,37 @@
           <a:p>
             <a:pPr lvl="0"/>
             <a:r>
-              <a:rPr lang="en-US" smtClean="0"/>
+              <a:rPr lang="en-US"/>
               <a:t>Click to edit Master text styles</a:t>
             </a:r>
           </a:p>
           <a:p>
             <a:pPr lvl="1"/>
             <a:r>
-              <a:rPr lang="en-US" smtClean="0"/>
+              <a:rPr lang="en-US"/>
               <a:t>Second level</a:t>
             </a:r>
           </a:p>
           <a:p>
             <a:pPr lvl="2"/>
             <a:r>
-              <a:rPr lang="en-US" smtClean="0"/>
+              <a:rPr lang="en-US"/>
               <a:t>Third level</a:t>
             </a:r>
           </a:p>
           <a:p>
             <a:pPr lvl="3"/>
             <a:r>
-              <a:rPr lang="en-US" smtClean="0"/>
+              <a:rPr lang="en-US"/>
               <a:t>Fourth level</a:t>
             </a:r>
           </a:p>
           <a:p>
             <a:pPr lvl="4"/>
             <a:r>
-              <a:rPr lang="en-US" smtClean="0"/>
+              <a:rPr lang="en-US"/>
               <a:t>Fifth level</a:t>
             </a:r>
-            <a:endParaRPr lang="en-US"/>
           </a:p>
         </p:txBody>
       </p:sp>
@@ -4691,7 +4652,7 @@
           <a:p>
             <a:fld id="{699DC775-C286-4358-8C92-D7E584E969B3}" type="datetimeFigureOut">
               <a:rPr lang="en-US" smtClean="0"/>
-              <a:t>3/12/2017</a:t>
+              <a:t>3/20/2017</a:t>
             </a:fld>
             <a:endParaRPr lang="en-US"/>
           </a:p>
@@ -4797,10 +4758,9 @@
           </a:lstStyle>
           <a:p>
             <a:r>
-              <a:rPr lang="en-US" smtClean="0"/>
+              <a:rPr lang="en-US"/>
               <a:t>Click to edit Master title style</a:t>
             </a:r>
-            <a:endParaRPr lang="en-US"/>
           </a:p>
         </p:txBody>
       </p:sp>
@@ -4863,7 +4823,7 @@
           <a:p>
             <a:pPr lvl="0"/>
             <a:r>
-              <a:rPr lang="en-US" smtClean="0"/>
+              <a:rPr lang="en-US"/>
               <a:t>Click to edit Master text styles</a:t>
             </a:r>
           </a:p>
@@ -4919,38 +4879,37 @@
           <a:p>
             <a:pPr lvl="0"/>
             <a:r>
-              <a:rPr lang="en-US" smtClean="0"/>
+              <a:rPr lang="en-US"/>
               <a:t>Click to edit Master text styles</a:t>
             </a:r>
           </a:p>
           <a:p>
             <a:pPr lvl="1"/>
             <a:r>
-              <a:rPr lang="en-US" smtClean="0"/>
+              <a:rPr lang="en-US"/>
               <a:t>Second level</a:t>
             </a:r>
           </a:p>
           <a:p>
             <a:pPr lvl="2"/>
             <a:r>
-              <a:rPr lang="en-US" smtClean="0"/>
+              <a:rPr lang="en-US"/>
               <a:t>Third level</a:t>
             </a:r>
           </a:p>
           <a:p>
             <a:pPr lvl="3"/>
             <a:r>
-              <a:rPr lang="en-US" smtClean="0"/>
+              <a:rPr lang="en-US"/>
               <a:t>Fourth level</a:t>
             </a:r>
           </a:p>
           <a:p>
             <a:pPr lvl="4"/>
             <a:r>
-              <a:rPr lang="en-US" smtClean="0"/>
+              <a:rPr lang="en-US"/>
               <a:t>Fifth level</a:t>
             </a:r>
-            <a:endParaRPr lang="en-US"/>
           </a:p>
         </p:txBody>
       </p:sp>
@@ -5013,7 +4972,7 @@
           <a:p>
             <a:pPr lvl="0"/>
             <a:r>
-              <a:rPr lang="en-US" smtClean="0"/>
+              <a:rPr lang="en-US"/>
               <a:t>Click to edit Master text styles</a:t>
             </a:r>
           </a:p>
@@ -5069,38 +5028,37 @@
           <a:p>
             <a:pPr lvl="0"/>
             <a:r>
-              <a:rPr lang="en-US" smtClean="0"/>
+              <a:rPr lang="en-US"/>
               <a:t>Click to edit Master text styles</a:t>
             </a:r>
           </a:p>
           <a:p>
             <a:pPr lvl="1"/>
             <a:r>
-              <a:rPr lang="en-US" smtClean="0"/>
+              <a:rPr lang="en-US"/>
               <a:t>Second level</a:t>
             </a:r>
           </a:p>
           <a:p>
             <a:pPr lvl="2"/>
             <a:r>
-              <a:rPr lang="en-US" smtClean="0"/>
+              <a:rPr lang="en-US"/>
               <a:t>Third level</a:t>
             </a:r>
           </a:p>
           <a:p>
             <a:pPr lvl="3"/>
             <a:r>
-              <a:rPr lang="en-US" smtClean="0"/>
+              <a:rPr lang="en-US"/>
               <a:t>Fourth level</a:t>
             </a:r>
           </a:p>
           <a:p>
             <a:pPr lvl="4"/>
             <a:r>
-              <a:rPr lang="en-US" smtClean="0"/>
+              <a:rPr lang="en-US"/>
               <a:t>Fifth level</a:t>
             </a:r>
-            <a:endParaRPr lang="en-US"/>
           </a:p>
         </p:txBody>
       </p:sp>
@@ -5121,7 +5079,7 @@
           <a:p>
             <a:fld id="{699DC775-C286-4358-8C92-D7E584E969B3}" type="datetimeFigureOut">
               <a:rPr lang="en-US" smtClean="0"/>
-              <a:t>3/12/2017</a:t>
+              <a:t>3/20/2017</a:t>
             </a:fld>
             <a:endParaRPr lang="en-US"/>
           </a:p>
@@ -5223,10 +5181,9 @@
           <a:lstStyle/>
           <a:p>
             <a:r>
-              <a:rPr lang="en-US" smtClean="0"/>
+              <a:rPr lang="en-US"/>
               <a:t>Click to edit Master title style</a:t>
             </a:r>
-            <a:endParaRPr lang="en-US"/>
           </a:p>
         </p:txBody>
       </p:sp>
@@ -5247,7 +5204,7 @@
           <a:p>
             <a:fld id="{699DC775-C286-4358-8C92-D7E584E969B3}" type="datetimeFigureOut">
               <a:rPr lang="en-US" smtClean="0"/>
-              <a:t>3/12/2017</a:t>
+              <a:t>3/20/2017</a:t>
             </a:fld>
             <a:endParaRPr lang="en-US"/>
           </a:p>
@@ -5350,7 +5307,7 @@
           <a:p>
             <a:fld id="{699DC775-C286-4358-8C92-D7E584E969B3}" type="datetimeFigureOut">
               <a:rPr lang="en-US" smtClean="0"/>
-              <a:t>3/12/2017</a:t>
+              <a:t>3/20/2017</a:t>
             </a:fld>
             <a:endParaRPr lang="en-US"/>
           </a:p>
@@ -5453,10 +5410,9 @@
           </a:lstStyle>
           <a:p>
             <a:r>
-              <a:rPr lang="en-US" smtClean="0"/>
+              <a:rPr lang="en-US"/>
               <a:t>Click to edit Master title style</a:t>
             </a:r>
-            <a:endParaRPr lang="en-US"/>
           </a:p>
         </p:txBody>
       </p:sp>
@@ -5573,7 +5529,7 @@
           <a:p>
             <a:pPr lvl="0"/>
             <a:r>
-              <a:rPr lang="en-US" smtClean="0"/>
+              <a:rPr lang="en-US"/>
               <a:t>Click to edit Master text styles</a:t>
             </a:r>
           </a:p>
@@ -5596,7 +5552,7 @@
           <a:p>
             <a:fld id="{699DC775-C286-4358-8C92-D7E584E969B3}" type="datetimeFigureOut">
               <a:rPr lang="en-US" smtClean="0"/>
-              <a:t>3/12/2017</a:t>
+              <a:t>3/20/2017</a:t>
             </a:fld>
             <a:endParaRPr lang="en-US"/>
           </a:p>
@@ -5707,10 +5663,9 @@
           </a:lstStyle>
           <a:p>
             <a:r>
-              <a:rPr lang="en-US" smtClean="0"/>
+              <a:rPr lang="en-US"/>
               <a:t>Click to edit Master title style</a:t>
             </a:r>
-            <a:endParaRPr lang="en-US"/>
           </a:p>
         </p:txBody>
       </p:sp>
@@ -5764,38 +5719,37 @@
           <a:p>
             <a:pPr lvl="0"/>
             <a:r>
-              <a:rPr lang="en-US" smtClean="0"/>
+              <a:rPr lang="en-US"/>
               <a:t>Click to edit Master text styles</a:t>
             </a:r>
           </a:p>
           <a:p>
             <a:pPr lvl="1"/>
             <a:r>
-              <a:rPr lang="en-US" smtClean="0"/>
+              <a:rPr lang="en-US"/>
               <a:t>Second level</a:t>
             </a:r>
           </a:p>
           <a:p>
             <a:pPr lvl="2"/>
             <a:r>
-              <a:rPr lang="en-US" smtClean="0"/>
+              <a:rPr lang="en-US"/>
               <a:t>Third level</a:t>
             </a:r>
           </a:p>
           <a:p>
             <a:pPr lvl="3"/>
             <a:r>
-              <a:rPr lang="en-US" smtClean="0"/>
+              <a:rPr lang="en-US"/>
               <a:t>Fourth level</a:t>
             </a:r>
           </a:p>
           <a:p>
             <a:pPr lvl="4"/>
             <a:r>
-              <a:rPr lang="en-US" smtClean="0"/>
+              <a:rPr lang="en-US"/>
               <a:t>Fifth level</a:t>
             </a:r>
-            <a:endParaRPr lang="en-US"/>
           </a:p>
         </p:txBody>
       </p:sp>
@@ -5858,7 +5812,7 @@
           <a:p>
             <a:pPr lvl="0"/>
             <a:r>
-              <a:rPr lang="en-US" smtClean="0"/>
+              <a:rPr lang="en-US"/>
               <a:t>Click to edit Master text styles</a:t>
             </a:r>
           </a:p>
@@ -5881,7 +5835,7 @@
           <a:p>
             <a:fld id="{699DC775-C286-4358-8C92-D7E584E969B3}" type="datetimeFigureOut">
               <a:rPr lang="en-US" smtClean="0"/>
-              <a:t>3/12/2017</a:t>
+              <a:t>3/20/2017</a:t>
             </a:fld>
             <a:endParaRPr lang="en-US"/>
           </a:p>
@@ -5992,10 +5946,9 @@
           </a:lstStyle>
           <a:p>
             <a:r>
-              <a:rPr lang="en-US" smtClean="0"/>
+              <a:rPr lang="en-US"/>
               <a:t>Click to edit Master title style</a:t>
             </a:r>
-            <a:endParaRPr lang="en-US"/>
           </a:p>
         </p:txBody>
       </p:sp>
@@ -6119,7 +6072,7 @@
           <a:p>
             <a:pPr lvl="0"/>
             <a:r>
-              <a:rPr lang="en-US" smtClean="0"/>
+              <a:rPr lang="en-US"/>
               <a:t>Click to edit Master text styles</a:t>
             </a:r>
           </a:p>
@@ -6142,7 +6095,7 @@
           <a:p>
             <a:fld id="{699DC775-C286-4358-8C92-D7E584E969B3}" type="datetimeFigureOut">
               <a:rPr lang="en-US" smtClean="0"/>
-              <a:t>3/12/2017</a:t>
+              <a:t>3/20/2017</a:t>
             </a:fld>
             <a:endParaRPr lang="en-US"/>
           </a:p>
@@ -6244,10 +6197,9 @@
           <a:lstStyle/>
           <a:p>
             <a:r>
-              <a:rPr lang="en-US" smtClean="0"/>
+              <a:rPr lang="en-US"/>
               <a:t>Click to edit Master title style</a:t>
             </a:r>
-            <a:endParaRPr lang="en-US"/>
           </a:p>
         </p:txBody>
       </p:sp>
@@ -6268,38 +6220,37 @@
           <a:p>
             <a:pPr lvl="0"/>
             <a:r>
-              <a:rPr lang="en-US" smtClean="0"/>
+              <a:rPr lang="en-US"/>
               <a:t>Click to edit Master text styles</a:t>
             </a:r>
           </a:p>
           <a:p>
             <a:pPr lvl="1"/>
             <a:r>
-              <a:rPr lang="en-US" smtClean="0"/>
+              <a:rPr lang="en-US"/>
               <a:t>Second level</a:t>
             </a:r>
           </a:p>
           <a:p>
             <a:pPr lvl="2"/>
             <a:r>
-              <a:rPr lang="en-US" smtClean="0"/>
+              <a:rPr lang="en-US"/>
               <a:t>Third level</a:t>
             </a:r>
           </a:p>
           <a:p>
             <a:pPr lvl="3"/>
             <a:r>
-              <a:rPr lang="en-US" smtClean="0"/>
+              <a:rPr lang="en-US"/>
               <a:t>Fourth level</a:t>
             </a:r>
           </a:p>
           <a:p>
             <a:pPr lvl="4"/>
             <a:r>
-              <a:rPr lang="en-US" smtClean="0"/>
+              <a:rPr lang="en-US"/>
               <a:t>Fifth level</a:t>
             </a:r>
-            <a:endParaRPr lang="en-US"/>
           </a:p>
         </p:txBody>
       </p:sp>
@@ -6320,7 +6271,7 @@
           <a:p>
             <a:fld id="{699DC775-C286-4358-8C92-D7E584E969B3}" type="datetimeFigureOut">
               <a:rPr lang="en-US" smtClean="0"/>
-              <a:t>3/12/2017</a:t>
+              <a:t>3/20/2017</a:t>
             </a:fld>
             <a:endParaRPr lang="en-US"/>
           </a:p>
@@ -6427,10 +6378,9 @@
           <a:lstStyle/>
           <a:p>
             <a:r>
-              <a:rPr lang="en-US" smtClean="0"/>
+              <a:rPr lang="en-US"/>
               <a:t>Click to edit Master title style</a:t>
             </a:r>
-            <a:endParaRPr lang="en-US"/>
           </a:p>
         </p:txBody>
       </p:sp>
@@ -6456,38 +6406,37 @@
           <a:p>
             <a:pPr lvl="0"/>
             <a:r>
-              <a:rPr lang="en-US" smtClean="0"/>
+              <a:rPr lang="en-US"/>
               <a:t>Click to edit Master text styles</a:t>
             </a:r>
           </a:p>
           <a:p>
             <a:pPr lvl="1"/>
             <a:r>
-              <a:rPr lang="en-US" smtClean="0"/>
+              <a:rPr lang="en-US"/>
               <a:t>Second level</a:t>
             </a:r>
           </a:p>
           <a:p>
             <a:pPr lvl="2"/>
             <a:r>
-              <a:rPr lang="en-US" smtClean="0"/>
+              <a:rPr lang="en-US"/>
               <a:t>Third level</a:t>
             </a:r>
           </a:p>
           <a:p>
             <a:pPr lvl="3"/>
             <a:r>
-              <a:rPr lang="en-US" smtClean="0"/>
+              <a:rPr lang="en-US"/>
               <a:t>Fourth level</a:t>
             </a:r>
           </a:p>
           <a:p>
             <a:pPr lvl="4"/>
             <a:r>
-              <a:rPr lang="en-US" smtClean="0"/>
+              <a:rPr lang="en-US"/>
               <a:t>Fifth level</a:t>
             </a:r>
-            <a:endParaRPr lang="en-US"/>
           </a:p>
         </p:txBody>
       </p:sp>
@@ -6508,7 +6457,7 @@
           <a:p>
             <a:fld id="{699DC775-C286-4358-8C92-D7E584E969B3}" type="datetimeFigureOut">
               <a:rPr lang="en-US" smtClean="0"/>
-              <a:t>3/12/2017</a:t>
+              <a:t>3/20/2017</a:t>
             </a:fld>
             <a:endParaRPr lang="en-US"/>
           </a:p>
@@ -6602,10 +6551,9 @@
           <a:lstStyle/>
           <a:p>
             <a:r>
-              <a:rPr lang="en-US" smtClean="0"/>
+              <a:rPr lang="en-US"/>
               <a:t>Click to edit Master title style</a:t>
             </a:r>
-            <a:endParaRPr lang="en-US"/>
           </a:p>
         </p:txBody>
       </p:sp>
@@ -6659,38 +6607,37 @@
           <a:p>
             <a:pPr lvl="0"/>
             <a:r>
-              <a:rPr lang="en-US" smtClean="0"/>
+              <a:rPr lang="en-US"/>
               <a:t>Click to edit Master text styles</a:t>
             </a:r>
           </a:p>
           <a:p>
             <a:pPr lvl="1"/>
             <a:r>
-              <a:rPr lang="en-US" smtClean="0"/>
+              <a:rPr lang="en-US"/>
               <a:t>Second level</a:t>
             </a:r>
           </a:p>
           <a:p>
             <a:pPr lvl="2"/>
             <a:r>
-              <a:rPr lang="en-US" smtClean="0"/>
+              <a:rPr lang="en-US"/>
               <a:t>Third level</a:t>
             </a:r>
           </a:p>
           <a:p>
             <a:pPr lvl="3"/>
             <a:r>
-              <a:rPr lang="en-US" smtClean="0"/>
+              <a:rPr lang="en-US"/>
               <a:t>Fourth level</a:t>
             </a:r>
           </a:p>
           <a:p>
             <a:pPr lvl="4"/>
             <a:r>
-              <a:rPr lang="en-US" smtClean="0"/>
+              <a:rPr lang="en-US"/>
               <a:t>Fifth level</a:t>
             </a:r>
-            <a:endParaRPr lang="en-US"/>
           </a:p>
         </p:txBody>
       </p:sp>
@@ -6744,38 +6691,37 @@
           <a:p>
             <a:pPr lvl="0"/>
             <a:r>
-              <a:rPr lang="en-US" smtClean="0"/>
+              <a:rPr lang="en-US"/>
               <a:t>Click to edit Master text styles</a:t>
             </a:r>
           </a:p>
           <a:p>
             <a:pPr lvl="1"/>
             <a:r>
-              <a:rPr lang="en-US" smtClean="0"/>
+              <a:rPr lang="en-US"/>
               <a:t>Second level</a:t>
             </a:r>
           </a:p>
           <a:p>
             <a:pPr lvl="2"/>
             <a:r>
-              <a:rPr lang="en-US" smtClean="0"/>
+              <a:rPr lang="en-US"/>
               <a:t>Third level</a:t>
             </a:r>
           </a:p>
           <a:p>
             <a:pPr lvl="3"/>
             <a:r>
-              <a:rPr lang="en-US" smtClean="0"/>
+              <a:rPr lang="en-US"/>
               <a:t>Fourth level</a:t>
             </a:r>
           </a:p>
           <a:p>
             <a:pPr lvl="4"/>
             <a:r>
-              <a:rPr lang="en-US" smtClean="0"/>
+              <a:rPr lang="en-US"/>
               <a:t>Fifth level</a:t>
             </a:r>
-            <a:endParaRPr lang="en-US"/>
           </a:p>
         </p:txBody>
       </p:sp>
@@ -6796,7 +6742,7 @@
           <a:p>
             <a:fld id="{699DC775-C286-4358-8C92-D7E584E969B3}" type="datetimeFigureOut">
               <a:rPr lang="en-US" smtClean="0"/>
-              <a:t>3/12/2017</a:t>
+              <a:t>3/20/2017</a:t>
             </a:fld>
             <a:endParaRPr lang="en-US"/>
           </a:p>
@@ -6894,10 +6840,9 @@
           </a:lstStyle>
           <a:p>
             <a:r>
-              <a:rPr lang="en-US" smtClean="0"/>
+              <a:rPr lang="en-US"/>
               <a:t>Click to edit Master title style</a:t>
             </a:r>
-            <a:endParaRPr lang="en-US"/>
           </a:p>
         </p:txBody>
       </p:sp>
@@ -6960,7 +6905,7 @@
           <a:p>
             <a:pPr lvl="0"/>
             <a:r>
-              <a:rPr lang="en-US" smtClean="0"/>
+              <a:rPr lang="en-US"/>
               <a:t>Click to edit Master text styles</a:t>
             </a:r>
           </a:p>
@@ -7016,38 +6961,37 @@
           <a:p>
             <a:pPr lvl="0"/>
             <a:r>
-              <a:rPr lang="en-US" smtClean="0"/>
+              <a:rPr lang="en-US"/>
               <a:t>Click to edit Master text styles</a:t>
             </a:r>
           </a:p>
           <a:p>
             <a:pPr lvl="1"/>
             <a:r>
-              <a:rPr lang="en-US" smtClean="0"/>
+              <a:rPr lang="en-US"/>
               <a:t>Second level</a:t>
             </a:r>
           </a:p>
           <a:p>
             <a:pPr lvl="2"/>
             <a:r>
-              <a:rPr lang="en-US" smtClean="0"/>
+              <a:rPr lang="en-US"/>
               <a:t>Third level</a:t>
             </a:r>
           </a:p>
           <a:p>
             <a:pPr lvl="3"/>
             <a:r>
-              <a:rPr lang="en-US" smtClean="0"/>
+              <a:rPr lang="en-US"/>
               <a:t>Fourth level</a:t>
             </a:r>
           </a:p>
           <a:p>
             <a:pPr lvl="4"/>
             <a:r>
-              <a:rPr lang="en-US" smtClean="0"/>
+              <a:rPr lang="en-US"/>
               <a:t>Fifth level</a:t>
             </a:r>
-            <a:endParaRPr lang="en-US"/>
           </a:p>
         </p:txBody>
       </p:sp>
@@ -7110,7 +7054,7 @@
           <a:p>
             <a:pPr lvl="0"/>
             <a:r>
-              <a:rPr lang="en-US" smtClean="0"/>
+              <a:rPr lang="en-US"/>
               <a:t>Click to edit Master text styles</a:t>
             </a:r>
           </a:p>
@@ -7166,38 +7110,37 @@
           <a:p>
             <a:pPr lvl="0"/>
             <a:r>
-              <a:rPr lang="en-US" smtClean="0"/>
+              <a:rPr lang="en-US"/>
               <a:t>Click to edit Master text styles</a:t>
             </a:r>
           </a:p>
           <a:p>
             <a:pPr lvl="1"/>
             <a:r>
-              <a:rPr lang="en-US" smtClean="0"/>
+              <a:rPr lang="en-US"/>
               <a:t>Second level</a:t>
             </a:r>
           </a:p>
           <a:p>
             <a:pPr lvl="2"/>
             <a:r>
-              <a:rPr lang="en-US" smtClean="0"/>
+              <a:rPr lang="en-US"/>
               <a:t>Third level</a:t>
             </a:r>
           </a:p>
           <a:p>
             <a:pPr lvl="3"/>
             <a:r>
-              <a:rPr lang="en-US" smtClean="0"/>
+              <a:rPr lang="en-US"/>
               <a:t>Fourth level</a:t>
             </a:r>
           </a:p>
           <a:p>
             <a:pPr lvl="4"/>
             <a:r>
-              <a:rPr lang="en-US" smtClean="0"/>
+              <a:rPr lang="en-US"/>
               <a:t>Fifth level</a:t>
             </a:r>
-            <a:endParaRPr lang="en-US"/>
           </a:p>
         </p:txBody>
       </p:sp>
@@ -7218,7 +7161,7 @@
           <a:p>
             <a:fld id="{699DC775-C286-4358-8C92-D7E584E969B3}" type="datetimeFigureOut">
               <a:rPr lang="en-US" smtClean="0"/>
-              <a:t>3/12/2017</a:t>
+              <a:t>3/20/2017</a:t>
             </a:fld>
             <a:endParaRPr lang="en-US"/>
           </a:p>
@@ -7312,10 +7255,9 @@
           <a:lstStyle/>
           <a:p>
             <a:r>
-              <a:rPr lang="en-US" smtClean="0"/>
+              <a:rPr lang="en-US"/>
               <a:t>Click to edit Master title style</a:t>
             </a:r>
-            <a:endParaRPr lang="en-US"/>
           </a:p>
         </p:txBody>
       </p:sp>
@@ -7336,7 +7278,7 @@
           <a:p>
             <a:fld id="{699DC775-C286-4358-8C92-D7E584E969B3}" type="datetimeFigureOut">
               <a:rPr lang="en-US" smtClean="0"/>
-              <a:t>3/12/2017</a:t>
+              <a:t>3/20/2017</a:t>
             </a:fld>
             <a:endParaRPr lang="en-US"/>
           </a:p>
@@ -7431,7 +7373,7 @@
           <a:p>
             <a:fld id="{699DC775-C286-4358-8C92-D7E584E969B3}" type="datetimeFigureOut">
               <a:rPr lang="en-US" smtClean="0"/>
-              <a:t>3/12/2017</a:t>
+              <a:t>3/20/2017</a:t>
             </a:fld>
             <a:endParaRPr lang="en-US"/>
           </a:p>
@@ -7534,10 +7476,9 @@
           </a:lstStyle>
           <a:p>
             <a:r>
-              <a:rPr lang="en-US" smtClean="0"/>
+              <a:rPr lang="en-US"/>
               <a:t>Click to edit Master title style</a:t>
             </a:r>
-            <a:endParaRPr lang="en-US"/>
           </a:p>
         </p:txBody>
       </p:sp>
@@ -7591,38 +7532,37 @@
           <a:p>
             <a:pPr lvl="0"/>
             <a:r>
-              <a:rPr lang="en-US" smtClean="0"/>
+              <a:rPr lang="en-US"/>
               <a:t>Click to edit Master text styles</a:t>
             </a:r>
           </a:p>
           <a:p>
             <a:pPr lvl="1"/>
             <a:r>
-              <a:rPr lang="en-US" smtClean="0"/>
+              <a:rPr lang="en-US"/>
               <a:t>Second level</a:t>
             </a:r>
           </a:p>
           <a:p>
             <a:pPr lvl="2"/>
             <a:r>
-              <a:rPr lang="en-US" smtClean="0"/>
+              <a:rPr lang="en-US"/>
               <a:t>Third level</a:t>
             </a:r>
           </a:p>
           <a:p>
             <a:pPr lvl="3"/>
             <a:r>
-              <a:rPr lang="en-US" smtClean="0"/>
+              <a:rPr lang="en-US"/>
               <a:t>Fourth level</a:t>
             </a:r>
           </a:p>
           <a:p>
             <a:pPr lvl="4"/>
             <a:r>
-              <a:rPr lang="en-US" smtClean="0"/>
+              <a:rPr lang="en-US"/>
               <a:t>Fifth level</a:t>
             </a:r>
-            <a:endParaRPr lang="en-US"/>
           </a:p>
         </p:txBody>
       </p:sp>
@@ -7685,7 +7625,7 @@
           <a:p>
             <a:pPr lvl="0"/>
             <a:r>
-              <a:rPr lang="en-US" smtClean="0"/>
+              <a:rPr lang="en-US"/>
               <a:t>Click to edit Master text styles</a:t>
             </a:r>
           </a:p>
@@ -7708,7 +7648,7 @@
           <a:p>
             <a:fld id="{699DC775-C286-4358-8C92-D7E584E969B3}" type="datetimeFigureOut">
               <a:rPr lang="en-US" smtClean="0"/>
-              <a:t>3/12/2017</a:t>
+              <a:t>3/20/2017</a:t>
             </a:fld>
             <a:endParaRPr lang="en-US"/>
           </a:p>
@@ -7811,10 +7751,9 @@
           </a:lstStyle>
           <a:p>
             <a:r>
-              <a:rPr lang="en-US" smtClean="0"/>
+              <a:rPr lang="en-US"/>
               <a:t>Click to edit Master title style</a:t>
             </a:r>
-            <a:endParaRPr lang="en-US"/>
           </a:p>
         </p:txBody>
       </p:sp>
@@ -7938,7 +7877,7 @@
           <a:p>
             <a:pPr lvl="0"/>
             <a:r>
-              <a:rPr lang="en-US" smtClean="0"/>
+              <a:rPr lang="en-US"/>
               <a:t>Click to edit Master text styles</a:t>
             </a:r>
           </a:p>
@@ -7961,7 +7900,7 @@
           <a:p>
             <a:fld id="{699DC775-C286-4358-8C92-D7E584E969B3}" type="datetimeFigureOut">
               <a:rPr lang="en-US" smtClean="0"/>
-              <a:t>3/12/2017</a:t>
+              <a:t>3/20/2017</a:t>
             </a:fld>
             <a:endParaRPr lang="en-US"/>
           </a:p>
@@ -8070,10 +8009,9 @@
           <a:lstStyle/>
           <a:p>
             <a:r>
-              <a:rPr lang="en-US" smtClean="0"/>
+              <a:rPr lang="en-US"/>
               <a:t>Click to edit Master title style</a:t>
             </a:r>
-            <a:endParaRPr lang="en-US"/>
           </a:p>
         </p:txBody>
       </p:sp>
@@ -8104,38 +8042,37 @@
           <a:p>
             <a:pPr lvl="0"/>
             <a:r>
-              <a:rPr lang="en-US" smtClean="0"/>
+              <a:rPr lang="en-US"/>
               <a:t>Click to edit Master text styles</a:t>
             </a:r>
           </a:p>
           <a:p>
             <a:pPr lvl="1"/>
             <a:r>
-              <a:rPr lang="en-US" smtClean="0"/>
+              <a:rPr lang="en-US"/>
               <a:t>Second level</a:t>
             </a:r>
           </a:p>
           <a:p>
             <a:pPr lvl="2"/>
             <a:r>
-              <a:rPr lang="en-US" smtClean="0"/>
+              <a:rPr lang="en-US"/>
               <a:t>Third level</a:t>
             </a:r>
           </a:p>
           <a:p>
             <a:pPr lvl="3"/>
             <a:r>
-              <a:rPr lang="en-US" smtClean="0"/>
+              <a:rPr lang="en-US"/>
               <a:t>Fourth level</a:t>
             </a:r>
           </a:p>
           <a:p>
             <a:pPr lvl="4"/>
             <a:r>
-              <a:rPr lang="en-US" smtClean="0"/>
+              <a:rPr lang="en-US"/>
               <a:t>Fifth level</a:t>
             </a:r>
-            <a:endParaRPr lang="en-US"/>
           </a:p>
         </p:txBody>
       </p:sp>
@@ -8174,7 +8111,7 @@
           <a:p>
             <a:fld id="{699DC775-C286-4358-8C92-D7E584E969B3}" type="datetimeFigureOut">
               <a:rPr lang="en-US" smtClean="0"/>
-              <a:t>3/12/2017</a:t>
+              <a:t>3/20/2017</a:t>
             </a:fld>
             <a:endParaRPr lang="en-US"/>
           </a:p>
@@ -8585,10 +8522,9 @@
           <a:lstStyle/>
           <a:p>
             <a:r>
-              <a:rPr lang="en-US" smtClean="0"/>
+              <a:rPr lang="en-US"/>
               <a:t>Click to edit Master title style</a:t>
             </a:r>
-            <a:endParaRPr lang="en-US"/>
           </a:p>
         </p:txBody>
       </p:sp>
@@ -8619,38 +8555,37 @@
           <a:p>
             <a:pPr lvl="0"/>
             <a:r>
-              <a:rPr lang="en-US" smtClean="0"/>
+              <a:rPr lang="en-US"/>
               <a:t>Click to edit Master text styles</a:t>
             </a:r>
           </a:p>
           <a:p>
             <a:pPr lvl="1"/>
             <a:r>
-              <a:rPr lang="en-US" smtClean="0"/>
+              <a:rPr lang="en-US"/>
               <a:t>Second level</a:t>
             </a:r>
           </a:p>
           <a:p>
             <a:pPr lvl="2"/>
             <a:r>
-              <a:rPr lang="en-US" smtClean="0"/>
+              <a:rPr lang="en-US"/>
               <a:t>Third level</a:t>
             </a:r>
           </a:p>
           <a:p>
             <a:pPr lvl="3"/>
             <a:r>
-              <a:rPr lang="en-US" smtClean="0"/>
+              <a:rPr lang="en-US"/>
               <a:t>Fourth level</a:t>
             </a:r>
           </a:p>
           <a:p>
             <a:pPr lvl="4"/>
             <a:r>
-              <a:rPr lang="en-US" smtClean="0"/>
+              <a:rPr lang="en-US"/>
               <a:t>Fifth level</a:t>
             </a:r>
-            <a:endParaRPr lang="en-US"/>
           </a:p>
         </p:txBody>
       </p:sp>
@@ -8689,7 +8624,7 @@
           <a:p>
             <a:fld id="{699DC775-C286-4358-8C92-D7E584E969B3}" type="datetimeFigureOut">
               <a:rPr lang="en-US" smtClean="0"/>
-              <a:t>3/12/2017</a:t>
+              <a:t>3/20/2017</a:t>
             </a:fld>
             <a:endParaRPr lang="en-US"/>
           </a:p>
@@ -9098,10 +9033,9 @@
           <a:lstStyle/>
           <a:p>
             <a:r>
-              <a:rPr lang="en-US" dirty="0" smtClean="0"/>
+              <a:rPr lang="en-US" dirty="0"/>
               <a:t>Click to edit Master title style</a:t>
             </a:r>
-            <a:endParaRPr lang="en-US" dirty="0"/>
           </a:p>
         </p:txBody>
       </p:sp>
@@ -9132,38 +9066,37 @@
           <a:p>
             <a:pPr lvl="0"/>
             <a:r>
-              <a:rPr lang="en-US" smtClean="0"/>
+              <a:rPr lang="en-US"/>
               <a:t>Click to edit Master text styles</a:t>
             </a:r>
           </a:p>
           <a:p>
             <a:pPr lvl="1"/>
             <a:r>
-              <a:rPr lang="en-US" smtClean="0"/>
+              <a:rPr lang="en-US"/>
               <a:t>Second level</a:t>
             </a:r>
           </a:p>
           <a:p>
             <a:pPr lvl="2"/>
             <a:r>
-              <a:rPr lang="en-US" smtClean="0"/>
+              <a:rPr lang="en-US"/>
               <a:t>Third level</a:t>
             </a:r>
           </a:p>
           <a:p>
             <a:pPr lvl="3"/>
             <a:r>
-              <a:rPr lang="en-US" smtClean="0"/>
+              <a:rPr lang="en-US"/>
               <a:t>Fourth level</a:t>
             </a:r>
           </a:p>
           <a:p>
             <a:pPr lvl="4"/>
             <a:r>
-              <a:rPr lang="en-US" smtClean="0"/>
+              <a:rPr lang="en-US"/>
               <a:t>Fifth level</a:t>
             </a:r>
-            <a:endParaRPr lang="en-US"/>
           </a:p>
         </p:txBody>
       </p:sp>
@@ -9202,7 +9135,7 @@
           <a:p>
             <a:fld id="{699DC775-C286-4358-8C92-D7E584E969B3}" type="datetimeFigureOut">
               <a:rPr lang="en-US" smtClean="0"/>
-              <a:t>3/12/2017</a:t>
+              <a:t>3/20/2017</a:t>
             </a:fld>
             <a:endParaRPr lang="en-US"/>
           </a:p>
@@ -9595,7 +9528,7 @@
           <a:lstStyle/>
           <a:p>
             <a:r>
-              <a:rPr lang="en-US" sz="5400" b="1" dirty="0" err="1" smtClean="0">
+              <a:rPr lang="en-US" sz="5400" b="1" dirty="0" err="1">
                 <a:solidFill>
                   <a:schemeClr val="accent6">
                     <a:lumMod val="75000"/>
@@ -9605,7 +9538,7 @@
               <a:t>PowerPointLabs</a:t>
             </a:r>
             <a:r>
-              <a:rPr lang="en-US" sz="5400" b="1" dirty="0" smtClean="0">
+              <a:rPr lang="en-US" sz="5400" b="1" dirty="0">
                 <a:solidFill>
                   <a:schemeClr val="accent6">
                     <a:lumMod val="75000"/>
@@ -9643,7 +9576,7 @@
               <a:buNone/>
             </a:pPr>
             <a:r>
-              <a:rPr lang="en-US" b="1" dirty="0" smtClean="0">
+              <a:rPr lang="en-US" b="1" dirty="0">
                 <a:solidFill>
                   <a:srgbClr val="0070C0"/>
                 </a:solidFill>
@@ -9654,34 +9587,21 @@
           <a:p>
             <a:pPr marL="285750" indent="-285750"/>
             <a:r>
-              <a:rPr lang="en-US" b="1" dirty="0" smtClean="0">
-                <a:solidFill>
-                  <a:srgbClr val="0070C0"/>
-                </a:solidFill>
-              </a:rPr>
-              <a:t>DO </a:t>
-            </a:r>
-            <a:r>
               <a:rPr lang="en-US" b="1" dirty="0">
                 <a:solidFill>
                   <a:srgbClr val="0070C0"/>
                 </a:solidFill>
               </a:rPr>
-              <a:t>NOT SAVE </a:t>
-            </a:r>
-            <a:r>
-              <a:rPr lang="en-US" dirty="0" smtClean="0">
+              <a:t>DO NOT SAVE </a:t>
+            </a:r>
+            <a:r>
+              <a:rPr lang="en-US" dirty="0">
                 <a:solidFill>
                   <a:srgbClr val="0070C0"/>
                 </a:solidFill>
               </a:rPr>
               <a:t>these slides after testing. Keep this file in its original form.</a:t>
             </a:r>
-            <a:endParaRPr lang="en-US" dirty="0">
-              <a:solidFill>
-                <a:srgbClr val="0070C0"/>
-              </a:solidFill>
-            </a:endParaRPr>
           </a:p>
           <a:p>
             <a:pPr marL="285750" indent="-285750"/>
@@ -9691,47 +9611,7 @@
                   <a:srgbClr val="0070C0"/>
                 </a:solidFill>
               </a:rPr>
-              <a:t>If </a:t>
-            </a:r>
-            <a:r>
-              <a:rPr lang="en-US" dirty="0" smtClean="0">
-                <a:solidFill>
-                  <a:srgbClr val="0070C0"/>
-                </a:solidFill>
-              </a:rPr>
-              <a:t>your </a:t>
-            </a:r>
-            <a:r>
-              <a:rPr lang="en-US" dirty="0">
-                <a:solidFill>
-                  <a:srgbClr val="0070C0"/>
-                </a:solidFill>
-              </a:rPr>
-              <a:t>result </a:t>
-            </a:r>
-            <a:r>
-              <a:rPr lang="en-US" dirty="0" smtClean="0">
-                <a:solidFill>
-                  <a:srgbClr val="0070C0"/>
-                </a:solidFill>
-              </a:rPr>
-              <a:t>is different from the </a:t>
-            </a:r>
-            <a:r>
-              <a:rPr lang="en-US" dirty="0">
-                <a:solidFill>
-                  <a:srgbClr val="0070C0"/>
-                </a:solidFill>
-              </a:rPr>
-              <a:t>expected output, </a:t>
-            </a:r>
-            <a:r>
-              <a:rPr lang="en-US" dirty="0" smtClean="0">
-                <a:solidFill>
-                  <a:srgbClr val="0070C0"/>
-                </a:solidFill>
-              </a:rPr>
-              <a:t>please submit a bug report (attach slides/screenshots as necessary).</a:t>
+              <a:t>If your result is different from the expected output, please submit a bug report (attach slides/screenshots as necessary).</a:t>
             </a:r>
             <a:endParaRPr lang="en-SG" dirty="0">
               <a:solidFill>
@@ -9758,303 +9638,6 @@
 </file>
 
 <file path=ppt/slides/slide10.xml><?xml version="1.0" encoding="utf-8"?>
-<p:sld xmlns:a="http://schemas.openxmlformats.org/drawingml/2006/main" xmlns:r="http://schemas.openxmlformats.org/officeDocument/2006/relationships" xmlns:p="http://schemas.openxmlformats.org/presentationml/2006/main">
-  <p:cSld>
-    <p:bg>
-      <p:bgPr>
-        <a:solidFill>
-          <a:schemeClr val="bg1"/>
-        </a:solidFill>
-        <a:effectLst/>
-      </p:bgPr>
-    </p:bg>
-    <p:spTree>
-      <p:nvGrpSpPr>
-        <p:cNvPr id="1" name=""/>
-        <p:cNvGrpSpPr/>
-        <p:nvPr/>
-      </p:nvGrpSpPr>
-      <p:grpSpPr>
-        <a:xfrm>
-          <a:off x="0" y="0"/>
-          <a:ext cx="0" cy="0"/>
-          <a:chOff x="0" y="0"/>
-          <a:chExt cx="0" cy="0"/>
-        </a:xfrm>
-      </p:grpSpPr>
-      <p:pic>
-        <p:nvPicPr>
-          <p:cNvPr id="5" name="selectMe2"/>
-          <p:cNvPicPr>
-            <a:picLocks noChangeAspect="1"/>
-          </p:cNvPicPr>
-          <p:nvPr/>
-        </p:nvPicPr>
-        <p:blipFill rotWithShape="1">
-          <a:blip r:embed="rId2">
-            <a:extLst>
-              <a:ext uri="{28A0092B-C50C-407E-A947-70E740481C1C}">
-                <a14:useLocalDpi xmlns:a14="http://schemas.microsoft.com/office/drawing/2010/main" val="0"/>
-              </a:ext>
-            </a:extLst>
-          </a:blip>
-          <a:srcRect t="22423" b="27747"/>
-          <a:stretch/>
-        </p:blipFill>
-        <p:spPr>
-          <a:xfrm>
-            <a:off x="228600" y="1143000"/>
-            <a:ext cx="4572000" cy="1524000"/>
-          </a:xfrm>
-          <a:prstGeom prst="rect">
-            <a:avLst/>
-          </a:prstGeom>
-        </p:spPr>
-      </p:pic>
-      <p:pic>
-        <p:nvPicPr>
-          <p:cNvPr id="3" name="selectMe1"/>
-          <p:cNvPicPr>
-            <a:picLocks noChangeAspect="1"/>
-          </p:cNvPicPr>
-          <p:nvPr/>
-        </p:nvPicPr>
-        <p:blipFill>
-          <a:blip r:embed="rId2">
-            <a:extLst>
-              <a:ext uri="{28A0092B-C50C-407E-A947-70E740481C1C}">
-                <a14:useLocalDpi xmlns:a14="http://schemas.microsoft.com/office/drawing/2010/main" val="0"/>
-              </a:ext>
-            </a:extLst>
-          </a:blip>
-          <a:stretch>
-            <a:fillRect/>
-          </a:stretch>
-        </p:blipFill>
-        <p:spPr>
-          <a:xfrm>
-            <a:off x="4343400" y="3581400"/>
-            <a:ext cx="4572000" cy="3058418"/>
-          </a:xfrm>
-          <a:prstGeom prst="rect">
-            <a:avLst/>
-          </a:prstGeom>
-        </p:spPr>
-      </p:pic>
-    </p:spTree>
-    <p:extLst>
-      <p:ext uri="{BB962C8B-B14F-4D97-AF65-F5344CB8AC3E}">
-        <p14:creationId xmlns:p14="http://schemas.microsoft.com/office/powerpoint/2010/main" val="1512830279"/>
-      </p:ext>
-    </p:extLst>
-  </p:cSld>
-  <p:clrMapOvr>
-    <a:masterClrMapping/>
-  </p:clrMapOvr>
-</p:sld>
-</file>
-
-<file path=ppt/slides/slide11.xml><?xml version="1.0" encoding="utf-8"?>
-<p:sld xmlns:a="http://schemas.openxmlformats.org/drawingml/2006/main" xmlns:r="http://schemas.openxmlformats.org/officeDocument/2006/relationships" xmlns:p="http://schemas.openxmlformats.org/presentationml/2006/main">
-  <p:cSld>
-    <p:bg>
-      <p:bgPr>
-        <a:solidFill>
-          <a:schemeClr val="bg1"/>
-        </a:solidFill>
-        <a:effectLst/>
-      </p:bgPr>
-    </p:bg>
-    <p:spTree>
-      <p:nvGrpSpPr>
-        <p:cNvPr id="1" name=""/>
-        <p:cNvGrpSpPr/>
-        <p:nvPr/>
-      </p:nvGrpSpPr>
-      <p:grpSpPr>
-        <a:xfrm>
-          <a:off x="0" y="0"/>
-          <a:ext cx="0" cy="0"/>
-          <a:chOff x="0" y="0"/>
-          <a:chExt cx="0" cy="0"/>
-        </a:xfrm>
-      </p:grpSpPr>
-      <p:pic>
-        <p:nvPicPr>
-          <p:cNvPr id="5" name="selectMe2"/>
-          <p:cNvPicPr>
-            <a:picLocks noChangeAspect="1"/>
-          </p:cNvPicPr>
-          <p:nvPr/>
-        </p:nvPicPr>
-        <p:blipFill rotWithShape="1">
-          <a:blip r:embed="rId2">
-            <a:extLst>
-              <a:ext uri="{28A0092B-C50C-407E-A947-70E740481C1C}">
-                <a14:useLocalDpi xmlns:a14="http://schemas.microsoft.com/office/drawing/2010/main" val="0"/>
-              </a:ext>
-            </a:extLst>
-          </a:blip>
-          <a:srcRect t="22423" b="27747"/>
-          <a:stretch/>
-        </p:blipFill>
-        <p:spPr>
-          <a:xfrm>
-            <a:off x="228601" y="1143000"/>
-            <a:ext cx="4572001" cy="1524010"/>
-          </a:xfrm>
-          <a:prstGeom prst="rect">
-            <a:avLst/>
-          </a:prstGeom>
-        </p:spPr>
-      </p:pic>
-      <p:pic>
-        <p:nvPicPr>
-          <p:cNvPr id="3" name="selectMe1"/>
-          <p:cNvPicPr>
-            <a:picLocks noChangeAspect="1"/>
-          </p:cNvPicPr>
-          <p:nvPr/>
-        </p:nvPicPr>
-        <p:blipFill>
-          <a:blip r:embed="rId2">
-            <a:extLst>
-              <a:ext uri="{28A0092B-C50C-407E-A947-70E740481C1C}">
-                <a14:useLocalDpi xmlns:a14="http://schemas.microsoft.com/office/drawing/2010/main" val="0"/>
-              </a:ext>
-            </a:extLst>
-          </a:blip>
-          <a:srcRect t="22423" b="27747"/>
-          <a:stretch>
-            <a:fillRect/>
-          </a:stretch>
-        </p:blipFill>
-        <p:spPr>
-          <a:xfrm>
-            <a:off x="4343400" y="4267188"/>
-            <a:ext cx="4572000" cy="1524011"/>
-          </a:xfrm>
-          <a:prstGeom prst="rect">
-            <a:avLst/>
-          </a:prstGeom>
-        </p:spPr>
-      </p:pic>
-      <p:sp>
-        <p:nvSpPr>
-          <p:cNvPr id="4" name="text"/>
-          <p:cNvSpPr txBox="1"/>
-          <p:nvPr/>
-        </p:nvSpPr>
-        <p:spPr>
-          <a:xfrm>
-            <a:off x="8101022" y="0"/>
-            <a:ext cx="1042978" cy="369332"/>
-          </a:xfrm>
-          <a:prstGeom prst="rect">
-            <a:avLst/>
-          </a:prstGeom>
-          <a:noFill/>
-        </p:spPr>
-        <p:txBody>
-          <a:bodyPr wrap="none" rtlCol="0">
-            <a:spAutoFit/>
-          </a:bodyPr>
-          <a:lstStyle/>
-          <a:p>
-            <a:r>
-              <a:rPr lang="en-SG" dirty="0" smtClean="0"/>
-              <a:t>Expected</a:t>
-            </a:r>
-            <a:endParaRPr lang="en-SG" dirty="0"/>
-          </a:p>
-        </p:txBody>
-      </p:sp>
-    </p:spTree>
-    <p:extLst>
-      <p:ext uri="{BB962C8B-B14F-4D97-AF65-F5344CB8AC3E}">
-        <p14:creationId xmlns:p14="http://schemas.microsoft.com/office/powerpoint/2010/main" val="2272573235"/>
-      </p:ext>
-    </p:extLst>
-  </p:cSld>
-  <p:clrMapOvr>
-    <a:masterClrMapping/>
-  </p:clrMapOvr>
-</p:sld>
-</file>
-
-<file path=ppt/slides/slide12.xml><?xml version="1.0" encoding="utf-8"?>
-<p:sld xmlns:a="http://schemas.openxmlformats.org/drawingml/2006/main" xmlns:r="http://schemas.openxmlformats.org/officeDocument/2006/relationships" xmlns:p="http://schemas.openxmlformats.org/presentationml/2006/main">
-  <p:cSld>
-    <p:spTree>
-      <p:nvGrpSpPr>
-        <p:cNvPr id="1" name=""/>
-        <p:cNvGrpSpPr/>
-        <p:nvPr/>
-      </p:nvGrpSpPr>
-      <p:grpSpPr>
-        <a:xfrm>
-          <a:off x="0" y="0"/>
-          <a:ext cx="0" cy="0"/>
-          <a:chOff x="0" y="0"/>
-          <a:chExt cx="0" cy="0"/>
-        </a:xfrm>
-      </p:grpSpPr>
-      <p:sp>
-        <p:nvSpPr>
-          <p:cNvPr id="2" name="Title 1"/>
-          <p:cNvSpPr>
-            <a:spLocks noGrp="1"/>
-          </p:cNvSpPr>
-          <p:nvPr>
-            <p:ph type="title"/>
-          </p:nvPr>
-        </p:nvSpPr>
-        <p:spPr/>
-        <p:txBody>
-          <a:bodyPr/>
-          <a:lstStyle/>
-          <a:p>
-            <a:r>
-              <a:rPr lang="en-US" dirty="0" smtClean="0"/>
-              <a:t>Auto Crop:: Four edges cropped</a:t>
-            </a:r>
-            <a:endParaRPr lang="en-SG" dirty="0"/>
-          </a:p>
-        </p:txBody>
-      </p:sp>
-      <p:sp>
-        <p:nvSpPr>
-          <p:cNvPr id="3" name="Content Placeholder 2"/>
-          <p:cNvSpPr>
-            <a:spLocks noGrp="1"/>
-          </p:cNvSpPr>
-          <p:nvPr>
-            <p:ph idx="1"/>
-          </p:nvPr>
-        </p:nvSpPr>
-        <p:spPr/>
-        <p:txBody>
-          <a:bodyPr/>
-          <a:lstStyle/>
-          <a:p>
-            <a:endParaRPr lang="en-SG" dirty="0"/>
-          </a:p>
-        </p:txBody>
-      </p:sp>
-    </p:spTree>
-    <p:extLst>
-      <p:ext uri="{BB962C8B-B14F-4D97-AF65-F5344CB8AC3E}">
-        <p14:creationId xmlns:p14="http://schemas.microsoft.com/office/powerpoint/2010/main" val="103934301"/>
-      </p:ext>
-    </p:extLst>
-  </p:cSld>
-  <p:clrMapOvr>
-    <a:masterClrMapping/>
-  </p:clrMapOvr>
-</p:sld>
-</file>
-
-<file path=ppt/slides/slide13.xml><?xml version="1.0" encoding="utf-8"?>
 <p:sld xmlns:a="http://schemas.openxmlformats.org/drawingml/2006/main" xmlns:r="http://schemas.openxmlformats.org/officeDocument/2006/relationships" xmlns:p="http://schemas.openxmlformats.org/presentationml/2006/main">
   <p:cSld>
     <p:bg>
@@ -10151,7 +9734,7 @@
 </p:sld>
 </file>
 
-<file path=ppt/slides/slide14.xml><?xml version="1.0" encoding="utf-8"?>
+<file path=ppt/slides/slide11.xml><?xml version="1.0" encoding="utf-8"?>
 <p:sld xmlns:a="http://schemas.openxmlformats.org/drawingml/2006/main" xmlns:r="http://schemas.openxmlformats.org/officeDocument/2006/relationships" xmlns:p="http://schemas.openxmlformats.org/presentationml/2006/main">
   <p:cSld>
     <p:bg>
@@ -10259,10 +9842,9 @@
           <a:lstStyle/>
           <a:p>
             <a:r>
-              <a:rPr lang="en-SG" dirty="0" smtClean="0"/>
+              <a:rPr lang="en-SG" dirty="0"/>
               <a:t>Expected</a:t>
             </a:r>
-            <a:endParaRPr lang="en-SG" dirty="0"/>
           </a:p>
         </p:txBody>
       </p:sp>
@@ -10279,7 +9861,7 @@
 </p:sld>
 </file>
 
-<file path=ppt/slides/slide15.xml><?xml version="1.0" encoding="utf-8"?>
+<file path=ppt/slides/slide12.xml><?xml version="1.0" encoding="utf-8"?>
 <p:sld xmlns:a="http://schemas.openxmlformats.org/drawingml/2006/main" xmlns:r="http://schemas.openxmlformats.org/officeDocument/2006/relationships" xmlns:p="http://schemas.openxmlformats.org/presentationml/2006/main">
   <p:cSld>
     <p:spTree>
@@ -10312,7 +9894,7 @@
           <a:lstStyle/>
           <a:p>
             <a:r>
-              <a:rPr lang="en-US" dirty="0" smtClean="0"/>
+              <a:rPr lang="en-US" dirty="0"/>
               <a:t>Auto Crop:: Smaller reference image</a:t>
             </a:r>
             <a:endParaRPr lang="en-SG" dirty="0"/>
@@ -10351,7 +9933,7 @@
 </p:sld>
 </file>
 
-<file path=ppt/slides/slide16.xml><?xml version="1.0" encoding="utf-8"?>
+<file path=ppt/slides/slide13.xml><?xml version="1.0" encoding="utf-8"?>
 <p:sld xmlns:a="http://schemas.openxmlformats.org/drawingml/2006/main" xmlns:r="http://schemas.openxmlformats.org/officeDocument/2006/relationships" xmlns:p="http://schemas.openxmlformats.org/presentationml/2006/main">
   <p:cSld>
     <p:bg>
@@ -10449,7 +10031,7 @@
 </p:sld>
 </file>
 
-<file path=ppt/slides/slide17.xml><?xml version="1.0" encoding="utf-8"?>
+<file path=ppt/slides/slide14.xml><?xml version="1.0" encoding="utf-8"?>
 <p:sld xmlns:a="http://schemas.openxmlformats.org/drawingml/2006/main" xmlns:r="http://schemas.openxmlformats.org/officeDocument/2006/relationships" xmlns:p="http://schemas.openxmlformats.org/presentationml/2006/main">
   <p:cSld>
     <p:bg>
@@ -10558,10 +10140,9 @@
           <a:lstStyle/>
           <a:p>
             <a:r>
-              <a:rPr lang="en-SG" dirty="0" smtClean="0"/>
+              <a:rPr lang="en-SG" dirty="0"/>
               <a:t>Expected</a:t>
             </a:r>
-            <a:endParaRPr lang="en-SG" dirty="0"/>
           </a:p>
         </p:txBody>
       </p:sp>
@@ -10569,6 +10150,304 @@
     <p:extLst>
       <p:ext uri="{BB962C8B-B14F-4D97-AF65-F5344CB8AC3E}">
         <p14:creationId xmlns:p14="http://schemas.microsoft.com/office/powerpoint/2010/main" val="4008544472"/>
+      </p:ext>
+    </p:extLst>
+  </p:cSld>
+  <p:clrMapOvr>
+    <a:masterClrMapping/>
+  </p:clrMapOvr>
+</p:sld>
+</file>
+
+<file path=ppt/slides/slide15.xml><?xml version="1.0" encoding="utf-8"?>
+<p:sld xmlns:a="http://schemas.openxmlformats.org/drawingml/2006/main" xmlns:r="http://schemas.openxmlformats.org/officeDocument/2006/relationships" xmlns:p="http://schemas.openxmlformats.org/presentationml/2006/main">
+  <p:cSld>
+    <p:spTree>
+      <p:nvGrpSpPr>
+        <p:cNvPr id="1" name=""/>
+        <p:cNvGrpSpPr/>
+        <p:nvPr/>
+      </p:nvGrpSpPr>
+      <p:grpSpPr>
+        <a:xfrm>
+          <a:off x="0" y="0"/>
+          <a:ext cx="0" cy="0"/>
+          <a:chOff x="0" y="0"/>
+          <a:chExt cx="0" cy="0"/>
+        </a:xfrm>
+      </p:grpSpPr>
+      <p:sp>
+        <p:nvSpPr>
+          <p:cNvPr id="2" name="Title 1"/>
+          <p:cNvSpPr>
+            <a:spLocks noGrp="1"/>
+          </p:cNvSpPr>
+          <p:nvPr>
+            <p:ph type="title"/>
+          </p:nvPr>
+        </p:nvSpPr>
+        <p:spPr/>
+        <p:txBody>
+          <a:bodyPr/>
+          <a:lstStyle/>
+          <a:p>
+            <a:r>
+              <a:rPr lang="en-US" dirty="0"/>
+              <a:t>Auto Crop:: Wider but shorter reference image</a:t>
+            </a:r>
+            <a:endParaRPr lang="en-SG" dirty="0"/>
+          </a:p>
+        </p:txBody>
+      </p:sp>
+      <p:sp>
+        <p:nvSpPr>
+          <p:cNvPr id="3" name="Content Placeholder 2"/>
+          <p:cNvSpPr>
+            <a:spLocks noGrp="1"/>
+          </p:cNvSpPr>
+          <p:nvPr>
+            <p:ph idx="1"/>
+          </p:nvPr>
+        </p:nvSpPr>
+        <p:spPr/>
+        <p:txBody>
+          <a:bodyPr/>
+          <a:lstStyle/>
+          <a:p>
+            <a:endParaRPr lang="en-SG" dirty="0"/>
+          </a:p>
+        </p:txBody>
+      </p:sp>
+    </p:spTree>
+    <p:extLst>
+      <p:ext uri="{BB962C8B-B14F-4D97-AF65-F5344CB8AC3E}">
+        <p14:creationId xmlns:p14="http://schemas.microsoft.com/office/powerpoint/2010/main" val="189313032"/>
+      </p:ext>
+    </p:extLst>
+  </p:cSld>
+  <p:clrMapOvr>
+    <a:masterClrMapping/>
+  </p:clrMapOvr>
+</p:sld>
+</file>
+
+<file path=ppt/slides/slide16.xml><?xml version="1.0" encoding="utf-8"?>
+<p:sld xmlns:a="http://schemas.openxmlformats.org/drawingml/2006/main" xmlns:r="http://schemas.openxmlformats.org/officeDocument/2006/relationships" xmlns:p="http://schemas.openxmlformats.org/presentationml/2006/main">
+  <p:cSld>
+    <p:bg>
+      <p:bgPr>
+        <a:solidFill>
+          <a:schemeClr val="bg1"/>
+        </a:solidFill>
+        <a:effectLst/>
+      </p:bgPr>
+    </p:bg>
+    <p:spTree>
+      <p:nvGrpSpPr>
+        <p:cNvPr id="1" name=""/>
+        <p:cNvGrpSpPr/>
+        <p:nvPr/>
+      </p:nvGrpSpPr>
+      <p:grpSpPr>
+        <a:xfrm>
+          <a:off x="0" y="0"/>
+          <a:ext cx="0" cy="0"/>
+          <a:chOff x="0" y="0"/>
+          <a:chExt cx="0" cy="0"/>
+        </a:xfrm>
+      </p:grpSpPr>
+      <p:pic>
+        <p:nvPicPr>
+          <p:cNvPr id="5" name="selectMe2"/>
+          <p:cNvPicPr>
+            <a:picLocks noChangeAspect="1"/>
+          </p:cNvPicPr>
+          <p:nvPr/>
+        </p:nvPicPr>
+        <p:blipFill>
+          <a:blip r:embed="rId2">
+            <a:extLst>
+              <a:ext uri="{28A0092B-C50C-407E-A947-70E740481C1C}">
+                <a14:useLocalDpi xmlns:a14="http://schemas.microsoft.com/office/drawing/2010/main" val="0"/>
+              </a:ext>
+            </a:extLst>
+          </a:blip>
+          <a:stretch>
+            <a:fillRect/>
+          </a:stretch>
+        </p:blipFill>
+        <p:spPr>
+          <a:xfrm>
+            <a:off x="228600" y="914400"/>
+            <a:ext cx="6781800" cy="1686818"/>
+          </a:xfrm>
+          <a:prstGeom prst="rect">
+            <a:avLst/>
+          </a:prstGeom>
+        </p:spPr>
+      </p:pic>
+      <p:pic>
+        <p:nvPicPr>
+          <p:cNvPr id="3" name="selectMe1"/>
+          <p:cNvPicPr>
+            <a:picLocks noChangeAspect="1"/>
+          </p:cNvPicPr>
+          <p:nvPr/>
+        </p:nvPicPr>
+        <p:blipFill>
+          <a:blip r:embed="rId2">
+            <a:extLst>
+              <a:ext uri="{28A0092B-C50C-407E-A947-70E740481C1C}">
+                <a14:useLocalDpi xmlns:a14="http://schemas.microsoft.com/office/drawing/2010/main" val="0"/>
+              </a:ext>
+            </a:extLst>
+          </a:blip>
+          <a:stretch>
+            <a:fillRect/>
+          </a:stretch>
+        </p:blipFill>
+        <p:spPr>
+          <a:xfrm>
+            <a:off x="4343400" y="3505200"/>
+            <a:ext cx="4572000" cy="3058418"/>
+          </a:xfrm>
+          <a:prstGeom prst="rect">
+            <a:avLst/>
+          </a:prstGeom>
+        </p:spPr>
+      </p:pic>
+    </p:spTree>
+    <p:extLst>
+      <p:ext uri="{BB962C8B-B14F-4D97-AF65-F5344CB8AC3E}">
+        <p14:creationId xmlns:p14="http://schemas.microsoft.com/office/powerpoint/2010/main" val="3445570196"/>
+      </p:ext>
+    </p:extLst>
+  </p:cSld>
+  <p:clrMapOvr>
+    <a:masterClrMapping/>
+  </p:clrMapOvr>
+</p:sld>
+</file>
+
+<file path=ppt/slides/slide17.xml><?xml version="1.0" encoding="utf-8"?>
+<p:sld xmlns:a="http://schemas.openxmlformats.org/drawingml/2006/main" xmlns:r="http://schemas.openxmlformats.org/officeDocument/2006/relationships" xmlns:p="http://schemas.openxmlformats.org/presentationml/2006/main">
+  <p:cSld>
+    <p:bg>
+      <p:bgPr>
+        <a:solidFill>
+          <a:schemeClr val="bg1"/>
+        </a:solidFill>
+        <a:effectLst/>
+      </p:bgPr>
+    </p:bg>
+    <p:spTree>
+      <p:nvGrpSpPr>
+        <p:cNvPr id="1" name=""/>
+        <p:cNvGrpSpPr/>
+        <p:nvPr/>
+      </p:nvGrpSpPr>
+      <p:grpSpPr>
+        <a:xfrm>
+          <a:off x="0" y="0"/>
+          <a:ext cx="0" cy="0"/>
+          <a:chOff x="0" y="0"/>
+          <a:chExt cx="0" cy="0"/>
+        </a:xfrm>
+      </p:grpSpPr>
+      <p:pic>
+        <p:nvPicPr>
+          <p:cNvPr id="5" name="selectMe2"/>
+          <p:cNvPicPr>
+            <a:picLocks noChangeAspect="1"/>
+          </p:cNvPicPr>
+          <p:nvPr/>
+        </p:nvPicPr>
+        <p:blipFill>
+          <a:blip r:embed="rId2">
+            <a:extLst>
+              <a:ext uri="{28A0092B-C50C-407E-A947-70E740481C1C}">
+                <a14:useLocalDpi xmlns:a14="http://schemas.microsoft.com/office/drawing/2010/main" val="0"/>
+              </a:ext>
+            </a:extLst>
+          </a:blip>
+          <a:stretch>
+            <a:fillRect/>
+          </a:stretch>
+        </p:blipFill>
+        <p:spPr>
+          <a:xfrm>
+            <a:off x="228600" y="914400"/>
+            <a:ext cx="6781800" cy="1686818"/>
+          </a:xfrm>
+          <a:prstGeom prst="rect">
+            <a:avLst/>
+          </a:prstGeom>
+        </p:spPr>
+      </p:pic>
+      <p:pic>
+        <p:nvPicPr>
+          <p:cNvPr id="3" name="selectMe1"/>
+          <p:cNvPicPr>
+            <a:picLocks noChangeAspect="1"/>
+          </p:cNvPicPr>
+          <p:nvPr/>
+        </p:nvPicPr>
+        <p:blipFill>
+          <a:blip r:embed="rId2">
+            <a:extLst>
+              <a:ext uri="{28A0092B-C50C-407E-A947-70E740481C1C}">
+                <a14:useLocalDpi xmlns:a14="http://schemas.microsoft.com/office/drawing/2010/main" val="0"/>
+              </a:ext>
+            </a:extLst>
+          </a:blip>
+          <a:srcRect t="22423" b="22423"/>
+          <a:stretch>
+            <a:fillRect/>
+          </a:stretch>
+        </p:blipFill>
+        <p:spPr>
+          <a:xfrm>
+            <a:off x="4343400" y="4191000"/>
+            <a:ext cx="4572000" cy="1686822"/>
+          </a:xfrm>
+          <a:prstGeom prst="rect">
+            <a:avLst/>
+          </a:prstGeom>
+        </p:spPr>
+      </p:pic>
+      <p:sp>
+        <p:nvSpPr>
+          <p:cNvPr id="4" name="text"/>
+          <p:cNvSpPr txBox="1"/>
+          <p:nvPr/>
+        </p:nvSpPr>
+        <p:spPr>
+          <a:xfrm>
+            <a:off x="8101022" y="0"/>
+            <a:ext cx="1042978" cy="369332"/>
+          </a:xfrm>
+          <a:prstGeom prst="rect">
+            <a:avLst/>
+          </a:prstGeom>
+          <a:noFill/>
+        </p:spPr>
+        <p:txBody>
+          <a:bodyPr wrap="none" rtlCol="0">
+            <a:spAutoFit/>
+          </a:bodyPr>
+          <a:lstStyle/>
+          <a:p>
+            <a:r>
+              <a:rPr lang="en-SG" dirty="0"/>
+              <a:t>Expected</a:t>
+            </a:r>
+          </a:p>
+        </p:txBody>
+      </p:sp>
+    </p:spTree>
+    <p:extLst>
+      <p:ext uri="{BB962C8B-B14F-4D97-AF65-F5344CB8AC3E}">
+        <p14:creationId xmlns:p14="http://schemas.microsoft.com/office/powerpoint/2010/main" val="280152386"/>
       </p:ext>
     </p:extLst>
   </p:cSld>
@@ -10611,7 +10490,936 @@
           <a:lstStyle/>
           <a:p>
             <a:r>
-              <a:rPr lang="en-US" dirty="0" smtClean="0"/>
+              <a:rPr lang="en-US" dirty="0"/>
+              <a:t>Auto Crop:: Cropped image</a:t>
+            </a:r>
+            <a:br>
+              <a:rPr lang="en-US" dirty="0"/>
+            </a:br>
+            <a:endParaRPr lang="en-SG" dirty="0"/>
+          </a:p>
+        </p:txBody>
+      </p:sp>
+      <p:sp>
+        <p:nvSpPr>
+          <p:cNvPr id="3" name="Content Placeholder 2"/>
+          <p:cNvSpPr>
+            <a:spLocks noGrp="1"/>
+          </p:cNvSpPr>
+          <p:nvPr>
+            <p:ph idx="1"/>
+          </p:nvPr>
+        </p:nvSpPr>
+        <p:spPr/>
+        <p:txBody>
+          <a:bodyPr/>
+          <a:lstStyle/>
+          <a:p>
+            <a:endParaRPr lang="en-SG" dirty="0"/>
+          </a:p>
+        </p:txBody>
+      </p:sp>
+    </p:spTree>
+    <p:extLst>
+      <p:ext uri="{BB962C8B-B14F-4D97-AF65-F5344CB8AC3E}">
+        <p14:creationId xmlns:p14="http://schemas.microsoft.com/office/powerpoint/2010/main" val="731725823"/>
+      </p:ext>
+    </p:extLst>
+  </p:cSld>
+  <p:clrMapOvr>
+    <a:masterClrMapping/>
+  </p:clrMapOvr>
+</p:sld>
+</file>
+
+<file path=ppt/slides/slide19.xml><?xml version="1.0" encoding="utf-8"?>
+<p:sld xmlns:a="http://schemas.openxmlformats.org/drawingml/2006/main" xmlns:r="http://schemas.openxmlformats.org/officeDocument/2006/relationships" xmlns:p="http://schemas.openxmlformats.org/presentationml/2006/main">
+  <p:cSld>
+    <p:bg>
+      <p:bgPr>
+        <a:solidFill>
+          <a:schemeClr val="bg1"/>
+        </a:solidFill>
+        <a:effectLst/>
+      </p:bgPr>
+    </p:bg>
+    <p:spTree>
+      <p:nvGrpSpPr>
+        <p:cNvPr id="1" name=""/>
+        <p:cNvGrpSpPr/>
+        <p:nvPr/>
+      </p:nvGrpSpPr>
+      <p:grpSpPr>
+        <a:xfrm>
+          <a:off x="0" y="0"/>
+          <a:ext cx="0" cy="0"/>
+          <a:chOff x="0" y="0"/>
+          <a:chExt cx="0" cy="0"/>
+        </a:xfrm>
+      </p:grpSpPr>
+      <p:pic>
+        <p:nvPicPr>
+          <p:cNvPr id="4" name="selectMe2"/>
+          <p:cNvPicPr>
+            <a:picLocks noChangeAspect="1"/>
+          </p:cNvPicPr>
+          <p:nvPr/>
+        </p:nvPicPr>
+        <p:blipFill rotWithShape="1">
+          <a:blip r:embed="rId2">
+            <a:extLst>
+              <a:ext uri="{28A0092B-C50C-407E-A947-70E740481C1C}">
+                <a14:useLocalDpi xmlns:a14="http://schemas.microsoft.com/office/drawing/2010/main" val="0"/>
+              </a:ext>
+            </a:extLst>
+          </a:blip>
+          <a:srcRect l="30001" t="32390" r="33331" b="30237"/>
+          <a:stretch/>
+        </p:blipFill>
+        <p:spPr>
+          <a:xfrm>
+            <a:off x="1828800" y="1219200"/>
+            <a:ext cx="1676400" cy="1143000"/>
+          </a:xfrm>
+          <a:prstGeom prst="rect">
+            <a:avLst/>
+          </a:prstGeom>
+        </p:spPr>
+      </p:pic>
+      <p:pic>
+        <p:nvPicPr>
+          <p:cNvPr id="3" name="selectMe1"/>
+          <p:cNvPicPr>
+            <a:picLocks noChangeAspect="1"/>
+          </p:cNvPicPr>
+          <p:nvPr/>
+        </p:nvPicPr>
+        <p:blipFill rotWithShape="1">
+          <a:blip r:embed="rId2">
+            <a:extLst>
+              <a:ext uri="{28A0092B-C50C-407E-A947-70E740481C1C}">
+                <a14:useLocalDpi xmlns:a14="http://schemas.microsoft.com/office/drawing/2010/main" val="0"/>
+              </a:ext>
+            </a:extLst>
+          </a:blip>
+          <a:srcRect l="10000" t="9966" r="6667" b="10306"/>
+          <a:stretch/>
+        </p:blipFill>
+        <p:spPr>
+          <a:xfrm>
+            <a:off x="4800600" y="3810000"/>
+            <a:ext cx="3810000" cy="2438400"/>
+          </a:xfrm>
+          <a:prstGeom prst="rect">
+            <a:avLst/>
+          </a:prstGeom>
+        </p:spPr>
+      </p:pic>
+    </p:spTree>
+    <p:extLst>
+      <p:ext uri="{BB962C8B-B14F-4D97-AF65-F5344CB8AC3E}">
+        <p14:creationId xmlns:p14="http://schemas.microsoft.com/office/powerpoint/2010/main" val="132719599"/>
+      </p:ext>
+    </p:extLst>
+  </p:cSld>
+  <p:clrMapOvr>
+    <a:masterClrMapping/>
+  </p:clrMapOvr>
+</p:sld>
+</file>
+
+<file path=ppt/slides/slide2.xml><?xml version="1.0" encoding="utf-8"?>
+<p:sld xmlns:a="http://schemas.openxmlformats.org/drawingml/2006/main" xmlns:r="http://schemas.openxmlformats.org/officeDocument/2006/relationships" xmlns:p="http://schemas.openxmlformats.org/presentationml/2006/main">
+  <p:cSld>
+    <p:bg>
+      <p:bgPr>
+        <a:solidFill>
+          <a:schemeClr val="accent6">
+            <a:lumMod val="75000"/>
+          </a:schemeClr>
+        </a:solidFill>
+        <a:effectLst/>
+      </p:bgPr>
+    </p:bg>
+    <p:spTree>
+      <p:nvGrpSpPr>
+        <p:cNvPr id="1" name=""/>
+        <p:cNvGrpSpPr/>
+        <p:nvPr/>
+      </p:nvGrpSpPr>
+      <p:grpSpPr>
+        <a:xfrm>
+          <a:off x="0" y="0"/>
+          <a:ext cx="0" cy="0"/>
+          <a:chOff x="0" y="0"/>
+          <a:chExt cx="0" cy="0"/>
+        </a:xfrm>
+      </p:grpSpPr>
+      <p:sp>
+        <p:nvSpPr>
+          <p:cNvPr id="2" name="Title 1"/>
+          <p:cNvSpPr>
+            <a:spLocks noGrp="1"/>
+          </p:cNvSpPr>
+          <p:nvPr>
+            <p:ph type="title"/>
+          </p:nvPr>
+        </p:nvSpPr>
+        <p:spPr>
+          <a:xfrm>
+            <a:off x="381000" y="609600"/>
+            <a:ext cx="8229600" cy="1143000"/>
+          </a:xfrm>
+        </p:spPr>
+        <p:txBody>
+          <a:bodyPr>
+            <a:noAutofit/>
+          </a:bodyPr>
+          <a:lstStyle/>
+          <a:p>
+            <a:pPr algn="l"/>
+            <a:r>
+              <a:rPr lang="en-US" sz="7200" dirty="0">
+                <a:solidFill>
+                  <a:schemeClr val="bg1"/>
+                </a:solidFill>
+              </a:rPr>
+              <a:t>Crop To Same Dimensions</a:t>
+            </a:r>
+            <a:endParaRPr lang="en-SG" sz="7200" dirty="0">
+              <a:solidFill>
+                <a:schemeClr val="bg1"/>
+              </a:solidFill>
+            </a:endParaRPr>
+          </a:p>
+        </p:txBody>
+      </p:sp>
+      <p:sp>
+        <p:nvSpPr>
+          <p:cNvPr id="3" name="text 5"/>
+          <p:cNvSpPr txBox="1"/>
+          <p:nvPr/>
+        </p:nvSpPr>
+        <p:spPr>
+          <a:xfrm>
+            <a:off x="542636" y="2819400"/>
+            <a:ext cx="7620000" cy="1938992"/>
+          </a:xfrm>
+          <a:prstGeom prst="rect">
+            <a:avLst/>
+          </a:prstGeom>
+          <a:noFill/>
+        </p:spPr>
+        <p:txBody>
+          <a:bodyPr wrap="square" rtlCol="0">
+            <a:spAutoFit/>
+          </a:bodyPr>
+          <a:lstStyle/>
+          <a:p>
+            <a:r>
+              <a:rPr lang="en-US" sz="2400" b="1" dirty="0">
+                <a:solidFill>
+                  <a:schemeClr val="bg1"/>
+                </a:solidFill>
+              </a:rPr>
+              <a:t>Additional instructions:</a:t>
+            </a:r>
+          </a:p>
+          <a:p>
+            <a:pPr marL="285750" indent="-285750">
+              <a:buFont typeface="Arial" panose="020B0604020202020204" pitchFamily="34" charset="0"/>
+              <a:buChar char="•"/>
+            </a:pPr>
+            <a:r>
+              <a:rPr lang="en-US" sz="2400" dirty="0">
+                <a:solidFill>
+                  <a:schemeClr val="bg1"/>
+                </a:solidFill>
+              </a:rPr>
+              <a:t>Select the picture(s) from left to right.</a:t>
+            </a:r>
+          </a:p>
+          <a:p>
+            <a:pPr marL="285750" indent="-285750">
+              <a:buFont typeface="Arial" panose="020B0604020202020204" pitchFamily="34" charset="0"/>
+              <a:buChar char="•"/>
+            </a:pPr>
+            <a:r>
+              <a:rPr lang="en-US" sz="2400" dirty="0">
+                <a:solidFill>
+                  <a:schemeClr val="bg1"/>
+                </a:solidFill>
+              </a:rPr>
+              <a:t>Click it and then select </a:t>
+            </a:r>
+            <a:r>
+              <a:rPr lang="en-US" sz="2400" b="1" dirty="0">
+                <a:solidFill>
+                  <a:schemeClr val="bg1"/>
+                </a:solidFill>
+              </a:rPr>
+              <a:t>“Crop to Same Dimensions” </a:t>
+            </a:r>
+            <a:r>
+              <a:rPr lang="en-US" sz="2400" dirty="0">
+                <a:solidFill>
+                  <a:schemeClr val="bg1"/>
+                </a:solidFill>
+              </a:rPr>
+              <a:t>in the context menu. </a:t>
+            </a:r>
+          </a:p>
+          <a:p>
+            <a:pPr marL="285750" indent="-285750">
+              <a:buFont typeface="Arial" panose="020B0604020202020204" pitchFamily="34" charset="0"/>
+              <a:buChar char="•"/>
+            </a:pPr>
+            <a:r>
+              <a:rPr lang="en-US" sz="2400" dirty="0">
+                <a:solidFill>
+                  <a:schemeClr val="bg1"/>
+                </a:solidFill>
+              </a:rPr>
+              <a:t>Compare the result with the expected output.</a:t>
+            </a:r>
+          </a:p>
+        </p:txBody>
+      </p:sp>
+    </p:spTree>
+    <p:extLst>
+      <p:ext uri="{BB962C8B-B14F-4D97-AF65-F5344CB8AC3E}">
+        <p14:creationId xmlns:p14="http://schemas.microsoft.com/office/powerpoint/2010/main" val="1569131388"/>
+      </p:ext>
+    </p:extLst>
+  </p:cSld>
+  <p:clrMapOvr>
+    <a:masterClrMapping/>
+  </p:clrMapOvr>
+</p:sld>
+</file>
+
+<file path=ppt/slides/slide20.xml><?xml version="1.0" encoding="utf-8"?>
+<p:sld xmlns:a="http://schemas.openxmlformats.org/drawingml/2006/main" xmlns:r="http://schemas.openxmlformats.org/officeDocument/2006/relationships" xmlns:p="http://schemas.openxmlformats.org/presentationml/2006/main">
+  <p:cSld>
+    <p:bg>
+      <p:bgPr>
+        <a:solidFill>
+          <a:schemeClr val="bg1"/>
+        </a:solidFill>
+        <a:effectLst/>
+      </p:bgPr>
+    </p:bg>
+    <p:spTree>
+      <p:nvGrpSpPr>
+        <p:cNvPr id="1" name=""/>
+        <p:cNvGrpSpPr/>
+        <p:nvPr/>
+      </p:nvGrpSpPr>
+      <p:grpSpPr>
+        <a:xfrm>
+          <a:off x="0" y="0"/>
+          <a:ext cx="0" cy="0"/>
+          <a:chOff x="0" y="0"/>
+          <a:chExt cx="0" cy="0"/>
+        </a:xfrm>
+      </p:grpSpPr>
+      <p:pic>
+        <p:nvPicPr>
+          <p:cNvPr id="4" name="selectMe2"/>
+          <p:cNvPicPr>
+            <a:picLocks noChangeAspect="1"/>
+          </p:cNvPicPr>
+          <p:nvPr/>
+        </p:nvPicPr>
+        <p:blipFill rotWithShape="1">
+          <a:blip r:embed="rId2">
+            <a:extLst>
+              <a:ext uri="{28A0092B-C50C-407E-A947-70E740481C1C}">
+                <a14:useLocalDpi xmlns:a14="http://schemas.microsoft.com/office/drawing/2010/main" val="0"/>
+              </a:ext>
+            </a:extLst>
+          </a:blip>
+          <a:srcRect l="30001" t="32390" r="33331" b="30237"/>
+          <a:stretch/>
+        </p:blipFill>
+        <p:spPr>
+          <a:xfrm>
+            <a:off x="1828800" y="1219200"/>
+            <a:ext cx="1676400" cy="1143000"/>
+          </a:xfrm>
+          <a:prstGeom prst="rect">
+            <a:avLst/>
+          </a:prstGeom>
+        </p:spPr>
+      </p:pic>
+      <p:pic>
+        <p:nvPicPr>
+          <p:cNvPr id="3" name="selectMe1"/>
+          <p:cNvPicPr>
+            <a:picLocks noChangeAspect="1"/>
+          </p:cNvPicPr>
+          <p:nvPr/>
+        </p:nvPicPr>
+        <p:blipFill rotWithShape="1">
+          <a:blip r:embed="rId2">
+            <a:extLst>
+              <a:ext uri="{28A0092B-C50C-407E-A947-70E740481C1C}">
+                <a14:useLocalDpi xmlns:a14="http://schemas.microsoft.com/office/drawing/2010/main" val="0"/>
+              </a:ext>
+            </a:extLst>
+          </a:blip>
+          <a:srcRect l="32106" t="31872" r="31227" b="30756"/>
+          <a:stretch/>
+        </p:blipFill>
+        <p:spPr>
+          <a:xfrm>
+            <a:off x="5811307" y="4479966"/>
+            <a:ext cx="1676408" cy="1142999"/>
+          </a:xfrm>
+          <a:prstGeom prst="rect">
+            <a:avLst/>
+          </a:prstGeom>
+        </p:spPr>
+      </p:pic>
+      <p:sp>
+        <p:nvSpPr>
+          <p:cNvPr id="5" name="text"/>
+          <p:cNvSpPr txBox="1"/>
+          <p:nvPr/>
+        </p:nvSpPr>
+        <p:spPr>
+          <a:xfrm>
+            <a:off x="8101022" y="0"/>
+            <a:ext cx="1042978" cy="369332"/>
+          </a:xfrm>
+          <a:prstGeom prst="rect">
+            <a:avLst/>
+          </a:prstGeom>
+          <a:noFill/>
+        </p:spPr>
+        <p:txBody>
+          <a:bodyPr wrap="none" rtlCol="0">
+            <a:spAutoFit/>
+          </a:bodyPr>
+          <a:lstStyle/>
+          <a:p>
+            <a:r>
+              <a:rPr lang="en-SG" dirty="0"/>
+              <a:t>Expected</a:t>
+            </a:r>
+          </a:p>
+        </p:txBody>
+      </p:sp>
+    </p:spTree>
+    <p:extLst>
+      <p:ext uri="{BB962C8B-B14F-4D97-AF65-F5344CB8AC3E}">
+        <p14:creationId xmlns:p14="http://schemas.microsoft.com/office/powerpoint/2010/main" val="3134480863"/>
+      </p:ext>
+    </p:extLst>
+  </p:cSld>
+  <p:clrMapOvr>
+    <a:masterClrMapping/>
+  </p:clrMapOvr>
+</p:sld>
+</file>
+
+<file path=ppt/slides/slide21.xml><?xml version="1.0" encoding="utf-8"?>
+<p:sld xmlns:a="http://schemas.openxmlformats.org/drawingml/2006/main" xmlns:r="http://schemas.openxmlformats.org/officeDocument/2006/relationships" xmlns:p="http://schemas.openxmlformats.org/presentationml/2006/main">
+  <p:cSld>
+    <p:spTree>
+      <p:nvGrpSpPr>
+        <p:cNvPr id="1" name=""/>
+        <p:cNvGrpSpPr/>
+        <p:nvPr/>
+      </p:nvGrpSpPr>
+      <p:grpSpPr>
+        <a:xfrm>
+          <a:off x="0" y="0"/>
+          <a:ext cx="0" cy="0"/>
+          <a:chOff x="0" y="0"/>
+          <a:chExt cx="0" cy="0"/>
+        </a:xfrm>
+      </p:grpSpPr>
+      <p:sp>
+        <p:nvSpPr>
+          <p:cNvPr id="2" name="Title 1"/>
+          <p:cNvSpPr>
+            <a:spLocks noGrp="1"/>
+          </p:cNvSpPr>
+          <p:nvPr>
+            <p:ph type="title"/>
+          </p:nvPr>
+        </p:nvSpPr>
+        <p:spPr/>
+        <p:txBody>
+          <a:bodyPr/>
+          <a:lstStyle/>
+          <a:p>
+            <a:r>
+              <a:rPr lang="en-US" dirty="0"/>
+              <a:t>Auto Crop:: non-picture selected</a:t>
+            </a:r>
+            <a:endParaRPr lang="en-SG" dirty="0"/>
+          </a:p>
+        </p:txBody>
+      </p:sp>
+      <p:sp>
+        <p:nvSpPr>
+          <p:cNvPr id="3" name="Content Placeholder 2"/>
+          <p:cNvSpPr>
+            <a:spLocks noGrp="1"/>
+          </p:cNvSpPr>
+          <p:nvPr>
+            <p:ph idx="1"/>
+          </p:nvPr>
+        </p:nvSpPr>
+        <p:spPr/>
+        <p:txBody>
+          <a:bodyPr/>
+          <a:lstStyle/>
+          <a:p>
+            <a:r>
+              <a:rPr lang="en-SG" dirty="0"/>
+              <a:t>Gives error message</a:t>
+            </a:r>
+          </a:p>
+        </p:txBody>
+      </p:sp>
+    </p:spTree>
+    <p:extLst>
+      <p:ext uri="{BB962C8B-B14F-4D97-AF65-F5344CB8AC3E}">
+        <p14:creationId xmlns:p14="http://schemas.microsoft.com/office/powerpoint/2010/main" val="222051412"/>
+      </p:ext>
+    </p:extLst>
+  </p:cSld>
+  <p:clrMapOvr>
+    <a:masterClrMapping/>
+  </p:clrMapOvr>
+</p:sld>
+</file>
+
+<file path=ppt/slides/slide22.xml><?xml version="1.0" encoding="utf-8"?>
+<p:sld xmlns:a="http://schemas.openxmlformats.org/drawingml/2006/main" xmlns:r="http://schemas.openxmlformats.org/officeDocument/2006/relationships" xmlns:p="http://schemas.openxmlformats.org/presentationml/2006/main">
+  <p:cSld>
+    <p:spTree>
+      <p:nvGrpSpPr>
+        <p:cNvPr id="1" name=""/>
+        <p:cNvGrpSpPr/>
+        <p:nvPr/>
+      </p:nvGrpSpPr>
+      <p:grpSpPr>
+        <a:xfrm>
+          <a:off x="0" y="0"/>
+          <a:ext cx="0" cy="0"/>
+          <a:chOff x="0" y="0"/>
+          <a:chExt cx="0" cy="0"/>
+        </a:xfrm>
+      </p:grpSpPr>
+      <p:sp>
+        <p:nvSpPr>
+          <p:cNvPr id="2" name="selectMe2"/>
+          <p:cNvSpPr/>
+          <p:nvPr/>
+        </p:nvSpPr>
+        <p:spPr>
+          <a:xfrm>
+            <a:off x="685800" y="533400"/>
+            <a:ext cx="2971800" cy="2209800"/>
+          </a:xfrm>
+          <a:prstGeom prst="rect">
+            <a:avLst/>
+          </a:prstGeom>
+        </p:spPr>
+        <p:style>
+          <a:lnRef idx="2">
+            <a:schemeClr val="accent1">
+              <a:shade val="50000"/>
+            </a:schemeClr>
+          </a:lnRef>
+          <a:fillRef idx="1">
+            <a:schemeClr val="accent1"/>
+          </a:fillRef>
+          <a:effectRef idx="0">
+            <a:schemeClr val="accent1"/>
+          </a:effectRef>
+          <a:fontRef idx="minor">
+            <a:schemeClr val="lt1"/>
+          </a:fontRef>
+        </p:style>
+        <p:txBody>
+          <a:bodyPr rtlCol="0" anchor="ctr"/>
+          <a:lstStyle/>
+          <a:p>
+            <a:pPr algn="ctr"/>
+            <a:endParaRPr lang="en-SG"/>
+          </a:p>
+        </p:txBody>
+      </p:sp>
+      <p:sp>
+        <p:nvSpPr>
+          <p:cNvPr id="3" name="selectMe1"/>
+          <p:cNvSpPr/>
+          <p:nvPr/>
+        </p:nvSpPr>
+        <p:spPr>
+          <a:xfrm>
+            <a:off x="5181600" y="3352800"/>
+            <a:ext cx="2971800" cy="2209800"/>
+          </a:xfrm>
+          <a:prstGeom prst="rect">
+            <a:avLst/>
+          </a:prstGeom>
+        </p:spPr>
+        <p:style>
+          <a:lnRef idx="2">
+            <a:schemeClr val="accent1">
+              <a:shade val="50000"/>
+            </a:schemeClr>
+          </a:lnRef>
+          <a:fillRef idx="1">
+            <a:schemeClr val="accent1"/>
+          </a:fillRef>
+          <a:effectRef idx="0">
+            <a:schemeClr val="accent1"/>
+          </a:effectRef>
+          <a:fontRef idx="minor">
+            <a:schemeClr val="lt1"/>
+          </a:fontRef>
+        </p:style>
+        <p:txBody>
+          <a:bodyPr rtlCol="0" anchor="ctr"/>
+          <a:lstStyle/>
+          <a:p>
+            <a:pPr algn="ctr"/>
+            <a:endParaRPr lang="en-SG"/>
+          </a:p>
+        </p:txBody>
+      </p:sp>
+    </p:spTree>
+    <p:extLst>
+      <p:ext uri="{BB962C8B-B14F-4D97-AF65-F5344CB8AC3E}">
+        <p14:creationId xmlns:p14="http://schemas.microsoft.com/office/powerpoint/2010/main" val="619584222"/>
+      </p:ext>
+    </p:extLst>
+  </p:cSld>
+  <p:clrMapOvr>
+    <a:masterClrMapping/>
+  </p:clrMapOvr>
+</p:sld>
+</file>
+
+<file path=ppt/slides/slide23.xml><?xml version="1.0" encoding="utf-8"?>
+<p:sld xmlns:a="http://schemas.openxmlformats.org/drawingml/2006/main" xmlns:r="http://schemas.openxmlformats.org/officeDocument/2006/relationships" xmlns:p="http://schemas.openxmlformats.org/presentationml/2006/main">
+  <p:cSld>
+    <p:spTree>
+      <p:nvGrpSpPr>
+        <p:cNvPr id="1" name=""/>
+        <p:cNvGrpSpPr/>
+        <p:nvPr/>
+      </p:nvGrpSpPr>
+      <p:grpSpPr>
+        <a:xfrm>
+          <a:off x="0" y="0"/>
+          <a:ext cx="0" cy="0"/>
+          <a:chOff x="0" y="0"/>
+          <a:chExt cx="0" cy="0"/>
+        </a:xfrm>
+      </p:grpSpPr>
+      <p:sp>
+        <p:nvSpPr>
+          <p:cNvPr id="2" name="Title 1"/>
+          <p:cNvSpPr>
+            <a:spLocks noGrp="1"/>
+          </p:cNvSpPr>
+          <p:nvPr>
+            <p:ph type="title"/>
+          </p:nvPr>
+        </p:nvSpPr>
+        <p:spPr/>
+        <p:txBody>
+          <a:bodyPr/>
+          <a:lstStyle/>
+          <a:p>
+            <a:r>
+              <a:rPr lang="en-US" dirty="0"/>
+              <a:t>Auto Crop:: nothing selected</a:t>
+            </a:r>
+            <a:endParaRPr lang="en-SG" dirty="0"/>
+          </a:p>
+        </p:txBody>
+      </p:sp>
+      <p:sp>
+        <p:nvSpPr>
+          <p:cNvPr id="3" name="Content Placeholder 2"/>
+          <p:cNvSpPr>
+            <a:spLocks noGrp="1"/>
+          </p:cNvSpPr>
+          <p:nvPr>
+            <p:ph idx="1"/>
+          </p:nvPr>
+        </p:nvSpPr>
+        <p:spPr/>
+        <p:txBody>
+          <a:bodyPr/>
+          <a:lstStyle/>
+          <a:p>
+            <a:r>
+              <a:rPr lang="en-SG" dirty="0"/>
+              <a:t>Gives error message</a:t>
+            </a:r>
+          </a:p>
+          <a:p>
+            <a:endParaRPr lang="en-SG" dirty="0"/>
+          </a:p>
+        </p:txBody>
+      </p:sp>
+    </p:spTree>
+    <p:extLst>
+      <p:ext uri="{BB962C8B-B14F-4D97-AF65-F5344CB8AC3E}">
+        <p14:creationId xmlns:p14="http://schemas.microsoft.com/office/powerpoint/2010/main" val="478707647"/>
+      </p:ext>
+    </p:extLst>
+  </p:cSld>
+  <p:clrMapOvr>
+    <a:masterClrMapping/>
+  </p:clrMapOvr>
+</p:sld>
+</file>
+
+<file path=ppt/slides/slide24.xml><?xml version="1.0" encoding="utf-8"?>
+<p:sld xmlns:a="http://schemas.openxmlformats.org/drawingml/2006/main" xmlns:r="http://schemas.openxmlformats.org/officeDocument/2006/relationships" xmlns:p="http://schemas.openxmlformats.org/presentationml/2006/main">
+  <p:cSld>
+    <p:spTree>
+      <p:nvGrpSpPr>
+        <p:cNvPr id="1" name=""/>
+        <p:cNvGrpSpPr/>
+        <p:nvPr/>
+      </p:nvGrpSpPr>
+      <p:grpSpPr>
+        <a:xfrm>
+          <a:off x="0" y="0"/>
+          <a:ext cx="0" cy="0"/>
+          <a:chOff x="0" y="0"/>
+          <a:chExt cx="0" cy="0"/>
+        </a:xfrm>
+      </p:grpSpPr>
+    </p:spTree>
+    <p:extLst>
+      <p:ext uri="{BB962C8B-B14F-4D97-AF65-F5344CB8AC3E}">
+        <p14:creationId xmlns:p14="http://schemas.microsoft.com/office/powerpoint/2010/main" val="2337673966"/>
+      </p:ext>
+    </p:extLst>
+  </p:cSld>
+  <p:clrMapOvr>
+    <a:masterClrMapping/>
+  </p:clrMapOvr>
+</p:sld>
+</file>
+
+<file path=ppt/slides/slide25.xml><?xml version="1.0" encoding="utf-8"?>
+<p:sld xmlns:a="http://schemas.openxmlformats.org/drawingml/2006/main" xmlns:r="http://schemas.openxmlformats.org/officeDocument/2006/relationships" xmlns:p="http://schemas.openxmlformats.org/presentationml/2006/main">
+  <p:cSld>
+    <p:spTree>
+      <p:nvGrpSpPr>
+        <p:cNvPr id="1" name=""/>
+        <p:cNvGrpSpPr/>
+        <p:nvPr/>
+      </p:nvGrpSpPr>
+      <p:grpSpPr>
+        <a:xfrm>
+          <a:off x="0" y="0"/>
+          <a:ext cx="0" cy="0"/>
+          <a:chOff x="0" y="0"/>
+          <a:chExt cx="0" cy="0"/>
+        </a:xfrm>
+      </p:grpSpPr>
+      <p:sp>
+        <p:nvSpPr>
+          <p:cNvPr id="2" name="Title 1"/>
+          <p:cNvSpPr>
+            <a:spLocks noGrp="1"/>
+          </p:cNvSpPr>
+          <p:nvPr>
+            <p:ph type="title"/>
+          </p:nvPr>
+        </p:nvSpPr>
+        <p:spPr/>
+        <p:txBody>
+          <a:bodyPr/>
+          <a:lstStyle/>
+          <a:p>
+            <a:r>
+              <a:rPr lang="en-US" dirty="0"/>
+              <a:t>Auto Crop:: Same picture</a:t>
+            </a:r>
+            <a:endParaRPr lang="en-SG" dirty="0"/>
+          </a:p>
+        </p:txBody>
+      </p:sp>
+      <p:sp>
+        <p:nvSpPr>
+          <p:cNvPr id="3" name="Content Placeholder 2"/>
+          <p:cNvSpPr>
+            <a:spLocks noGrp="1"/>
+          </p:cNvSpPr>
+          <p:nvPr>
+            <p:ph idx="1"/>
+          </p:nvPr>
+        </p:nvSpPr>
+        <p:spPr/>
+        <p:txBody>
+          <a:bodyPr/>
+          <a:lstStyle/>
+          <a:p>
+            <a:endParaRPr lang="en-SG" dirty="0"/>
+          </a:p>
+        </p:txBody>
+      </p:sp>
+    </p:spTree>
+    <p:extLst>
+      <p:ext uri="{BB962C8B-B14F-4D97-AF65-F5344CB8AC3E}">
+        <p14:creationId xmlns:p14="http://schemas.microsoft.com/office/powerpoint/2010/main" val="1286891872"/>
+      </p:ext>
+    </p:extLst>
+  </p:cSld>
+  <p:clrMapOvr>
+    <a:masterClrMapping/>
+  </p:clrMapOvr>
+</p:sld>
+</file>
+
+<file path=ppt/slides/slide26.xml><?xml version="1.0" encoding="utf-8"?>
+<p:sld xmlns:a="http://schemas.openxmlformats.org/drawingml/2006/main" xmlns:r="http://schemas.openxmlformats.org/officeDocument/2006/relationships" xmlns:p="http://schemas.openxmlformats.org/presentationml/2006/main">
+  <p:cSld>
+    <p:bg>
+      <p:bgPr>
+        <a:solidFill>
+          <a:schemeClr val="bg1"/>
+        </a:solidFill>
+        <a:effectLst/>
+      </p:bgPr>
+    </p:bg>
+    <p:spTree>
+      <p:nvGrpSpPr>
+        <p:cNvPr id="1" name=""/>
+        <p:cNvGrpSpPr/>
+        <p:nvPr/>
+      </p:nvGrpSpPr>
+      <p:grpSpPr>
+        <a:xfrm>
+          <a:off x="0" y="0"/>
+          <a:ext cx="0" cy="0"/>
+          <a:chOff x="0" y="0"/>
+          <a:chExt cx="0" cy="0"/>
+        </a:xfrm>
+      </p:grpSpPr>
+      <p:pic>
+        <p:nvPicPr>
+          <p:cNvPr id="5" name="selectMe2"/>
+          <p:cNvPicPr>
+            <a:picLocks noChangeAspect="1"/>
+          </p:cNvPicPr>
+          <p:nvPr/>
+        </p:nvPicPr>
+        <p:blipFill>
+          <a:blip r:embed="rId2">
+            <a:extLst>
+              <a:ext uri="{28A0092B-C50C-407E-A947-70E740481C1C}">
+                <a14:useLocalDpi xmlns:a14="http://schemas.microsoft.com/office/drawing/2010/main" val="0"/>
+              </a:ext>
+            </a:extLst>
+          </a:blip>
+          <a:stretch>
+            <a:fillRect/>
+          </a:stretch>
+        </p:blipFill>
+        <p:spPr>
+          <a:xfrm>
+            <a:off x="381000" y="228600"/>
+            <a:ext cx="4572000" cy="3058418"/>
+          </a:xfrm>
+          <a:prstGeom prst="rect">
+            <a:avLst/>
+          </a:prstGeom>
+        </p:spPr>
+      </p:pic>
+      <p:pic>
+        <p:nvPicPr>
+          <p:cNvPr id="3" name="selectMe1"/>
+          <p:cNvPicPr>
+            <a:picLocks noChangeAspect="1"/>
+          </p:cNvPicPr>
+          <p:nvPr/>
+        </p:nvPicPr>
+        <p:blipFill>
+          <a:blip r:embed="rId2">
+            <a:extLst>
+              <a:ext uri="{28A0092B-C50C-407E-A947-70E740481C1C}">
+                <a14:useLocalDpi xmlns:a14="http://schemas.microsoft.com/office/drawing/2010/main" val="0"/>
+              </a:ext>
+            </a:extLst>
+          </a:blip>
+          <a:stretch>
+            <a:fillRect/>
+          </a:stretch>
+        </p:blipFill>
+        <p:spPr>
+          <a:xfrm>
+            <a:off x="4343400" y="3505200"/>
+            <a:ext cx="4572000" cy="3058418"/>
+          </a:xfrm>
+          <a:prstGeom prst="rect">
+            <a:avLst/>
+          </a:prstGeom>
+        </p:spPr>
+      </p:pic>
+    </p:spTree>
+    <p:extLst>
+      <p:ext uri="{BB962C8B-B14F-4D97-AF65-F5344CB8AC3E}">
+        <p14:creationId xmlns:p14="http://schemas.microsoft.com/office/powerpoint/2010/main" val="3976109174"/>
+      </p:ext>
+    </p:extLst>
+  </p:cSld>
+  <p:clrMapOvr>
+    <a:masterClrMapping/>
+  </p:clrMapOvr>
+</p:sld>
+</file>
+
+<file path=ppt/slides/slide27.xml><?xml version="1.0" encoding="utf-8"?>
+<p:sld xmlns:a="http://schemas.openxmlformats.org/drawingml/2006/main" xmlns:r="http://schemas.openxmlformats.org/officeDocument/2006/relationships" xmlns:p="http://schemas.openxmlformats.org/presentationml/2006/main">
+  <p:cSld>
+    <p:spTree>
+      <p:nvGrpSpPr>
+        <p:cNvPr id="1" name=""/>
+        <p:cNvGrpSpPr/>
+        <p:nvPr/>
+      </p:nvGrpSpPr>
+      <p:grpSpPr>
+        <a:xfrm>
+          <a:off x="0" y="0"/>
+          <a:ext cx="0" cy="0"/>
+          <a:chOff x="0" y="0"/>
+          <a:chExt cx="0" cy="0"/>
+        </a:xfrm>
+      </p:grpSpPr>
+      <p:sp>
+        <p:nvSpPr>
+          <p:cNvPr id="2" name="Title 1"/>
+          <p:cNvSpPr>
+            <a:spLocks noGrp="1"/>
+          </p:cNvSpPr>
+          <p:nvPr>
+            <p:ph type="title"/>
+          </p:nvPr>
+        </p:nvSpPr>
+        <p:spPr/>
+        <p:txBody>
+          <a:bodyPr/>
+          <a:lstStyle/>
+          <a:p>
+            <a:r>
+              <a:rPr lang="en-US" dirty="0"/>
               <a:t>Auto Crop:: Larger reference image</a:t>
             </a:r>
             <a:endParaRPr lang="en-SG" dirty="0"/>
@@ -10650,7 +11458,7 @@
 </p:sld>
 </file>
 
-<file path=ppt/slides/slide19.xml><?xml version="1.0" encoding="utf-8"?>
+<file path=ppt/slides/slide28.xml><?xml version="1.0" encoding="utf-8"?>
 <p:sld xmlns:a="http://schemas.openxmlformats.org/drawingml/2006/main" xmlns:r="http://schemas.openxmlformats.org/officeDocument/2006/relationships" xmlns:p="http://schemas.openxmlformats.org/presentationml/2006/main">
   <p:cSld>
     <p:bg>
@@ -10748,1275 +11556,7 @@
 </p:sld>
 </file>
 
-<file path=ppt/slides/slide2.xml><?xml version="1.0" encoding="utf-8"?>
-<p:sld xmlns:a="http://schemas.openxmlformats.org/drawingml/2006/main" xmlns:r="http://schemas.openxmlformats.org/officeDocument/2006/relationships" xmlns:p="http://schemas.openxmlformats.org/presentationml/2006/main">
-  <p:cSld>
-    <p:bg>
-      <p:bgPr>
-        <a:solidFill>
-          <a:schemeClr val="accent6">
-            <a:lumMod val="75000"/>
-          </a:schemeClr>
-        </a:solidFill>
-        <a:effectLst/>
-      </p:bgPr>
-    </p:bg>
-    <p:spTree>
-      <p:nvGrpSpPr>
-        <p:cNvPr id="1" name=""/>
-        <p:cNvGrpSpPr/>
-        <p:nvPr/>
-      </p:nvGrpSpPr>
-      <p:grpSpPr>
-        <a:xfrm>
-          <a:off x="0" y="0"/>
-          <a:ext cx="0" cy="0"/>
-          <a:chOff x="0" y="0"/>
-          <a:chExt cx="0" cy="0"/>
-        </a:xfrm>
-      </p:grpSpPr>
-      <p:sp>
-        <p:nvSpPr>
-          <p:cNvPr id="2" name="Title 1"/>
-          <p:cNvSpPr>
-            <a:spLocks noGrp="1"/>
-          </p:cNvSpPr>
-          <p:nvPr>
-            <p:ph type="title"/>
-          </p:nvPr>
-        </p:nvSpPr>
-        <p:spPr>
-          <a:xfrm>
-            <a:off x="381000" y="609600"/>
-            <a:ext cx="8229600" cy="1143000"/>
-          </a:xfrm>
-        </p:spPr>
-        <p:txBody>
-          <a:bodyPr>
-            <a:noAutofit/>
-          </a:bodyPr>
-          <a:lstStyle/>
-          <a:p>
-            <a:pPr algn="l"/>
-            <a:r>
-              <a:rPr lang="en-US" sz="7200" dirty="0" smtClean="0">
-                <a:solidFill>
-                  <a:schemeClr val="bg1"/>
-                </a:solidFill>
-              </a:rPr>
-              <a:t>Crop To Same Dimensions</a:t>
-            </a:r>
-            <a:endParaRPr lang="en-SG" sz="7200" dirty="0">
-              <a:solidFill>
-                <a:schemeClr val="bg1"/>
-              </a:solidFill>
-            </a:endParaRPr>
-          </a:p>
-        </p:txBody>
-      </p:sp>
-      <p:sp>
-        <p:nvSpPr>
-          <p:cNvPr id="3" name="text 5"/>
-          <p:cNvSpPr txBox="1"/>
-          <p:nvPr/>
-        </p:nvSpPr>
-        <p:spPr>
-          <a:xfrm>
-            <a:off x="542636" y="2819400"/>
-            <a:ext cx="7620000" cy="1938992"/>
-          </a:xfrm>
-          <a:prstGeom prst="rect">
-            <a:avLst/>
-          </a:prstGeom>
-          <a:noFill/>
-        </p:spPr>
-        <p:txBody>
-          <a:bodyPr wrap="square" rtlCol="0">
-            <a:spAutoFit/>
-          </a:bodyPr>
-          <a:lstStyle/>
-          <a:p>
-            <a:r>
-              <a:rPr lang="en-US" sz="2400" b="1" dirty="0" smtClean="0">
-                <a:solidFill>
-                  <a:schemeClr val="bg1"/>
-                </a:solidFill>
-              </a:rPr>
-              <a:t>Additional instructions:</a:t>
-            </a:r>
-          </a:p>
-          <a:p>
-            <a:pPr marL="285750" indent="-285750">
-              <a:buFont typeface="Arial" panose="020B0604020202020204" pitchFamily="34" charset="0"/>
-              <a:buChar char="•"/>
-            </a:pPr>
-            <a:r>
-              <a:rPr lang="en-US" sz="2400" dirty="0" smtClean="0">
-                <a:solidFill>
-                  <a:schemeClr val="bg1"/>
-                </a:solidFill>
-              </a:rPr>
-              <a:t>Select the picture(s) from left to right.</a:t>
-            </a:r>
-          </a:p>
-          <a:p>
-            <a:pPr marL="285750" indent="-285750">
-              <a:buFont typeface="Arial" panose="020B0604020202020204" pitchFamily="34" charset="0"/>
-              <a:buChar char="•"/>
-            </a:pPr>
-            <a:r>
-              <a:rPr lang="en-US" sz="2400" dirty="0" smtClean="0">
-                <a:solidFill>
-                  <a:schemeClr val="bg1"/>
-                </a:solidFill>
-              </a:rPr>
-              <a:t>Click it and then select </a:t>
-            </a:r>
-            <a:r>
-              <a:rPr lang="en-US" sz="2400" b="1" dirty="0" smtClean="0">
-                <a:solidFill>
-                  <a:schemeClr val="bg1"/>
-                </a:solidFill>
-              </a:rPr>
-              <a:t>“Crop to Same Dimensions” </a:t>
-            </a:r>
-            <a:r>
-              <a:rPr lang="en-US" sz="2400" dirty="0" smtClean="0">
-                <a:solidFill>
-                  <a:schemeClr val="bg1"/>
-                </a:solidFill>
-              </a:rPr>
-              <a:t>in the context menu. </a:t>
-            </a:r>
-          </a:p>
-          <a:p>
-            <a:pPr marL="285750" indent="-285750">
-              <a:buFont typeface="Arial" panose="020B0604020202020204" pitchFamily="34" charset="0"/>
-              <a:buChar char="•"/>
-            </a:pPr>
-            <a:r>
-              <a:rPr lang="en-US" sz="2400" dirty="0" smtClean="0">
-                <a:solidFill>
-                  <a:schemeClr val="bg1"/>
-                </a:solidFill>
-              </a:rPr>
-              <a:t>Compare the result with the expected output.</a:t>
-            </a:r>
-          </a:p>
-        </p:txBody>
-      </p:sp>
-    </p:spTree>
-    <p:extLst>
-      <p:ext uri="{BB962C8B-B14F-4D97-AF65-F5344CB8AC3E}">
-        <p14:creationId xmlns:p14="http://schemas.microsoft.com/office/powerpoint/2010/main" val="1569131388"/>
-      </p:ext>
-    </p:extLst>
-  </p:cSld>
-  <p:clrMapOvr>
-    <a:masterClrMapping/>
-  </p:clrMapOvr>
-  <p:timing>
-    <p:tnLst>
-      <p:par>
-        <p:cTn id="1" dur="indefinite" restart="never" nodeType="tmRoot"/>
-      </p:par>
-    </p:tnLst>
-  </p:timing>
-</p:sld>
-</file>
-
-<file path=ppt/slides/slide20.xml><?xml version="1.0" encoding="utf-8"?>
-<p:sld xmlns:a="http://schemas.openxmlformats.org/drawingml/2006/main" xmlns:r="http://schemas.openxmlformats.org/officeDocument/2006/relationships" xmlns:p="http://schemas.openxmlformats.org/presentationml/2006/main">
-  <p:cSld>
-    <p:bg>
-      <p:bgPr>
-        <a:solidFill>
-          <a:schemeClr val="bg1"/>
-        </a:solidFill>
-        <a:effectLst/>
-      </p:bgPr>
-    </p:bg>
-    <p:spTree>
-      <p:nvGrpSpPr>
-        <p:cNvPr id="1" name=""/>
-        <p:cNvGrpSpPr/>
-        <p:nvPr/>
-      </p:nvGrpSpPr>
-      <p:grpSpPr>
-        <a:xfrm>
-          <a:off x="0" y="0"/>
-          <a:ext cx="0" cy="0"/>
-          <a:chOff x="0" y="0"/>
-          <a:chExt cx="0" cy="0"/>
-        </a:xfrm>
-      </p:grpSpPr>
-      <p:pic>
-        <p:nvPicPr>
-          <p:cNvPr id="5" name="selectMe2"/>
-          <p:cNvPicPr>
-            <a:picLocks noChangeAspect="1"/>
-          </p:cNvPicPr>
-          <p:nvPr/>
-        </p:nvPicPr>
-        <p:blipFill>
-          <a:blip r:embed="rId2" cstate="print">
-            <a:extLst>
-              <a:ext uri="{28A0092B-C50C-407E-A947-70E740481C1C}">
-                <a14:useLocalDpi xmlns:a14="http://schemas.microsoft.com/office/drawing/2010/main" val="0"/>
-              </a:ext>
-            </a:extLst>
-          </a:blip>
-          <a:stretch>
-            <a:fillRect/>
-          </a:stretch>
-        </p:blipFill>
-        <p:spPr>
-          <a:xfrm>
-            <a:off x="457200" y="609600"/>
-            <a:ext cx="4400133" cy="2943448"/>
-          </a:xfrm>
-          <a:prstGeom prst="rect">
-            <a:avLst/>
-          </a:prstGeom>
-        </p:spPr>
-      </p:pic>
-      <p:pic>
-        <p:nvPicPr>
-          <p:cNvPr id="3" name="selectMe1"/>
-          <p:cNvPicPr>
-            <a:picLocks noChangeAspect="1"/>
-          </p:cNvPicPr>
-          <p:nvPr/>
-        </p:nvPicPr>
-        <p:blipFill>
-          <a:blip r:embed="rId3" cstate="print">
-            <a:extLst>
-              <a:ext uri="{28A0092B-C50C-407E-A947-70E740481C1C}">
-                <a14:useLocalDpi xmlns:a14="http://schemas.microsoft.com/office/drawing/2010/main" val="0"/>
-              </a:ext>
-            </a:extLst>
-          </a:blip>
-          <a:srcRect/>
-          <a:stretch>
-            <a:fillRect/>
-          </a:stretch>
-        </p:blipFill>
-        <p:spPr>
-          <a:xfrm>
-            <a:off x="5482506" y="4267200"/>
-            <a:ext cx="3432893" cy="2296418"/>
-          </a:xfrm>
-          <a:prstGeom prst="rect">
-            <a:avLst/>
-          </a:prstGeom>
-        </p:spPr>
-      </p:pic>
-      <p:sp>
-        <p:nvSpPr>
-          <p:cNvPr id="4" name="text"/>
-          <p:cNvSpPr txBox="1"/>
-          <p:nvPr/>
-        </p:nvSpPr>
-        <p:spPr>
-          <a:xfrm>
-            <a:off x="8101022" y="0"/>
-            <a:ext cx="1042978" cy="369332"/>
-          </a:xfrm>
-          <a:prstGeom prst="rect">
-            <a:avLst/>
-          </a:prstGeom>
-          <a:noFill/>
-        </p:spPr>
-        <p:txBody>
-          <a:bodyPr wrap="none" rtlCol="0">
-            <a:spAutoFit/>
-          </a:bodyPr>
-          <a:lstStyle/>
-          <a:p>
-            <a:r>
-              <a:rPr lang="en-SG" dirty="0" smtClean="0"/>
-              <a:t>Expected</a:t>
-            </a:r>
-            <a:endParaRPr lang="en-SG" dirty="0"/>
-          </a:p>
-        </p:txBody>
-      </p:sp>
-    </p:spTree>
-    <p:extLst>
-      <p:ext uri="{BB962C8B-B14F-4D97-AF65-F5344CB8AC3E}">
-        <p14:creationId xmlns:p14="http://schemas.microsoft.com/office/powerpoint/2010/main" val="1358229609"/>
-      </p:ext>
-    </p:extLst>
-  </p:cSld>
-  <p:clrMapOvr>
-    <a:masterClrMapping/>
-  </p:clrMapOvr>
-</p:sld>
-</file>
-
-<file path=ppt/slides/slide21.xml><?xml version="1.0" encoding="utf-8"?>
-<p:sld xmlns:a="http://schemas.openxmlformats.org/drawingml/2006/main" xmlns:r="http://schemas.openxmlformats.org/officeDocument/2006/relationships" xmlns:p="http://schemas.openxmlformats.org/presentationml/2006/main">
-  <p:cSld>
-    <p:spTree>
-      <p:nvGrpSpPr>
-        <p:cNvPr id="1" name=""/>
-        <p:cNvGrpSpPr/>
-        <p:nvPr/>
-      </p:nvGrpSpPr>
-      <p:grpSpPr>
-        <a:xfrm>
-          <a:off x="0" y="0"/>
-          <a:ext cx="0" cy="0"/>
-          <a:chOff x="0" y="0"/>
-          <a:chExt cx="0" cy="0"/>
-        </a:xfrm>
-      </p:grpSpPr>
-      <p:sp>
-        <p:nvSpPr>
-          <p:cNvPr id="2" name="Title 1"/>
-          <p:cNvSpPr>
-            <a:spLocks noGrp="1"/>
-          </p:cNvSpPr>
-          <p:nvPr>
-            <p:ph type="title"/>
-          </p:nvPr>
-        </p:nvSpPr>
-        <p:spPr/>
-        <p:txBody>
-          <a:bodyPr/>
-          <a:lstStyle/>
-          <a:p>
-            <a:r>
-              <a:rPr lang="en-US" dirty="0" smtClean="0"/>
-              <a:t>Auto Crop:: Wider but shorter reference image</a:t>
-            </a:r>
-            <a:endParaRPr lang="en-SG" dirty="0"/>
-          </a:p>
-        </p:txBody>
-      </p:sp>
-      <p:sp>
-        <p:nvSpPr>
-          <p:cNvPr id="3" name="Content Placeholder 2"/>
-          <p:cNvSpPr>
-            <a:spLocks noGrp="1"/>
-          </p:cNvSpPr>
-          <p:nvPr>
-            <p:ph idx="1"/>
-          </p:nvPr>
-        </p:nvSpPr>
-        <p:spPr/>
-        <p:txBody>
-          <a:bodyPr/>
-          <a:lstStyle/>
-          <a:p>
-            <a:endParaRPr lang="en-SG" dirty="0"/>
-          </a:p>
-        </p:txBody>
-      </p:sp>
-    </p:spTree>
-    <p:extLst>
-      <p:ext uri="{BB962C8B-B14F-4D97-AF65-F5344CB8AC3E}">
-        <p14:creationId xmlns:p14="http://schemas.microsoft.com/office/powerpoint/2010/main" val="189313032"/>
-      </p:ext>
-    </p:extLst>
-  </p:cSld>
-  <p:clrMapOvr>
-    <a:masterClrMapping/>
-  </p:clrMapOvr>
-</p:sld>
-</file>
-
-<file path=ppt/slides/slide22.xml><?xml version="1.0" encoding="utf-8"?>
-<p:sld xmlns:a="http://schemas.openxmlformats.org/drawingml/2006/main" xmlns:r="http://schemas.openxmlformats.org/officeDocument/2006/relationships" xmlns:p="http://schemas.openxmlformats.org/presentationml/2006/main">
-  <p:cSld>
-    <p:bg>
-      <p:bgPr>
-        <a:solidFill>
-          <a:schemeClr val="bg1"/>
-        </a:solidFill>
-        <a:effectLst/>
-      </p:bgPr>
-    </p:bg>
-    <p:spTree>
-      <p:nvGrpSpPr>
-        <p:cNvPr id="1" name=""/>
-        <p:cNvGrpSpPr/>
-        <p:nvPr/>
-      </p:nvGrpSpPr>
-      <p:grpSpPr>
-        <a:xfrm>
-          <a:off x="0" y="0"/>
-          <a:ext cx="0" cy="0"/>
-          <a:chOff x="0" y="0"/>
-          <a:chExt cx="0" cy="0"/>
-        </a:xfrm>
-      </p:grpSpPr>
-      <p:pic>
-        <p:nvPicPr>
-          <p:cNvPr id="5" name="selectMe2"/>
-          <p:cNvPicPr>
-            <a:picLocks noChangeAspect="1"/>
-          </p:cNvPicPr>
-          <p:nvPr/>
-        </p:nvPicPr>
-        <p:blipFill>
-          <a:blip r:embed="rId2">
-            <a:extLst>
-              <a:ext uri="{28A0092B-C50C-407E-A947-70E740481C1C}">
-                <a14:useLocalDpi xmlns:a14="http://schemas.microsoft.com/office/drawing/2010/main" val="0"/>
-              </a:ext>
-            </a:extLst>
-          </a:blip>
-          <a:stretch>
-            <a:fillRect/>
-          </a:stretch>
-        </p:blipFill>
-        <p:spPr>
-          <a:xfrm>
-            <a:off x="228600" y="914400"/>
-            <a:ext cx="6781800" cy="1686818"/>
-          </a:xfrm>
-          <a:prstGeom prst="rect">
-            <a:avLst/>
-          </a:prstGeom>
-        </p:spPr>
-      </p:pic>
-      <p:pic>
-        <p:nvPicPr>
-          <p:cNvPr id="3" name="selectMe1"/>
-          <p:cNvPicPr>
-            <a:picLocks noChangeAspect="1"/>
-          </p:cNvPicPr>
-          <p:nvPr/>
-        </p:nvPicPr>
-        <p:blipFill>
-          <a:blip r:embed="rId2">
-            <a:extLst>
-              <a:ext uri="{28A0092B-C50C-407E-A947-70E740481C1C}">
-                <a14:useLocalDpi xmlns:a14="http://schemas.microsoft.com/office/drawing/2010/main" val="0"/>
-              </a:ext>
-            </a:extLst>
-          </a:blip>
-          <a:stretch>
-            <a:fillRect/>
-          </a:stretch>
-        </p:blipFill>
-        <p:spPr>
-          <a:xfrm>
-            <a:off x="4343400" y="3505200"/>
-            <a:ext cx="4572000" cy="3058418"/>
-          </a:xfrm>
-          <a:prstGeom prst="rect">
-            <a:avLst/>
-          </a:prstGeom>
-        </p:spPr>
-      </p:pic>
-    </p:spTree>
-    <p:extLst>
-      <p:ext uri="{BB962C8B-B14F-4D97-AF65-F5344CB8AC3E}">
-        <p14:creationId xmlns:p14="http://schemas.microsoft.com/office/powerpoint/2010/main" val="3445570196"/>
-      </p:ext>
-    </p:extLst>
-  </p:cSld>
-  <p:clrMapOvr>
-    <a:masterClrMapping/>
-  </p:clrMapOvr>
-</p:sld>
-</file>
-
-<file path=ppt/slides/slide23.xml><?xml version="1.0" encoding="utf-8"?>
-<p:sld xmlns:a="http://schemas.openxmlformats.org/drawingml/2006/main" xmlns:r="http://schemas.openxmlformats.org/officeDocument/2006/relationships" xmlns:p="http://schemas.openxmlformats.org/presentationml/2006/main">
-  <p:cSld>
-    <p:bg>
-      <p:bgPr>
-        <a:solidFill>
-          <a:schemeClr val="bg1"/>
-        </a:solidFill>
-        <a:effectLst/>
-      </p:bgPr>
-    </p:bg>
-    <p:spTree>
-      <p:nvGrpSpPr>
-        <p:cNvPr id="1" name=""/>
-        <p:cNvGrpSpPr/>
-        <p:nvPr/>
-      </p:nvGrpSpPr>
-      <p:grpSpPr>
-        <a:xfrm>
-          <a:off x="0" y="0"/>
-          <a:ext cx="0" cy="0"/>
-          <a:chOff x="0" y="0"/>
-          <a:chExt cx="0" cy="0"/>
-        </a:xfrm>
-      </p:grpSpPr>
-      <p:pic>
-        <p:nvPicPr>
-          <p:cNvPr id="5" name="selectMe2"/>
-          <p:cNvPicPr>
-            <a:picLocks noChangeAspect="1"/>
-          </p:cNvPicPr>
-          <p:nvPr/>
-        </p:nvPicPr>
-        <p:blipFill>
-          <a:blip r:embed="rId2">
-            <a:extLst>
-              <a:ext uri="{28A0092B-C50C-407E-A947-70E740481C1C}">
-                <a14:useLocalDpi xmlns:a14="http://schemas.microsoft.com/office/drawing/2010/main" val="0"/>
-              </a:ext>
-            </a:extLst>
-          </a:blip>
-          <a:stretch>
-            <a:fillRect/>
-          </a:stretch>
-        </p:blipFill>
-        <p:spPr>
-          <a:xfrm>
-            <a:off x="228600" y="914400"/>
-            <a:ext cx="6781800" cy="1686818"/>
-          </a:xfrm>
-          <a:prstGeom prst="rect">
-            <a:avLst/>
-          </a:prstGeom>
-        </p:spPr>
-      </p:pic>
-      <p:pic>
-        <p:nvPicPr>
-          <p:cNvPr id="3" name="selectMe1"/>
-          <p:cNvPicPr>
-            <a:picLocks noChangeAspect="1"/>
-          </p:cNvPicPr>
-          <p:nvPr/>
-        </p:nvPicPr>
-        <p:blipFill>
-          <a:blip r:embed="rId2">
-            <a:extLst>
-              <a:ext uri="{28A0092B-C50C-407E-A947-70E740481C1C}">
-                <a14:useLocalDpi xmlns:a14="http://schemas.microsoft.com/office/drawing/2010/main" val="0"/>
-              </a:ext>
-            </a:extLst>
-          </a:blip>
-          <a:srcRect t="22423" b="22423"/>
-          <a:stretch>
-            <a:fillRect/>
-          </a:stretch>
-        </p:blipFill>
-        <p:spPr>
-          <a:xfrm>
-            <a:off x="4343400" y="4191000"/>
-            <a:ext cx="4572000" cy="1686822"/>
-          </a:xfrm>
-          <a:prstGeom prst="rect">
-            <a:avLst/>
-          </a:prstGeom>
-        </p:spPr>
-      </p:pic>
-      <p:sp>
-        <p:nvSpPr>
-          <p:cNvPr id="4" name="text"/>
-          <p:cNvSpPr txBox="1"/>
-          <p:nvPr/>
-        </p:nvSpPr>
-        <p:spPr>
-          <a:xfrm>
-            <a:off x="8101022" y="0"/>
-            <a:ext cx="1042978" cy="369332"/>
-          </a:xfrm>
-          <a:prstGeom prst="rect">
-            <a:avLst/>
-          </a:prstGeom>
-          <a:noFill/>
-        </p:spPr>
-        <p:txBody>
-          <a:bodyPr wrap="none" rtlCol="0">
-            <a:spAutoFit/>
-          </a:bodyPr>
-          <a:lstStyle/>
-          <a:p>
-            <a:r>
-              <a:rPr lang="en-SG" dirty="0" smtClean="0"/>
-              <a:t>Expected</a:t>
-            </a:r>
-            <a:endParaRPr lang="en-SG" dirty="0"/>
-          </a:p>
-        </p:txBody>
-      </p:sp>
-    </p:spTree>
-    <p:extLst>
-      <p:ext uri="{BB962C8B-B14F-4D97-AF65-F5344CB8AC3E}">
-        <p14:creationId xmlns:p14="http://schemas.microsoft.com/office/powerpoint/2010/main" val="280152386"/>
-      </p:ext>
-    </p:extLst>
-  </p:cSld>
-  <p:clrMapOvr>
-    <a:masterClrMapping/>
-  </p:clrMapOvr>
-</p:sld>
-</file>
-
-<file path=ppt/slides/slide24.xml><?xml version="1.0" encoding="utf-8"?>
-<p:sld xmlns:a="http://schemas.openxmlformats.org/drawingml/2006/main" xmlns:r="http://schemas.openxmlformats.org/officeDocument/2006/relationships" xmlns:p="http://schemas.openxmlformats.org/presentationml/2006/main">
-  <p:cSld>
-    <p:spTree>
-      <p:nvGrpSpPr>
-        <p:cNvPr id="1" name=""/>
-        <p:cNvGrpSpPr/>
-        <p:nvPr/>
-      </p:nvGrpSpPr>
-      <p:grpSpPr>
-        <a:xfrm>
-          <a:off x="0" y="0"/>
-          <a:ext cx="0" cy="0"/>
-          <a:chOff x="0" y="0"/>
-          <a:chExt cx="0" cy="0"/>
-        </a:xfrm>
-      </p:grpSpPr>
-      <p:sp>
-        <p:nvSpPr>
-          <p:cNvPr id="2" name="Title 1"/>
-          <p:cNvSpPr>
-            <a:spLocks noGrp="1"/>
-          </p:cNvSpPr>
-          <p:nvPr>
-            <p:ph type="title"/>
-          </p:nvPr>
-        </p:nvSpPr>
-        <p:spPr/>
-        <p:txBody>
-          <a:bodyPr/>
-          <a:lstStyle/>
-          <a:p>
-            <a:r>
-              <a:rPr lang="en-US" dirty="0" smtClean="0"/>
-              <a:t>Auto Crop:: Cropped image</a:t>
-            </a:r>
-            <a:br>
-              <a:rPr lang="en-US" dirty="0" smtClean="0"/>
-            </a:br>
-            <a:endParaRPr lang="en-SG" dirty="0"/>
-          </a:p>
-        </p:txBody>
-      </p:sp>
-      <p:sp>
-        <p:nvSpPr>
-          <p:cNvPr id="3" name="Content Placeholder 2"/>
-          <p:cNvSpPr>
-            <a:spLocks noGrp="1"/>
-          </p:cNvSpPr>
-          <p:nvPr>
-            <p:ph idx="1"/>
-          </p:nvPr>
-        </p:nvSpPr>
-        <p:spPr/>
-        <p:txBody>
-          <a:bodyPr/>
-          <a:lstStyle/>
-          <a:p>
-            <a:endParaRPr lang="en-SG" dirty="0"/>
-          </a:p>
-        </p:txBody>
-      </p:sp>
-    </p:spTree>
-    <p:extLst>
-      <p:ext uri="{BB962C8B-B14F-4D97-AF65-F5344CB8AC3E}">
-        <p14:creationId xmlns:p14="http://schemas.microsoft.com/office/powerpoint/2010/main" val="731725823"/>
-      </p:ext>
-    </p:extLst>
-  </p:cSld>
-  <p:clrMapOvr>
-    <a:masterClrMapping/>
-  </p:clrMapOvr>
-</p:sld>
-</file>
-
-<file path=ppt/slides/slide25.xml><?xml version="1.0" encoding="utf-8"?>
-<p:sld xmlns:a="http://schemas.openxmlformats.org/drawingml/2006/main" xmlns:r="http://schemas.openxmlformats.org/officeDocument/2006/relationships" xmlns:p="http://schemas.openxmlformats.org/presentationml/2006/main">
-  <p:cSld>
-    <p:bg>
-      <p:bgPr>
-        <a:solidFill>
-          <a:schemeClr val="bg1"/>
-        </a:solidFill>
-        <a:effectLst/>
-      </p:bgPr>
-    </p:bg>
-    <p:spTree>
-      <p:nvGrpSpPr>
-        <p:cNvPr id="1" name=""/>
-        <p:cNvGrpSpPr/>
-        <p:nvPr/>
-      </p:nvGrpSpPr>
-      <p:grpSpPr>
-        <a:xfrm>
-          <a:off x="0" y="0"/>
-          <a:ext cx="0" cy="0"/>
-          <a:chOff x="0" y="0"/>
-          <a:chExt cx="0" cy="0"/>
-        </a:xfrm>
-      </p:grpSpPr>
-      <p:pic>
-        <p:nvPicPr>
-          <p:cNvPr id="4" name="selectMe2"/>
-          <p:cNvPicPr>
-            <a:picLocks noChangeAspect="1"/>
-          </p:cNvPicPr>
-          <p:nvPr/>
-        </p:nvPicPr>
-        <p:blipFill rotWithShape="1">
-          <a:blip r:embed="rId2">
-            <a:extLst>
-              <a:ext uri="{28A0092B-C50C-407E-A947-70E740481C1C}">
-                <a14:useLocalDpi xmlns:a14="http://schemas.microsoft.com/office/drawing/2010/main" val="0"/>
-              </a:ext>
-            </a:extLst>
-          </a:blip>
-          <a:srcRect l="30001" t="32390" r="33331" b="30237"/>
-          <a:stretch/>
-        </p:blipFill>
-        <p:spPr>
-          <a:xfrm>
-            <a:off x="1828800" y="1219200"/>
-            <a:ext cx="1676400" cy="1143000"/>
-          </a:xfrm>
-          <a:prstGeom prst="rect">
-            <a:avLst/>
-          </a:prstGeom>
-        </p:spPr>
-      </p:pic>
-      <p:pic>
-        <p:nvPicPr>
-          <p:cNvPr id="3" name="selectMe1"/>
-          <p:cNvPicPr>
-            <a:picLocks noChangeAspect="1"/>
-          </p:cNvPicPr>
-          <p:nvPr/>
-        </p:nvPicPr>
-        <p:blipFill rotWithShape="1">
-          <a:blip r:embed="rId2">
-            <a:extLst>
-              <a:ext uri="{28A0092B-C50C-407E-A947-70E740481C1C}">
-                <a14:useLocalDpi xmlns:a14="http://schemas.microsoft.com/office/drawing/2010/main" val="0"/>
-              </a:ext>
-            </a:extLst>
-          </a:blip>
-          <a:srcRect l="10000" t="9966" r="6667" b="10306"/>
-          <a:stretch/>
-        </p:blipFill>
-        <p:spPr>
-          <a:xfrm>
-            <a:off x="4800600" y="3810000"/>
-            <a:ext cx="3810000" cy="2438400"/>
-          </a:xfrm>
-          <a:prstGeom prst="rect">
-            <a:avLst/>
-          </a:prstGeom>
-        </p:spPr>
-      </p:pic>
-    </p:spTree>
-    <p:extLst>
-      <p:ext uri="{BB962C8B-B14F-4D97-AF65-F5344CB8AC3E}">
-        <p14:creationId xmlns:p14="http://schemas.microsoft.com/office/powerpoint/2010/main" val="132719599"/>
-      </p:ext>
-    </p:extLst>
-  </p:cSld>
-  <p:clrMapOvr>
-    <a:masterClrMapping/>
-  </p:clrMapOvr>
-</p:sld>
-</file>
-
-<file path=ppt/slides/slide26.xml><?xml version="1.0" encoding="utf-8"?>
-<p:sld xmlns:a="http://schemas.openxmlformats.org/drawingml/2006/main" xmlns:r="http://schemas.openxmlformats.org/officeDocument/2006/relationships" xmlns:p="http://schemas.openxmlformats.org/presentationml/2006/main">
-  <p:cSld>
-    <p:bg>
-      <p:bgPr>
-        <a:solidFill>
-          <a:schemeClr val="bg1"/>
-        </a:solidFill>
-        <a:effectLst/>
-      </p:bgPr>
-    </p:bg>
-    <p:spTree>
-      <p:nvGrpSpPr>
-        <p:cNvPr id="1" name=""/>
-        <p:cNvGrpSpPr/>
-        <p:nvPr/>
-      </p:nvGrpSpPr>
-      <p:grpSpPr>
-        <a:xfrm>
-          <a:off x="0" y="0"/>
-          <a:ext cx="0" cy="0"/>
-          <a:chOff x="0" y="0"/>
-          <a:chExt cx="0" cy="0"/>
-        </a:xfrm>
-      </p:grpSpPr>
-      <p:pic>
-        <p:nvPicPr>
-          <p:cNvPr id="4" name="selectMe2"/>
-          <p:cNvPicPr>
-            <a:picLocks noChangeAspect="1"/>
-          </p:cNvPicPr>
-          <p:nvPr/>
-        </p:nvPicPr>
-        <p:blipFill rotWithShape="1">
-          <a:blip r:embed="rId2">
-            <a:extLst>
-              <a:ext uri="{28A0092B-C50C-407E-A947-70E740481C1C}">
-                <a14:useLocalDpi xmlns:a14="http://schemas.microsoft.com/office/drawing/2010/main" val="0"/>
-              </a:ext>
-            </a:extLst>
-          </a:blip>
-          <a:srcRect l="30001" t="32390" r="33331" b="30237"/>
-          <a:stretch/>
-        </p:blipFill>
-        <p:spPr>
-          <a:xfrm>
-            <a:off x="1828800" y="1219200"/>
-            <a:ext cx="1676400" cy="1143000"/>
-          </a:xfrm>
-          <a:prstGeom prst="rect">
-            <a:avLst/>
-          </a:prstGeom>
-        </p:spPr>
-      </p:pic>
-      <p:pic>
-        <p:nvPicPr>
-          <p:cNvPr id="3" name="selectMe1"/>
-          <p:cNvPicPr>
-            <a:picLocks noChangeAspect="1"/>
-          </p:cNvPicPr>
-          <p:nvPr/>
-        </p:nvPicPr>
-        <p:blipFill rotWithShape="1">
-          <a:blip r:embed="rId2">
-            <a:extLst>
-              <a:ext uri="{28A0092B-C50C-407E-A947-70E740481C1C}">
-                <a14:useLocalDpi xmlns:a14="http://schemas.microsoft.com/office/drawing/2010/main" val="0"/>
-              </a:ext>
-            </a:extLst>
-          </a:blip>
-          <a:srcRect l="32106" t="31872" r="31227" b="30756"/>
-          <a:stretch/>
-        </p:blipFill>
-        <p:spPr>
-          <a:xfrm>
-            <a:off x="5811307" y="4479966"/>
-            <a:ext cx="1676408" cy="1142999"/>
-          </a:xfrm>
-          <a:prstGeom prst="rect">
-            <a:avLst/>
-          </a:prstGeom>
-        </p:spPr>
-      </p:pic>
-      <p:sp>
-        <p:nvSpPr>
-          <p:cNvPr id="5" name="text"/>
-          <p:cNvSpPr txBox="1"/>
-          <p:nvPr/>
-        </p:nvSpPr>
-        <p:spPr>
-          <a:xfrm>
-            <a:off x="8101022" y="0"/>
-            <a:ext cx="1042978" cy="369332"/>
-          </a:xfrm>
-          <a:prstGeom prst="rect">
-            <a:avLst/>
-          </a:prstGeom>
-          <a:noFill/>
-        </p:spPr>
-        <p:txBody>
-          <a:bodyPr wrap="none" rtlCol="0">
-            <a:spAutoFit/>
-          </a:bodyPr>
-          <a:lstStyle/>
-          <a:p>
-            <a:r>
-              <a:rPr lang="en-SG" dirty="0" smtClean="0"/>
-              <a:t>Expected</a:t>
-            </a:r>
-            <a:endParaRPr lang="en-SG" dirty="0"/>
-          </a:p>
-        </p:txBody>
-      </p:sp>
-    </p:spTree>
-    <p:extLst>
-      <p:ext uri="{BB962C8B-B14F-4D97-AF65-F5344CB8AC3E}">
-        <p14:creationId xmlns:p14="http://schemas.microsoft.com/office/powerpoint/2010/main" val="3134480863"/>
-      </p:ext>
-    </p:extLst>
-  </p:cSld>
-  <p:clrMapOvr>
-    <a:masterClrMapping/>
-  </p:clrMapOvr>
-</p:sld>
-</file>
-
-<file path=ppt/slides/slide27.xml><?xml version="1.0" encoding="utf-8"?>
-<p:sld xmlns:a="http://schemas.openxmlformats.org/drawingml/2006/main" xmlns:r="http://schemas.openxmlformats.org/officeDocument/2006/relationships" xmlns:p="http://schemas.openxmlformats.org/presentationml/2006/main">
-  <p:cSld>
-    <p:spTree>
-      <p:nvGrpSpPr>
-        <p:cNvPr id="1" name=""/>
-        <p:cNvGrpSpPr/>
-        <p:nvPr/>
-      </p:nvGrpSpPr>
-      <p:grpSpPr>
-        <a:xfrm>
-          <a:off x="0" y="0"/>
-          <a:ext cx="0" cy="0"/>
-          <a:chOff x="0" y="0"/>
-          <a:chExt cx="0" cy="0"/>
-        </a:xfrm>
-      </p:grpSpPr>
-      <p:sp>
-        <p:nvSpPr>
-          <p:cNvPr id="2" name="Title 1"/>
-          <p:cNvSpPr>
-            <a:spLocks noGrp="1"/>
-          </p:cNvSpPr>
-          <p:nvPr>
-            <p:ph type="title"/>
-          </p:nvPr>
-        </p:nvSpPr>
-        <p:spPr/>
-        <p:txBody>
-          <a:bodyPr/>
-          <a:lstStyle/>
-          <a:p>
-            <a:r>
-              <a:rPr lang="en-US" dirty="0" smtClean="0"/>
-              <a:t>Auto Crop:: non-picture selected</a:t>
-            </a:r>
-            <a:endParaRPr lang="en-SG" dirty="0"/>
-          </a:p>
-        </p:txBody>
-      </p:sp>
-      <p:sp>
-        <p:nvSpPr>
-          <p:cNvPr id="3" name="Content Placeholder 2"/>
-          <p:cNvSpPr>
-            <a:spLocks noGrp="1"/>
-          </p:cNvSpPr>
-          <p:nvPr>
-            <p:ph idx="1"/>
-          </p:nvPr>
-        </p:nvSpPr>
-        <p:spPr/>
-        <p:txBody>
-          <a:bodyPr/>
-          <a:lstStyle/>
-          <a:p>
-            <a:r>
-              <a:rPr lang="en-SG" dirty="0" smtClean="0"/>
-              <a:t>Gives error message</a:t>
-            </a:r>
-            <a:endParaRPr lang="en-SG" dirty="0"/>
-          </a:p>
-        </p:txBody>
-      </p:sp>
-    </p:spTree>
-    <p:extLst>
-      <p:ext uri="{BB962C8B-B14F-4D97-AF65-F5344CB8AC3E}">
-        <p14:creationId xmlns:p14="http://schemas.microsoft.com/office/powerpoint/2010/main" val="222051412"/>
-      </p:ext>
-    </p:extLst>
-  </p:cSld>
-  <p:clrMapOvr>
-    <a:masterClrMapping/>
-  </p:clrMapOvr>
-</p:sld>
-</file>
-
-<file path=ppt/slides/slide28.xml><?xml version="1.0" encoding="utf-8"?>
-<p:sld xmlns:a="http://schemas.openxmlformats.org/drawingml/2006/main" xmlns:r="http://schemas.openxmlformats.org/officeDocument/2006/relationships" xmlns:p="http://schemas.openxmlformats.org/presentationml/2006/main">
-  <p:cSld>
-    <p:spTree>
-      <p:nvGrpSpPr>
-        <p:cNvPr id="1" name=""/>
-        <p:cNvGrpSpPr/>
-        <p:nvPr/>
-      </p:nvGrpSpPr>
-      <p:grpSpPr>
-        <a:xfrm>
-          <a:off x="0" y="0"/>
-          <a:ext cx="0" cy="0"/>
-          <a:chOff x="0" y="0"/>
-          <a:chExt cx="0" cy="0"/>
-        </a:xfrm>
-      </p:grpSpPr>
-      <p:sp>
-        <p:nvSpPr>
-          <p:cNvPr id="2" name="selectMe2"/>
-          <p:cNvSpPr/>
-          <p:nvPr/>
-        </p:nvSpPr>
-        <p:spPr>
-          <a:xfrm>
-            <a:off x="685800" y="533400"/>
-            <a:ext cx="2971800" cy="2209800"/>
-          </a:xfrm>
-          <a:prstGeom prst="rect">
-            <a:avLst/>
-          </a:prstGeom>
-        </p:spPr>
-        <p:style>
-          <a:lnRef idx="2">
-            <a:schemeClr val="accent1">
-              <a:shade val="50000"/>
-            </a:schemeClr>
-          </a:lnRef>
-          <a:fillRef idx="1">
-            <a:schemeClr val="accent1"/>
-          </a:fillRef>
-          <a:effectRef idx="0">
-            <a:schemeClr val="accent1"/>
-          </a:effectRef>
-          <a:fontRef idx="minor">
-            <a:schemeClr val="lt1"/>
-          </a:fontRef>
-        </p:style>
-        <p:txBody>
-          <a:bodyPr rtlCol="0" anchor="ctr"/>
-          <a:lstStyle/>
-          <a:p>
-            <a:pPr algn="ctr"/>
-            <a:endParaRPr lang="en-SG"/>
-          </a:p>
-        </p:txBody>
-      </p:sp>
-      <p:sp>
-        <p:nvSpPr>
-          <p:cNvPr id="3" name="selectMe1"/>
-          <p:cNvSpPr/>
-          <p:nvPr/>
-        </p:nvSpPr>
-        <p:spPr>
-          <a:xfrm>
-            <a:off x="5181600" y="3352800"/>
-            <a:ext cx="2971800" cy="2209800"/>
-          </a:xfrm>
-          <a:prstGeom prst="rect">
-            <a:avLst/>
-          </a:prstGeom>
-        </p:spPr>
-        <p:style>
-          <a:lnRef idx="2">
-            <a:schemeClr val="accent1">
-              <a:shade val="50000"/>
-            </a:schemeClr>
-          </a:lnRef>
-          <a:fillRef idx="1">
-            <a:schemeClr val="accent1"/>
-          </a:fillRef>
-          <a:effectRef idx="0">
-            <a:schemeClr val="accent1"/>
-          </a:effectRef>
-          <a:fontRef idx="minor">
-            <a:schemeClr val="lt1"/>
-          </a:fontRef>
-        </p:style>
-        <p:txBody>
-          <a:bodyPr rtlCol="0" anchor="ctr"/>
-          <a:lstStyle/>
-          <a:p>
-            <a:pPr algn="ctr"/>
-            <a:endParaRPr lang="en-SG"/>
-          </a:p>
-        </p:txBody>
-      </p:sp>
-    </p:spTree>
-    <p:extLst>
-      <p:ext uri="{BB962C8B-B14F-4D97-AF65-F5344CB8AC3E}">
-        <p14:creationId xmlns:p14="http://schemas.microsoft.com/office/powerpoint/2010/main" val="619584222"/>
-      </p:ext>
-    </p:extLst>
-  </p:cSld>
-  <p:clrMapOvr>
-    <a:masterClrMapping/>
-  </p:clrMapOvr>
-</p:sld>
-</file>
-
 <file path=ppt/slides/slide29.xml><?xml version="1.0" encoding="utf-8"?>
-<p:sld xmlns:a="http://schemas.openxmlformats.org/drawingml/2006/main" xmlns:r="http://schemas.openxmlformats.org/officeDocument/2006/relationships" xmlns:p="http://schemas.openxmlformats.org/presentationml/2006/main">
-  <p:cSld>
-    <p:spTree>
-      <p:nvGrpSpPr>
-        <p:cNvPr id="1" name=""/>
-        <p:cNvGrpSpPr/>
-        <p:nvPr/>
-      </p:nvGrpSpPr>
-      <p:grpSpPr>
-        <a:xfrm>
-          <a:off x="0" y="0"/>
-          <a:ext cx="0" cy="0"/>
-          <a:chOff x="0" y="0"/>
-          <a:chExt cx="0" cy="0"/>
-        </a:xfrm>
-      </p:grpSpPr>
-      <p:sp>
-        <p:nvSpPr>
-          <p:cNvPr id="2" name="Title 1"/>
-          <p:cNvSpPr>
-            <a:spLocks noGrp="1"/>
-          </p:cNvSpPr>
-          <p:nvPr>
-            <p:ph type="title"/>
-          </p:nvPr>
-        </p:nvSpPr>
-        <p:spPr/>
-        <p:txBody>
-          <a:bodyPr/>
-          <a:lstStyle/>
-          <a:p>
-            <a:r>
-              <a:rPr lang="en-US" dirty="0" smtClean="0"/>
-              <a:t>Auto Crop:: nothing selected</a:t>
-            </a:r>
-            <a:endParaRPr lang="en-SG" dirty="0"/>
-          </a:p>
-        </p:txBody>
-      </p:sp>
-      <p:sp>
-        <p:nvSpPr>
-          <p:cNvPr id="3" name="Content Placeholder 2"/>
-          <p:cNvSpPr>
-            <a:spLocks noGrp="1"/>
-          </p:cNvSpPr>
-          <p:nvPr>
-            <p:ph idx="1"/>
-          </p:nvPr>
-        </p:nvSpPr>
-        <p:spPr/>
-        <p:txBody>
-          <a:bodyPr/>
-          <a:lstStyle/>
-          <a:p>
-            <a:r>
-              <a:rPr lang="en-SG" dirty="0"/>
-              <a:t>Gives error message</a:t>
-            </a:r>
-          </a:p>
-          <a:p>
-            <a:endParaRPr lang="en-SG" dirty="0"/>
-          </a:p>
-        </p:txBody>
-      </p:sp>
-    </p:spTree>
-    <p:extLst>
-      <p:ext uri="{BB962C8B-B14F-4D97-AF65-F5344CB8AC3E}">
-        <p14:creationId xmlns:p14="http://schemas.microsoft.com/office/powerpoint/2010/main" val="478707647"/>
-      </p:ext>
-    </p:extLst>
-  </p:cSld>
-  <p:clrMapOvr>
-    <a:masterClrMapping/>
-  </p:clrMapOvr>
-</p:sld>
-</file>
-
-<file path=ppt/slides/slide3.xml><?xml version="1.0" encoding="utf-8"?>
-<p:sld xmlns:a="http://schemas.openxmlformats.org/drawingml/2006/main" xmlns:r="http://schemas.openxmlformats.org/officeDocument/2006/relationships" xmlns:p="http://schemas.openxmlformats.org/presentationml/2006/main">
-  <p:cSld>
-    <p:spTree>
-      <p:nvGrpSpPr>
-        <p:cNvPr id="1" name=""/>
-        <p:cNvGrpSpPr/>
-        <p:nvPr/>
-      </p:nvGrpSpPr>
-      <p:grpSpPr>
-        <a:xfrm>
-          <a:off x="0" y="0"/>
-          <a:ext cx="0" cy="0"/>
-          <a:chOff x="0" y="0"/>
-          <a:chExt cx="0" cy="0"/>
-        </a:xfrm>
-      </p:grpSpPr>
-      <p:sp>
-        <p:nvSpPr>
-          <p:cNvPr id="2" name="Title 1"/>
-          <p:cNvSpPr>
-            <a:spLocks noGrp="1"/>
-          </p:cNvSpPr>
-          <p:nvPr>
-            <p:ph type="title"/>
-          </p:nvPr>
-        </p:nvSpPr>
-        <p:spPr/>
-        <p:txBody>
-          <a:bodyPr/>
-          <a:lstStyle/>
-          <a:p>
-            <a:r>
-              <a:rPr lang="en-US" dirty="0" smtClean="0"/>
-              <a:t>Auto Crop:: Same picture</a:t>
-            </a:r>
-            <a:endParaRPr lang="en-SG" dirty="0"/>
-          </a:p>
-        </p:txBody>
-      </p:sp>
-      <p:sp>
-        <p:nvSpPr>
-          <p:cNvPr id="3" name="Content Placeholder 2"/>
-          <p:cNvSpPr>
-            <a:spLocks noGrp="1"/>
-          </p:cNvSpPr>
-          <p:nvPr>
-            <p:ph idx="1"/>
-          </p:nvPr>
-        </p:nvSpPr>
-        <p:spPr/>
-        <p:txBody>
-          <a:bodyPr/>
-          <a:lstStyle/>
-          <a:p>
-            <a:endParaRPr lang="en-SG" dirty="0"/>
-          </a:p>
-        </p:txBody>
-      </p:sp>
-    </p:spTree>
-    <p:extLst>
-      <p:ext uri="{BB962C8B-B14F-4D97-AF65-F5344CB8AC3E}">
-        <p14:creationId xmlns:p14="http://schemas.microsoft.com/office/powerpoint/2010/main" val="1286891872"/>
-      </p:ext>
-    </p:extLst>
-  </p:cSld>
-  <p:clrMapOvr>
-    <a:masterClrMapping/>
-  </p:clrMapOvr>
-</p:sld>
-</file>
-
-<file path=ppt/slides/slide30.xml><?xml version="1.0" encoding="utf-8"?>
-<p:sld xmlns:a="http://schemas.openxmlformats.org/drawingml/2006/main" xmlns:r="http://schemas.openxmlformats.org/officeDocument/2006/relationships" xmlns:p="http://schemas.openxmlformats.org/presentationml/2006/main">
-  <p:cSld>
-    <p:spTree>
-      <p:nvGrpSpPr>
-        <p:cNvPr id="1" name=""/>
-        <p:cNvGrpSpPr/>
-        <p:nvPr/>
-      </p:nvGrpSpPr>
-      <p:grpSpPr>
-        <a:xfrm>
-          <a:off x="0" y="0"/>
-          <a:ext cx="0" cy="0"/>
-          <a:chOff x="0" y="0"/>
-          <a:chExt cx="0" cy="0"/>
-        </a:xfrm>
-      </p:grpSpPr>
-    </p:spTree>
-    <p:extLst>
-      <p:ext uri="{BB962C8B-B14F-4D97-AF65-F5344CB8AC3E}">
-        <p14:creationId xmlns:p14="http://schemas.microsoft.com/office/powerpoint/2010/main" val="2337673966"/>
-      </p:ext>
-    </p:extLst>
-  </p:cSld>
-  <p:clrMapOvr>
-    <a:masterClrMapping/>
-  </p:clrMapOvr>
-</p:sld>
-</file>
-
-<file path=ppt/slides/slide31.xml><?xml version="1.0" encoding="utf-8"?>
 <p:sld xmlns:a="http://schemas.openxmlformats.org/drawingml/2006/main" xmlns:r="http://schemas.openxmlformats.org/officeDocument/2006/relationships" xmlns:p="http://schemas.openxmlformats.org/presentationml/2006/main" show="0">
   <p:cSld>
     <p:spTree>
@@ -12091,251 +11631,10 @@
   <p:clrMapOvr>
     <a:masterClrMapping/>
   </p:clrMapOvr>
-  <mc:AlternateContent xmlns:mc="http://schemas.openxmlformats.org/markup-compatibility/2006" xmlns:p14="http://schemas.microsoft.com/office/powerpoint/2010/main">
-    <mc:Choice Requires="p14">
-      <p:transition spd="slow" p14:dur="2000"/>
-    </mc:Choice>
-    <mc:Fallback xmlns="">
-      <p:transition spd="slow"/>
-    </mc:Fallback>
-  </mc:AlternateContent>
-  <p:timing>
-    <p:tnLst>
-      <p:par>
-        <p:cTn id="1" dur="indefinite" restart="never" nodeType="tmRoot"/>
-      </p:par>
-    </p:tnLst>
-  </p:timing>
 </p:sld>
 </file>
 
-<file path=ppt/slides/slide4.xml><?xml version="1.0" encoding="utf-8"?>
-<p:sld xmlns:a="http://schemas.openxmlformats.org/drawingml/2006/main" xmlns:r="http://schemas.openxmlformats.org/officeDocument/2006/relationships" xmlns:p="http://schemas.openxmlformats.org/presentationml/2006/main">
-  <p:cSld>
-    <p:bg>
-      <p:bgPr>
-        <a:solidFill>
-          <a:schemeClr val="bg1"/>
-        </a:solidFill>
-        <a:effectLst/>
-      </p:bgPr>
-    </p:bg>
-    <p:spTree>
-      <p:nvGrpSpPr>
-        <p:cNvPr id="1" name=""/>
-        <p:cNvGrpSpPr/>
-        <p:nvPr/>
-      </p:nvGrpSpPr>
-      <p:grpSpPr>
-        <a:xfrm>
-          <a:off x="0" y="0"/>
-          <a:ext cx="0" cy="0"/>
-          <a:chOff x="0" y="0"/>
-          <a:chExt cx="0" cy="0"/>
-        </a:xfrm>
-      </p:grpSpPr>
-      <p:pic>
-        <p:nvPicPr>
-          <p:cNvPr id="5" name="selectMe2"/>
-          <p:cNvPicPr>
-            <a:picLocks noChangeAspect="1"/>
-          </p:cNvPicPr>
-          <p:nvPr/>
-        </p:nvPicPr>
-        <p:blipFill>
-          <a:blip r:embed="rId2">
-            <a:extLst>
-              <a:ext uri="{28A0092B-C50C-407E-A947-70E740481C1C}">
-                <a14:useLocalDpi xmlns:a14="http://schemas.microsoft.com/office/drawing/2010/main" val="0"/>
-              </a:ext>
-            </a:extLst>
-          </a:blip>
-          <a:stretch>
-            <a:fillRect/>
-          </a:stretch>
-        </p:blipFill>
-        <p:spPr>
-          <a:xfrm>
-            <a:off x="381000" y="228600"/>
-            <a:ext cx="4572000" cy="3058418"/>
-          </a:xfrm>
-          <a:prstGeom prst="rect">
-            <a:avLst/>
-          </a:prstGeom>
-        </p:spPr>
-      </p:pic>
-      <p:pic>
-        <p:nvPicPr>
-          <p:cNvPr id="3" name="selectMe1"/>
-          <p:cNvPicPr>
-            <a:picLocks noChangeAspect="1"/>
-          </p:cNvPicPr>
-          <p:nvPr/>
-        </p:nvPicPr>
-        <p:blipFill>
-          <a:blip r:embed="rId2">
-            <a:extLst>
-              <a:ext uri="{28A0092B-C50C-407E-A947-70E740481C1C}">
-                <a14:useLocalDpi xmlns:a14="http://schemas.microsoft.com/office/drawing/2010/main" val="0"/>
-              </a:ext>
-            </a:extLst>
-          </a:blip>
-          <a:stretch>
-            <a:fillRect/>
-          </a:stretch>
-        </p:blipFill>
-        <p:spPr>
-          <a:xfrm>
-            <a:off x="4343400" y="3505200"/>
-            <a:ext cx="4572000" cy="3058418"/>
-          </a:xfrm>
-          <a:prstGeom prst="rect">
-            <a:avLst/>
-          </a:prstGeom>
-        </p:spPr>
-      </p:pic>
-    </p:spTree>
-    <p:extLst>
-      <p:ext uri="{BB962C8B-B14F-4D97-AF65-F5344CB8AC3E}">
-        <p14:creationId xmlns:p14="http://schemas.microsoft.com/office/powerpoint/2010/main" val="3976109174"/>
-      </p:ext>
-    </p:extLst>
-  </p:cSld>
-  <p:clrMapOvr>
-    <a:masterClrMapping/>
-  </p:clrMapOvr>
-</p:sld>
-</file>
-
-<file path=ppt/slides/slide5.xml><?xml version="1.0" encoding="utf-8"?>
-<p:sld xmlns:a="http://schemas.openxmlformats.org/drawingml/2006/main" xmlns:r="http://schemas.openxmlformats.org/officeDocument/2006/relationships" xmlns:p="http://schemas.openxmlformats.org/presentationml/2006/main">
-  <p:cSld>
-    <p:bg>
-      <p:bgPr>
-        <a:solidFill>
-          <a:schemeClr val="bg1"/>
-        </a:solidFill>
-        <a:effectLst/>
-      </p:bgPr>
-    </p:bg>
-    <p:spTree>
-      <p:nvGrpSpPr>
-        <p:cNvPr id="1" name=""/>
-        <p:cNvGrpSpPr/>
-        <p:nvPr/>
-      </p:nvGrpSpPr>
-      <p:grpSpPr>
-        <a:xfrm>
-          <a:off x="0" y="0"/>
-          <a:ext cx="0" cy="0"/>
-          <a:chOff x="0" y="0"/>
-          <a:chExt cx="0" cy="0"/>
-        </a:xfrm>
-      </p:grpSpPr>
-      <p:pic>
-        <p:nvPicPr>
-          <p:cNvPr id="5" name="selectMe2"/>
-          <p:cNvPicPr>
-            <a:picLocks noChangeAspect="1"/>
-          </p:cNvPicPr>
-          <p:nvPr/>
-        </p:nvPicPr>
-        <p:blipFill>
-          <a:blip r:embed="rId2">
-            <a:extLst>
-              <a:ext uri="{28A0092B-C50C-407E-A947-70E740481C1C}">
-                <a14:useLocalDpi xmlns:a14="http://schemas.microsoft.com/office/drawing/2010/main" val="0"/>
-              </a:ext>
-            </a:extLst>
-          </a:blip>
-          <a:stretch>
-            <a:fillRect/>
-          </a:stretch>
-        </p:blipFill>
-        <p:spPr>
-          <a:xfrm>
-            <a:off x="381000" y="228600"/>
-            <a:ext cx="4572000" cy="3058418"/>
-          </a:xfrm>
-          <a:prstGeom prst="rect">
-            <a:avLst/>
-          </a:prstGeom>
-        </p:spPr>
-      </p:pic>
-      <p:pic>
-        <p:nvPicPr>
-          <p:cNvPr id="3" name="selectMe1"/>
-          <p:cNvPicPr>
-            <a:picLocks noChangeAspect="1"/>
-          </p:cNvPicPr>
-          <p:nvPr/>
-        </p:nvPicPr>
-        <p:blipFill>
-          <a:blip r:embed="rId2">
-            <a:extLst>
-              <a:ext uri="{28A0092B-C50C-407E-A947-70E740481C1C}">
-                <a14:useLocalDpi xmlns:a14="http://schemas.microsoft.com/office/drawing/2010/main" val="0"/>
-              </a:ext>
-            </a:extLst>
-          </a:blip>
-          <a:stretch>
-            <a:fillRect/>
-          </a:stretch>
-        </p:blipFill>
-        <p:spPr>
-          <a:xfrm>
-            <a:off x="4343400" y="3505200"/>
-            <a:ext cx="4572000" cy="3058418"/>
-          </a:xfrm>
-          <a:prstGeom prst="rect">
-            <a:avLst/>
-          </a:prstGeom>
-        </p:spPr>
-      </p:pic>
-      <p:sp>
-        <p:nvSpPr>
-          <p:cNvPr id="4" name="text"/>
-          <p:cNvSpPr txBox="1"/>
-          <p:nvPr/>
-        </p:nvSpPr>
-        <p:spPr>
-          <a:xfrm>
-            <a:off x="8101022" y="0"/>
-            <a:ext cx="1042978" cy="369332"/>
-          </a:xfrm>
-          <a:prstGeom prst="rect">
-            <a:avLst/>
-          </a:prstGeom>
-          <a:noFill/>
-        </p:spPr>
-        <p:txBody>
-          <a:bodyPr wrap="none" rtlCol="0">
-            <a:spAutoFit/>
-          </a:bodyPr>
-          <a:lstStyle/>
-          <a:p>
-            <a:r>
-              <a:rPr lang="en-SG" dirty="0" smtClean="0"/>
-              <a:t>Expected</a:t>
-            </a:r>
-            <a:endParaRPr lang="en-SG" dirty="0"/>
-          </a:p>
-        </p:txBody>
-      </p:sp>
-    </p:spTree>
-    <p:extLst>
-      <p:ext uri="{BB962C8B-B14F-4D97-AF65-F5344CB8AC3E}">
-        <p14:creationId xmlns:p14="http://schemas.microsoft.com/office/powerpoint/2010/main" val="983524400"/>
-      </p:ext>
-    </p:extLst>
-  </p:cSld>
-  <p:clrMapOvr>
-    <a:masterClrMapping/>
-  </p:clrMapOvr>
-</p:sld>
-</file>
-
-<file path=ppt/slides/slide6.xml><?xml version="1.0" encoding="utf-8"?>
+<file path=ppt/slides/slide3.xml><?xml version="1.0" encoding="utf-8"?>
 <p:sld xmlns:a="http://schemas.openxmlformats.org/drawingml/2006/main" xmlns:r="http://schemas.openxmlformats.org/officeDocument/2006/relationships" xmlns:p="http://schemas.openxmlformats.org/presentationml/2006/main">
   <p:cSld>
     <p:spTree>
@@ -12368,7 +11667,7 @@
           <a:lstStyle/>
           <a:p>
             <a:r>
-              <a:rPr lang="en-US" dirty="0" smtClean="0"/>
+              <a:rPr lang="en-US" dirty="0"/>
               <a:t>Auto Crop:: One edge cropped</a:t>
             </a:r>
             <a:endParaRPr lang="en-SG" dirty="0"/>
@@ -12388,7 +11687,7 @@
 </p:sld>
 </file>
 
-<file path=ppt/slides/slide7.xml><?xml version="1.0" encoding="utf-8"?>
+<file path=ppt/slides/slide4.xml><?xml version="1.0" encoding="utf-8"?>
 <p:sld xmlns:a="http://schemas.openxmlformats.org/drawingml/2006/main" xmlns:r="http://schemas.openxmlformats.org/officeDocument/2006/relationships" xmlns:p="http://schemas.openxmlformats.org/presentationml/2006/main">
   <p:cSld>
     <p:bg>
@@ -12485,7 +11784,7 @@
 </p:sld>
 </file>
 
-<file path=ppt/slides/slide8.xml><?xml version="1.0" encoding="utf-8"?>
+<file path=ppt/slides/slide5.xml><?xml version="1.0" encoding="utf-8"?>
 <p:sld xmlns:a="http://schemas.openxmlformats.org/drawingml/2006/main" xmlns:r="http://schemas.openxmlformats.org/officeDocument/2006/relationships" xmlns:p="http://schemas.openxmlformats.org/presentationml/2006/main">
   <p:cSld>
     <p:bg>
@@ -12593,10 +11892,9 @@
           <a:lstStyle/>
           <a:p>
             <a:r>
-              <a:rPr lang="en-SG" dirty="0" smtClean="0"/>
+              <a:rPr lang="en-SG" dirty="0"/>
               <a:t>Expected</a:t>
             </a:r>
-            <a:endParaRPr lang="en-SG" dirty="0"/>
           </a:p>
         </p:txBody>
       </p:sp>
@@ -12604,6 +11902,302 @@
     <p:extLst>
       <p:ext uri="{BB962C8B-B14F-4D97-AF65-F5344CB8AC3E}">
         <p14:creationId xmlns:p14="http://schemas.microsoft.com/office/powerpoint/2010/main" val="3349067128"/>
+      </p:ext>
+    </p:extLst>
+  </p:cSld>
+  <p:clrMapOvr>
+    <a:masterClrMapping/>
+  </p:clrMapOvr>
+</p:sld>
+</file>
+
+<file path=ppt/slides/slide6.xml><?xml version="1.0" encoding="utf-8"?>
+<p:sld xmlns:a="http://schemas.openxmlformats.org/drawingml/2006/main" xmlns:r="http://schemas.openxmlformats.org/officeDocument/2006/relationships" xmlns:p="http://schemas.openxmlformats.org/presentationml/2006/main">
+  <p:cSld>
+    <p:spTree>
+      <p:nvGrpSpPr>
+        <p:cNvPr id="1" name=""/>
+        <p:cNvGrpSpPr/>
+        <p:nvPr/>
+      </p:nvGrpSpPr>
+      <p:grpSpPr>
+        <a:xfrm>
+          <a:off x="0" y="0"/>
+          <a:ext cx="0" cy="0"/>
+          <a:chOff x="0" y="0"/>
+          <a:chExt cx="0" cy="0"/>
+        </a:xfrm>
+      </p:grpSpPr>
+      <p:sp>
+        <p:nvSpPr>
+          <p:cNvPr id="2" name="Title 1"/>
+          <p:cNvSpPr>
+            <a:spLocks noGrp="1"/>
+          </p:cNvSpPr>
+          <p:nvPr>
+            <p:ph type="title"/>
+          </p:nvPr>
+        </p:nvSpPr>
+        <p:spPr/>
+        <p:txBody>
+          <a:bodyPr/>
+          <a:lstStyle/>
+          <a:p>
+            <a:r>
+              <a:rPr lang="en-US" dirty="0"/>
+              <a:t>Auto Crop:: Two edges cropped</a:t>
+            </a:r>
+            <a:endParaRPr lang="en-SG" dirty="0"/>
+          </a:p>
+        </p:txBody>
+      </p:sp>
+      <p:sp>
+        <p:nvSpPr>
+          <p:cNvPr id="3" name="Content Placeholder 2"/>
+          <p:cNvSpPr>
+            <a:spLocks noGrp="1"/>
+          </p:cNvSpPr>
+          <p:nvPr>
+            <p:ph idx="1"/>
+          </p:nvPr>
+        </p:nvSpPr>
+        <p:spPr/>
+        <p:txBody>
+          <a:bodyPr/>
+          <a:lstStyle/>
+          <a:p>
+            <a:endParaRPr lang="en-SG" dirty="0"/>
+          </a:p>
+        </p:txBody>
+      </p:sp>
+    </p:spTree>
+    <p:extLst>
+      <p:ext uri="{BB962C8B-B14F-4D97-AF65-F5344CB8AC3E}">
+        <p14:creationId xmlns:p14="http://schemas.microsoft.com/office/powerpoint/2010/main" val="4026306467"/>
+      </p:ext>
+    </p:extLst>
+  </p:cSld>
+  <p:clrMapOvr>
+    <a:masterClrMapping/>
+  </p:clrMapOvr>
+</p:sld>
+</file>
+
+<file path=ppt/slides/slide7.xml><?xml version="1.0" encoding="utf-8"?>
+<p:sld xmlns:a="http://schemas.openxmlformats.org/drawingml/2006/main" xmlns:r="http://schemas.openxmlformats.org/officeDocument/2006/relationships" xmlns:p="http://schemas.openxmlformats.org/presentationml/2006/main">
+  <p:cSld>
+    <p:bg>
+      <p:bgPr>
+        <a:solidFill>
+          <a:schemeClr val="bg1"/>
+        </a:solidFill>
+        <a:effectLst/>
+      </p:bgPr>
+    </p:bg>
+    <p:spTree>
+      <p:nvGrpSpPr>
+        <p:cNvPr id="1" name=""/>
+        <p:cNvGrpSpPr/>
+        <p:nvPr/>
+      </p:nvGrpSpPr>
+      <p:grpSpPr>
+        <a:xfrm>
+          <a:off x="0" y="0"/>
+          <a:ext cx="0" cy="0"/>
+          <a:chOff x="0" y="0"/>
+          <a:chExt cx="0" cy="0"/>
+        </a:xfrm>
+      </p:grpSpPr>
+      <p:pic>
+        <p:nvPicPr>
+          <p:cNvPr id="5" name="selectMe2"/>
+          <p:cNvPicPr>
+            <a:picLocks noChangeAspect="1"/>
+          </p:cNvPicPr>
+          <p:nvPr/>
+        </p:nvPicPr>
+        <p:blipFill rotWithShape="1">
+          <a:blip r:embed="rId2">
+            <a:extLst>
+              <a:ext uri="{28A0092B-C50C-407E-A947-70E740481C1C}">
+                <a14:useLocalDpi xmlns:a14="http://schemas.microsoft.com/office/drawing/2010/main" val="0"/>
+              </a:ext>
+            </a:extLst>
+          </a:blip>
+          <a:srcRect t="22423" b="27747"/>
+          <a:stretch/>
+        </p:blipFill>
+        <p:spPr>
+          <a:xfrm>
+            <a:off x="228600" y="1143000"/>
+            <a:ext cx="4572000" cy="1524000"/>
+          </a:xfrm>
+          <a:prstGeom prst="rect">
+            <a:avLst/>
+          </a:prstGeom>
+        </p:spPr>
+      </p:pic>
+      <p:pic>
+        <p:nvPicPr>
+          <p:cNvPr id="3" name="selectMe1"/>
+          <p:cNvPicPr>
+            <a:picLocks noChangeAspect="1"/>
+          </p:cNvPicPr>
+          <p:nvPr/>
+        </p:nvPicPr>
+        <p:blipFill>
+          <a:blip r:embed="rId2">
+            <a:extLst>
+              <a:ext uri="{28A0092B-C50C-407E-A947-70E740481C1C}">
+                <a14:useLocalDpi xmlns:a14="http://schemas.microsoft.com/office/drawing/2010/main" val="0"/>
+              </a:ext>
+            </a:extLst>
+          </a:blip>
+          <a:stretch>
+            <a:fillRect/>
+          </a:stretch>
+        </p:blipFill>
+        <p:spPr>
+          <a:xfrm>
+            <a:off x="4343400" y="3581400"/>
+            <a:ext cx="4572000" cy="3058418"/>
+          </a:xfrm>
+          <a:prstGeom prst="rect">
+            <a:avLst/>
+          </a:prstGeom>
+        </p:spPr>
+      </p:pic>
+    </p:spTree>
+    <p:extLst>
+      <p:ext uri="{BB962C8B-B14F-4D97-AF65-F5344CB8AC3E}">
+        <p14:creationId xmlns:p14="http://schemas.microsoft.com/office/powerpoint/2010/main" val="1512830279"/>
+      </p:ext>
+    </p:extLst>
+  </p:cSld>
+  <p:clrMapOvr>
+    <a:masterClrMapping/>
+  </p:clrMapOvr>
+</p:sld>
+</file>
+
+<file path=ppt/slides/slide8.xml><?xml version="1.0" encoding="utf-8"?>
+<p:sld xmlns:a="http://schemas.openxmlformats.org/drawingml/2006/main" xmlns:r="http://schemas.openxmlformats.org/officeDocument/2006/relationships" xmlns:p="http://schemas.openxmlformats.org/presentationml/2006/main">
+  <p:cSld>
+    <p:bg>
+      <p:bgPr>
+        <a:solidFill>
+          <a:schemeClr val="bg1"/>
+        </a:solidFill>
+        <a:effectLst/>
+      </p:bgPr>
+    </p:bg>
+    <p:spTree>
+      <p:nvGrpSpPr>
+        <p:cNvPr id="1" name=""/>
+        <p:cNvGrpSpPr/>
+        <p:nvPr/>
+      </p:nvGrpSpPr>
+      <p:grpSpPr>
+        <a:xfrm>
+          <a:off x="0" y="0"/>
+          <a:ext cx="0" cy="0"/>
+          <a:chOff x="0" y="0"/>
+          <a:chExt cx="0" cy="0"/>
+        </a:xfrm>
+      </p:grpSpPr>
+      <p:pic>
+        <p:nvPicPr>
+          <p:cNvPr id="5" name="selectMe2"/>
+          <p:cNvPicPr>
+            <a:picLocks noChangeAspect="1"/>
+          </p:cNvPicPr>
+          <p:nvPr/>
+        </p:nvPicPr>
+        <p:blipFill rotWithShape="1">
+          <a:blip r:embed="rId2">
+            <a:extLst>
+              <a:ext uri="{28A0092B-C50C-407E-A947-70E740481C1C}">
+                <a14:useLocalDpi xmlns:a14="http://schemas.microsoft.com/office/drawing/2010/main" val="0"/>
+              </a:ext>
+            </a:extLst>
+          </a:blip>
+          <a:srcRect t="22423" b="27747"/>
+          <a:stretch/>
+        </p:blipFill>
+        <p:spPr>
+          <a:xfrm>
+            <a:off x="228601" y="1143000"/>
+            <a:ext cx="4572001" cy="1524010"/>
+          </a:xfrm>
+          <a:prstGeom prst="rect">
+            <a:avLst/>
+          </a:prstGeom>
+        </p:spPr>
+      </p:pic>
+      <p:pic>
+        <p:nvPicPr>
+          <p:cNvPr id="3" name="selectMe1"/>
+          <p:cNvPicPr>
+            <a:picLocks noChangeAspect="1"/>
+          </p:cNvPicPr>
+          <p:nvPr/>
+        </p:nvPicPr>
+        <p:blipFill>
+          <a:blip r:embed="rId2">
+            <a:extLst>
+              <a:ext uri="{28A0092B-C50C-407E-A947-70E740481C1C}">
+                <a14:useLocalDpi xmlns:a14="http://schemas.microsoft.com/office/drawing/2010/main" val="0"/>
+              </a:ext>
+            </a:extLst>
+          </a:blip>
+          <a:srcRect t="22423" b="27747"/>
+          <a:stretch>
+            <a:fillRect/>
+          </a:stretch>
+        </p:blipFill>
+        <p:spPr>
+          <a:xfrm>
+            <a:off x="4343400" y="4267188"/>
+            <a:ext cx="4572000" cy="1524011"/>
+          </a:xfrm>
+          <a:prstGeom prst="rect">
+            <a:avLst/>
+          </a:prstGeom>
+        </p:spPr>
+      </p:pic>
+      <p:sp>
+        <p:nvSpPr>
+          <p:cNvPr id="4" name="text"/>
+          <p:cNvSpPr txBox="1"/>
+          <p:nvPr/>
+        </p:nvSpPr>
+        <p:spPr>
+          <a:xfrm>
+            <a:off x="8101022" y="0"/>
+            <a:ext cx="1042978" cy="369332"/>
+          </a:xfrm>
+          <a:prstGeom prst="rect">
+            <a:avLst/>
+          </a:prstGeom>
+          <a:noFill/>
+        </p:spPr>
+        <p:txBody>
+          <a:bodyPr wrap="none" rtlCol="0">
+            <a:spAutoFit/>
+          </a:bodyPr>
+          <a:lstStyle/>
+          <a:p>
+            <a:r>
+              <a:rPr lang="en-SG" dirty="0"/>
+              <a:t>Expected</a:t>
+            </a:r>
+          </a:p>
+        </p:txBody>
+      </p:sp>
+    </p:spTree>
+    <p:extLst>
+      <p:ext uri="{BB962C8B-B14F-4D97-AF65-F5344CB8AC3E}">
+        <p14:creationId xmlns:p14="http://schemas.microsoft.com/office/powerpoint/2010/main" val="2272573235"/>
       </p:ext>
     </p:extLst>
   </p:cSld>
@@ -12646,8 +12240,8 @@
           <a:lstStyle/>
           <a:p>
             <a:r>
-              <a:rPr lang="en-US" dirty="0" smtClean="0"/>
-              <a:t>Auto Crop:: Two edges cropped</a:t>
+              <a:rPr lang="en-US" dirty="0"/>
+              <a:t>Auto Crop:: Four edges cropped</a:t>
             </a:r>
             <a:endParaRPr lang="en-SG" dirty="0"/>
           </a:p>
@@ -12675,7 +12269,7 @@
     </p:spTree>
     <p:extLst>
       <p:ext uri="{BB962C8B-B14F-4D97-AF65-F5344CB8AC3E}">
-        <p14:creationId xmlns:p14="http://schemas.microsoft.com/office/powerpoint/2010/main" val="4026306467"/>
+        <p14:creationId xmlns:p14="http://schemas.microsoft.com/office/powerpoint/2010/main" val="103934301"/>
       </p:ext>
     </p:extLst>
   </p:cSld>

--- a/doc/test/CropToSame.pptx
+++ b/doc/test/CropToSame.pptx
@@ -7,7 +7,7 @@
     <p:sldMasterId id="2147483672" r:id="rId3"/>
   </p:sldMasterIdLst>
   <p:notesMasterIdLst>
-    <p:notesMasterId r:id="rId33"/>
+    <p:notesMasterId r:id="rId36"/>
   </p:notesMasterIdLst>
   <p:sldIdLst>
     <p:sldId id="287" r:id="rId4"/>
@@ -30,15 +30,18 @@
     <p:sldId id="366" r:id="rId21"/>
     <p:sldId id="365" r:id="rId22"/>
     <p:sldId id="368" r:id="rId23"/>
-    <p:sldId id="331" r:id="rId24"/>
-    <p:sldId id="332" r:id="rId25"/>
-    <p:sldId id="333" r:id="rId26"/>
-    <p:sldId id="334" r:id="rId27"/>
-    <p:sldId id="292" r:id="rId28"/>
-    <p:sldId id="293" r:id="rId29"/>
-    <p:sldId id="321" r:id="rId30"/>
-    <p:sldId id="362" r:id="rId31"/>
-    <p:sldId id="318" r:id="rId32"/>
+    <p:sldId id="369" r:id="rId24"/>
+    <p:sldId id="371" r:id="rId25"/>
+    <p:sldId id="372" r:id="rId26"/>
+    <p:sldId id="331" r:id="rId27"/>
+    <p:sldId id="332" r:id="rId28"/>
+    <p:sldId id="333" r:id="rId29"/>
+    <p:sldId id="334" r:id="rId30"/>
+    <p:sldId id="292" r:id="rId31"/>
+    <p:sldId id="293" r:id="rId32"/>
+    <p:sldId id="321" r:id="rId33"/>
+    <p:sldId id="362" r:id="rId34"/>
+    <p:sldId id="318" r:id="rId35"/>
   </p:sldIdLst>
   <p:sldSz cx="9144000" cy="6858000" type="screen4x3"/>
   <p:notesSz cx="6858000" cy="9144000"/>
@@ -166,6 +169,9 @@
             <p14:sldId id="366"/>
             <p14:sldId id="365"/>
             <p14:sldId id="368"/>
+            <p14:sldId id="369"/>
+            <p14:sldId id="371"/>
+            <p14:sldId id="372"/>
             <p14:sldId id="331"/>
             <p14:sldId id="332"/>
             <p14:sldId id="333"/>
@@ -279,7 +285,7 @@
           <a:p>
             <a:fld id="{26004F41-C1A1-4B0D-9EEE-5E3F0E5BC108}" type="datetimeFigureOut">
               <a:rPr lang="en-SG" smtClean="0"/>
-              <a:t>3/20/2017</a:t>
+              <a:t>3/31/2017</a:t>
             </a:fld>
             <a:endParaRPr lang="en-SG"/>
           </a:p>
@@ -726,7 +732,7 @@
           <a:p>
             <a:fld id="{699DC775-C286-4358-8C92-D7E584E969B3}" type="datetimeFigureOut">
               <a:rPr lang="en-US" smtClean="0"/>
-              <a:t>3/20/2017</a:t>
+              <a:t>3/31/2017</a:t>
             </a:fld>
             <a:endParaRPr lang="en-US"/>
           </a:p>
@@ -894,7 +900,7 @@
           <a:p>
             <a:fld id="{699DC775-C286-4358-8C92-D7E584E969B3}" type="datetimeFigureOut">
               <a:rPr lang="en-US" smtClean="0"/>
-              <a:t>3/20/2017</a:t>
+              <a:t>3/31/2017</a:t>
             </a:fld>
             <a:endParaRPr lang="en-US"/>
           </a:p>
@@ -1072,7 +1078,7 @@
           <a:p>
             <a:fld id="{699DC775-C286-4358-8C92-D7E584E969B3}" type="datetimeFigureOut">
               <a:rPr lang="en-US" smtClean="0"/>
-              <a:t>3/20/2017</a:t>
+              <a:t>3/31/2017</a:t>
             </a:fld>
             <a:endParaRPr lang="en-US"/>
           </a:p>
@@ -1312,7 +1318,7 @@
           <a:p>
             <a:fld id="{699DC775-C286-4358-8C92-D7E584E969B3}" type="datetimeFigureOut">
               <a:rPr lang="en-US" smtClean="0"/>
-              <a:t>3/20/2017</a:t>
+              <a:t>3/31/2017</a:t>
             </a:fld>
             <a:endParaRPr lang="en-US"/>
           </a:p>
@@ -1480,7 +1486,7 @@
           <a:p>
             <a:fld id="{699DC775-C286-4358-8C92-D7E584E969B3}" type="datetimeFigureOut">
               <a:rPr lang="en-US" smtClean="0"/>
-              <a:t>3/20/2017</a:t>
+              <a:t>3/31/2017</a:t>
             </a:fld>
             <a:endParaRPr lang="en-US"/>
           </a:p>
@@ -1725,7 +1731,7 @@
           <a:p>
             <a:fld id="{699DC775-C286-4358-8C92-D7E584E969B3}" type="datetimeFigureOut">
               <a:rPr lang="en-US" smtClean="0"/>
-              <a:t>3/20/2017</a:t>
+              <a:t>3/31/2017</a:t>
             </a:fld>
             <a:endParaRPr lang="en-US"/>
           </a:p>
@@ -2010,7 +2016,7 @@
           <a:p>
             <a:fld id="{699DC775-C286-4358-8C92-D7E584E969B3}" type="datetimeFigureOut">
               <a:rPr lang="en-US" smtClean="0"/>
-              <a:t>3/20/2017</a:t>
+              <a:t>3/31/2017</a:t>
             </a:fld>
             <a:endParaRPr lang="en-US"/>
           </a:p>
@@ -2429,7 +2435,7 @@
           <a:p>
             <a:fld id="{699DC775-C286-4358-8C92-D7E584E969B3}" type="datetimeFigureOut">
               <a:rPr lang="en-US" smtClean="0"/>
-              <a:t>3/20/2017</a:t>
+              <a:t>3/31/2017</a:t>
             </a:fld>
             <a:endParaRPr lang="en-US"/>
           </a:p>
@@ -2546,7 +2552,7 @@
           <a:p>
             <a:fld id="{699DC775-C286-4358-8C92-D7E584E969B3}" type="datetimeFigureOut">
               <a:rPr lang="en-US" smtClean="0"/>
-              <a:t>3/20/2017</a:t>
+              <a:t>3/31/2017</a:t>
             </a:fld>
             <a:endParaRPr lang="en-US"/>
           </a:p>
@@ -2641,7 +2647,7 @@
           <a:p>
             <a:fld id="{699DC775-C286-4358-8C92-D7E584E969B3}" type="datetimeFigureOut">
               <a:rPr lang="en-US" smtClean="0"/>
-              <a:t>3/20/2017</a:t>
+              <a:t>3/31/2017</a:t>
             </a:fld>
             <a:endParaRPr lang="en-US"/>
           </a:p>
@@ -2916,7 +2922,7 @@
           <a:p>
             <a:fld id="{699DC775-C286-4358-8C92-D7E584E969B3}" type="datetimeFigureOut">
               <a:rPr lang="en-US" smtClean="0"/>
-              <a:t>3/20/2017</a:t>
+              <a:t>3/31/2017</a:t>
             </a:fld>
             <a:endParaRPr lang="en-US"/>
           </a:p>
@@ -3084,7 +3090,7 @@
           <a:p>
             <a:fld id="{699DC775-C286-4358-8C92-D7E584E969B3}" type="datetimeFigureOut">
               <a:rPr lang="en-US" smtClean="0"/>
-              <a:t>3/20/2017</a:t>
+              <a:t>3/31/2017</a:t>
             </a:fld>
             <a:endParaRPr lang="en-US"/>
           </a:p>
@@ -3336,7 +3342,7 @@
           <a:p>
             <a:fld id="{699DC775-C286-4358-8C92-D7E584E969B3}" type="datetimeFigureOut">
               <a:rPr lang="en-US" smtClean="0"/>
-              <a:t>3/20/2017</a:t>
+              <a:t>3/31/2017</a:t>
             </a:fld>
             <a:endParaRPr lang="en-US"/>
           </a:p>
@@ -3504,7 +3510,7 @@
           <a:p>
             <a:fld id="{699DC775-C286-4358-8C92-D7E584E969B3}" type="datetimeFigureOut">
               <a:rPr lang="en-US" smtClean="0"/>
-              <a:t>3/20/2017</a:t>
+              <a:t>3/31/2017</a:t>
             </a:fld>
             <a:endParaRPr lang="en-US"/>
           </a:p>
@@ -3682,7 +3688,7 @@
           <a:p>
             <a:fld id="{699DC775-C286-4358-8C92-D7E584E969B3}" type="datetimeFigureOut">
               <a:rPr lang="en-US" smtClean="0"/>
-              <a:t>3/20/2017</a:t>
+              <a:t>3/31/2017</a:t>
             </a:fld>
             <a:endParaRPr lang="en-US"/>
           </a:p>
@@ -3930,7 +3936,7 @@
           <a:p>
             <a:fld id="{699DC775-C286-4358-8C92-D7E584E969B3}" type="datetimeFigureOut">
               <a:rPr lang="en-US" smtClean="0"/>
-              <a:t>3/20/2017</a:t>
+              <a:t>3/31/2017</a:t>
             </a:fld>
             <a:endParaRPr lang="en-US"/>
           </a:p>
@@ -4106,7 +4112,7 @@
           <a:p>
             <a:fld id="{699DC775-C286-4358-8C92-D7E584E969B3}" type="datetimeFigureOut">
               <a:rPr lang="en-US" smtClean="0"/>
-              <a:t>3/20/2017</a:t>
+              <a:t>3/31/2017</a:t>
             </a:fld>
             <a:endParaRPr lang="en-US"/>
           </a:p>
@@ -4359,7 +4365,7 @@
           <a:p>
             <a:fld id="{699DC775-C286-4358-8C92-D7E584E969B3}" type="datetimeFigureOut">
               <a:rPr lang="en-US" smtClean="0"/>
-              <a:t>3/20/2017</a:t>
+              <a:t>3/31/2017</a:t>
             </a:fld>
             <a:endParaRPr lang="en-US"/>
           </a:p>
@@ -4652,7 +4658,7 @@
           <a:p>
             <a:fld id="{699DC775-C286-4358-8C92-D7E584E969B3}" type="datetimeFigureOut">
               <a:rPr lang="en-US" smtClean="0"/>
-              <a:t>3/20/2017</a:t>
+              <a:t>3/31/2017</a:t>
             </a:fld>
             <a:endParaRPr lang="en-US"/>
           </a:p>
@@ -5079,7 +5085,7 @@
           <a:p>
             <a:fld id="{699DC775-C286-4358-8C92-D7E584E969B3}" type="datetimeFigureOut">
               <a:rPr lang="en-US" smtClean="0"/>
-              <a:t>3/20/2017</a:t>
+              <a:t>3/31/2017</a:t>
             </a:fld>
             <a:endParaRPr lang="en-US"/>
           </a:p>
@@ -5204,7 +5210,7 @@
           <a:p>
             <a:fld id="{699DC775-C286-4358-8C92-D7E584E969B3}" type="datetimeFigureOut">
               <a:rPr lang="en-US" smtClean="0"/>
-              <a:t>3/20/2017</a:t>
+              <a:t>3/31/2017</a:t>
             </a:fld>
             <a:endParaRPr lang="en-US"/>
           </a:p>
@@ -5307,7 +5313,7 @@
           <a:p>
             <a:fld id="{699DC775-C286-4358-8C92-D7E584E969B3}" type="datetimeFigureOut">
               <a:rPr lang="en-US" smtClean="0"/>
-              <a:t>3/20/2017</a:t>
+              <a:t>3/31/2017</a:t>
             </a:fld>
             <a:endParaRPr lang="en-US"/>
           </a:p>
@@ -5552,7 +5558,7 @@
           <a:p>
             <a:fld id="{699DC775-C286-4358-8C92-D7E584E969B3}" type="datetimeFigureOut">
               <a:rPr lang="en-US" smtClean="0"/>
-              <a:t>3/20/2017</a:t>
+              <a:t>3/31/2017</a:t>
             </a:fld>
             <a:endParaRPr lang="en-US"/>
           </a:p>
@@ -5835,7 +5841,7 @@
           <a:p>
             <a:fld id="{699DC775-C286-4358-8C92-D7E584E969B3}" type="datetimeFigureOut">
               <a:rPr lang="en-US" smtClean="0"/>
-              <a:t>3/20/2017</a:t>
+              <a:t>3/31/2017</a:t>
             </a:fld>
             <a:endParaRPr lang="en-US"/>
           </a:p>
@@ -6095,7 +6101,7 @@
           <a:p>
             <a:fld id="{699DC775-C286-4358-8C92-D7E584E969B3}" type="datetimeFigureOut">
               <a:rPr lang="en-US" smtClean="0"/>
-              <a:t>3/20/2017</a:t>
+              <a:t>3/31/2017</a:t>
             </a:fld>
             <a:endParaRPr lang="en-US"/>
           </a:p>
@@ -6271,7 +6277,7 @@
           <a:p>
             <a:fld id="{699DC775-C286-4358-8C92-D7E584E969B3}" type="datetimeFigureOut">
               <a:rPr lang="en-US" smtClean="0"/>
-              <a:t>3/20/2017</a:t>
+              <a:t>3/31/2017</a:t>
             </a:fld>
             <a:endParaRPr lang="en-US"/>
           </a:p>
@@ -6457,7 +6463,7 @@
           <a:p>
             <a:fld id="{699DC775-C286-4358-8C92-D7E584E969B3}" type="datetimeFigureOut">
               <a:rPr lang="en-US" smtClean="0"/>
-              <a:t>3/20/2017</a:t>
+              <a:t>3/31/2017</a:t>
             </a:fld>
             <a:endParaRPr lang="en-US"/>
           </a:p>
@@ -6742,7 +6748,7 @@
           <a:p>
             <a:fld id="{699DC775-C286-4358-8C92-D7E584E969B3}" type="datetimeFigureOut">
               <a:rPr lang="en-US" smtClean="0"/>
-              <a:t>3/20/2017</a:t>
+              <a:t>3/31/2017</a:t>
             </a:fld>
             <a:endParaRPr lang="en-US"/>
           </a:p>
@@ -7161,7 +7167,7 @@
           <a:p>
             <a:fld id="{699DC775-C286-4358-8C92-D7E584E969B3}" type="datetimeFigureOut">
               <a:rPr lang="en-US" smtClean="0"/>
-              <a:t>3/20/2017</a:t>
+              <a:t>3/31/2017</a:t>
             </a:fld>
             <a:endParaRPr lang="en-US"/>
           </a:p>
@@ -7278,7 +7284,7 @@
           <a:p>
             <a:fld id="{699DC775-C286-4358-8C92-D7E584E969B3}" type="datetimeFigureOut">
               <a:rPr lang="en-US" smtClean="0"/>
-              <a:t>3/20/2017</a:t>
+              <a:t>3/31/2017</a:t>
             </a:fld>
             <a:endParaRPr lang="en-US"/>
           </a:p>
@@ -7373,7 +7379,7 @@
           <a:p>
             <a:fld id="{699DC775-C286-4358-8C92-D7E584E969B3}" type="datetimeFigureOut">
               <a:rPr lang="en-US" smtClean="0"/>
-              <a:t>3/20/2017</a:t>
+              <a:t>3/31/2017</a:t>
             </a:fld>
             <a:endParaRPr lang="en-US"/>
           </a:p>
@@ -7648,7 +7654,7 @@
           <a:p>
             <a:fld id="{699DC775-C286-4358-8C92-D7E584E969B3}" type="datetimeFigureOut">
               <a:rPr lang="en-US" smtClean="0"/>
-              <a:t>3/20/2017</a:t>
+              <a:t>3/31/2017</a:t>
             </a:fld>
             <a:endParaRPr lang="en-US"/>
           </a:p>
@@ -7900,7 +7906,7 @@
           <a:p>
             <a:fld id="{699DC775-C286-4358-8C92-D7E584E969B3}" type="datetimeFigureOut">
               <a:rPr lang="en-US" smtClean="0"/>
-              <a:t>3/20/2017</a:t>
+              <a:t>3/31/2017</a:t>
             </a:fld>
             <a:endParaRPr lang="en-US"/>
           </a:p>
@@ -8111,7 +8117,7 @@
           <a:p>
             <a:fld id="{699DC775-C286-4358-8C92-D7E584E969B3}" type="datetimeFigureOut">
               <a:rPr lang="en-US" smtClean="0"/>
-              <a:t>3/20/2017</a:t>
+              <a:t>3/31/2017</a:t>
             </a:fld>
             <a:endParaRPr lang="en-US"/>
           </a:p>
@@ -8624,7 +8630,7 @@
           <a:p>
             <a:fld id="{699DC775-C286-4358-8C92-D7E584E969B3}" type="datetimeFigureOut">
               <a:rPr lang="en-US" smtClean="0"/>
-              <a:t>3/20/2017</a:t>
+              <a:t>3/31/2017</a:t>
             </a:fld>
             <a:endParaRPr lang="en-US"/>
           </a:p>
@@ -9135,7 +9141,7 @@
           <a:p>
             <a:fld id="{699DC775-C286-4358-8C92-D7E584E969B3}" type="datetimeFigureOut">
               <a:rPr lang="en-US" smtClean="0"/>
-              <a:t>3/20/2017</a:t>
+              <a:t>3/31/2017</a:t>
             </a:fld>
             <a:endParaRPr lang="en-US"/>
           </a:p>
@@ -10957,6 +10963,304 @@
           <a:p>
             <a:r>
               <a:rPr lang="en-US" dirty="0"/>
+              <a:t>Auto Crop:: Custom Anchor</a:t>
+            </a:r>
+            <a:endParaRPr lang="en-SG" dirty="0"/>
+          </a:p>
+        </p:txBody>
+      </p:sp>
+      <p:sp>
+        <p:nvSpPr>
+          <p:cNvPr id="3" name="Content Placeholder 2"/>
+          <p:cNvSpPr>
+            <a:spLocks noGrp="1"/>
+          </p:cNvSpPr>
+          <p:nvPr>
+            <p:ph idx="1"/>
+          </p:nvPr>
+        </p:nvSpPr>
+        <p:spPr/>
+        <p:txBody>
+          <a:bodyPr/>
+          <a:lstStyle/>
+          <a:p>
+            <a:endParaRPr lang="en-SG" dirty="0"/>
+          </a:p>
+        </p:txBody>
+      </p:sp>
+    </p:spTree>
+    <p:extLst>
+      <p:ext uri="{BB962C8B-B14F-4D97-AF65-F5344CB8AC3E}">
+        <p14:creationId xmlns:p14="http://schemas.microsoft.com/office/powerpoint/2010/main" val="2505799667"/>
+      </p:ext>
+    </p:extLst>
+  </p:cSld>
+  <p:clrMapOvr>
+    <a:masterClrMapping/>
+  </p:clrMapOvr>
+</p:sld>
+</file>
+
+<file path=ppt/slides/slide22.xml><?xml version="1.0" encoding="utf-8"?>
+<p:sld xmlns:a="http://schemas.openxmlformats.org/drawingml/2006/main" xmlns:r="http://schemas.openxmlformats.org/officeDocument/2006/relationships" xmlns:p="http://schemas.openxmlformats.org/presentationml/2006/main">
+  <p:cSld>
+    <p:bg>
+      <p:bgPr>
+        <a:solidFill>
+          <a:schemeClr val="bg1"/>
+        </a:solidFill>
+        <a:effectLst/>
+      </p:bgPr>
+    </p:bg>
+    <p:spTree>
+      <p:nvGrpSpPr>
+        <p:cNvPr id="1" name=""/>
+        <p:cNvGrpSpPr/>
+        <p:nvPr/>
+      </p:nvGrpSpPr>
+      <p:grpSpPr>
+        <a:xfrm>
+          <a:off x="0" y="0"/>
+          <a:ext cx="0" cy="0"/>
+          <a:chOff x="0" y="0"/>
+          <a:chExt cx="0" cy="0"/>
+        </a:xfrm>
+      </p:grpSpPr>
+      <p:pic>
+        <p:nvPicPr>
+          <p:cNvPr id="5" name="selectMe2"/>
+          <p:cNvPicPr>
+            <a:picLocks noChangeAspect="1"/>
+          </p:cNvPicPr>
+          <p:nvPr/>
+        </p:nvPicPr>
+        <p:blipFill>
+          <a:blip r:embed="rId2" cstate="print">
+            <a:extLst>
+              <a:ext uri="{28A0092B-C50C-407E-A947-70E740481C1C}">
+                <a14:useLocalDpi xmlns:a14="http://schemas.microsoft.com/office/drawing/2010/main" val="0"/>
+              </a:ext>
+            </a:extLst>
+          </a:blip>
+          <a:stretch>
+            <a:fillRect/>
+          </a:stretch>
+        </p:blipFill>
+        <p:spPr>
+          <a:xfrm>
+            <a:off x="381000" y="1095152"/>
+            <a:ext cx="3276600" cy="2191866"/>
+          </a:xfrm>
+          <a:prstGeom prst="rect">
+            <a:avLst/>
+          </a:prstGeom>
+        </p:spPr>
+      </p:pic>
+      <p:pic>
+        <p:nvPicPr>
+          <p:cNvPr id="3" name="selectMe1"/>
+          <p:cNvPicPr>
+            <a:picLocks noChangeAspect="1"/>
+          </p:cNvPicPr>
+          <p:nvPr/>
+        </p:nvPicPr>
+        <p:blipFill>
+          <a:blip r:embed="rId3">
+            <a:extLst>
+              <a:ext uri="{28A0092B-C50C-407E-A947-70E740481C1C}">
+                <a14:useLocalDpi xmlns:a14="http://schemas.microsoft.com/office/drawing/2010/main" val="0"/>
+              </a:ext>
+            </a:extLst>
+          </a:blip>
+          <a:stretch>
+            <a:fillRect/>
+          </a:stretch>
+        </p:blipFill>
+        <p:spPr>
+          <a:xfrm>
+            <a:off x="4343400" y="3505200"/>
+            <a:ext cx="4572000" cy="3058418"/>
+          </a:xfrm>
+          <a:prstGeom prst="rect">
+            <a:avLst/>
+          </a:prstGeom>
+        </p:spPr>
+      </p:pic>
+    </p:spTree>
+    <p:extLst>
+      <p:ext uri="{BB962C8B-B14F-4D97-AF65-F5344CB8AC3E}">
+        <p14:creationId xmlns:p14="http://schemas.microsoft.com/office/powerpoint/2010/main" val="4278097101"/>
+      </p:ext>
+    </p:extLst>
+  </p:cSld>
+  <p:clrMapOvr>
+    <a:masterClrMapping/>
+  </p:clrMapOvr>
+</p:sld>
+</file>
+
+<file path=ppt/slides/slide23.xml><?xml version="1.0" encoding="utf-8"?>
+<p:sld xmlns:a="http://schemas.openxmlformats.org/drawingml/2006/main" xmlns:r="http://schemas.openxmlformats.org/officeDocument/2006/relationships" xmlns:p="http://schemas.openxmlformats.org/presentationml/2006/main">
+  <p:cSld>
+    <p:bg>
+      <p:bgPr>
+        <a:solidFill>
+          <a:schemeClr val="bg1"/>
+        </a:solidFill>
+        <a:effectLst/>
+      </p:bgPr>
+    </p:bg>
+    <p:spTree>
+      <p:nvGrpSpPr>
+        <p:cNvPr id="1" name=""/>
+        <p:cNvGrpSpPr/>
+        <p:nvPr/>
+      </p:nvGrpSpPr>
+      <p:grpSpPr>
+        <a:xfrm>
+          <a:off x="0" y="0"/>
+          <a:ext cx="0" cy="0"/>
+          <a:chOff x="0" y="0"/>
+          <a:chExt cx="0" cy="0"/>
+        </a:xfrm>
+      </p:grpSpPr>
+      <p:pic>
+        <p:nvPicPr>
+          <p:cNvPr id="5" name="selectMe2"/>
+          <p:cNvPicPr>
+            <a:picLocks noChangeAspect="1"/>
+          </p:cNvPicPr>
+          <p:nvPr/>
+        </p:nvPicPr>
+        <p:blipFill>
+          <a:blip r:embed="rId2" cstate="print">
+            <a:extLst>
+              <a:ext uri="{28A0092B-C50C-407E-A947-70E740481C1C}">
+                <a14:useLocalDpi xmlns:a14="http://schemas.microsoft.com/office/drawing/2010/main" val="0"/>
+              </a:ext>
+            </a:extLst>
+          </a:blip>
+          <a:stretch>
+            <a:fillRect/>
+          </a:stretch>
+        </p:blipFill>
+        <p:spPr>
+          <a:xfrm>
+            <a:off x="381000" y="1095152"/>
+            <a:ext cx="3276600" cy="2191866"/>
+          </a:xfrm>
+          <a:prstGeom prst="rect">
+            <a:avLst/>
+          </a:prstGeom>
+        </p:spPr>
+      </p:pic>
+      <p:pic>
+        <p:nvPicPr>
+          <p:cNvPr id="3" name="selectMe1"/>
+          <p:cNvPicPr>
+            <a:picLocks noChangeAspect="1"/>
+          </p:cNvPicPr>
+          <p:nvPr/>
+        </p:nvPicPr>
+        <p:blipFill>
+          <a:blip r:embed="rId3">
+            <a:extLst>
+              <a:ext uri="{28A0092B-C50C-407E-A947-70E740481C1C}">
+                <a14:useLocalDpi xmlns:a14="http://schemas.microsoft.com/office/drawing/2010/main" val="0"/>
+              </a:ext>
+            </a:extLst>
+          </a:blip>
+          <a:srcRect l="28333" t="28333"/>
+          <a:stretch>
+            <a:fillRect/>
+          </a:stretch>
+        </p:blipFill>
+        <p:spPr>
+          <a:xfrm>
+            <a:off x="5638799" y="4371751"/>
+            <a:ext cx="3276601" cy="2191867"/>
+          </a:xfrm>
+          <a:prstGeom prst="rect">
+            <a:avLst/>
+          </a:prstGeom>
+        </p:spPr>
+      </p:pic>
+      <p:sp>
+        <p:nvSpPr>
+          <p:cNvPr id="4" name="text"/>
+          <p:cNvSpPr txBox="1"/>
+          <p:nvPr/>
+        </p:nvSpPr>
+        <p:spPr>
+          <a:xfrm>
+            <a:off x="8101022" y="0"/>
+            <a:ext cx="1042978" cy="369332"/>
+          </a:xfrm>
+          <a:prstGeom prst="rect">
+            <a:avLst/>
+          </a:prstGeom>
+          <a:noFill/>
+        </p:spPr>
+        <p:txBody>
+          <a:bodyPr wrap="none" rtlCol="0">
+            <a:spAutoFit/>
+          </a:bodyPr>
+          <a:lstStyle/>
+          <a:p>
+            <a:r>
+              <a:rPr lang="en-SG" dirty="0"/>
+              <a:t>Expected</a:t>
+            </a:r>
+          </a:p>
+        </p:txBody>
+      </p:sp>
+    </p:spTree>
+    <p:extLst>
+      <p:ext uri="{BB962C8B-B14F-4D97-AF65-F5344CB8AC3E}">
+        <p14:creationId xmlns:p14="http://schemas.microsoft.com/office/powerpoint/2010/main" val="4191781960"/>
+      </p:ext>
+    </p:extLst>
+  </p:cSld>
+  <p:clrMapOvr>
+    <a:masterClrMapping/>
+  </p:clrMapOvr>
+</p:sld>
+</file>
+
+<file path=ppt/slides/slide24.xml><?xml version="1.0" encoding="utf-8"?>
+<p:sld xmlns:a="http://schemas.openxmlformats.org/drawingml/2006/main" xmlns:r="http://schemas.openxmlformats.org/officeDocument/2006/relationships" xmlns:p="http://schemas.openxmlformats.org/presentationml/2006/main">
+  <p:cSld>
+    <p:spTree>
+      <p:nvGrpSpPr>
+        <p:cNvPr id="1" name=""/>
+        <p:cNvGrpSpPr/>
+        <p:nvPr/>
+      </p:nvGrpSpPr>
+      <p:grpSpPr>
+        <a:xfrm>
+          <a:off x="0" y="0"/>
+          <a:ext cx="0" cy="0"/>
+          <a:chOff x="0" y="0"/>
+          <a:chExt cx="0" cy="0"/>
+        </a:xfrm>
+      </p:grpSpPr>
+      <p:sp>
+        <p:nvSpPr>
+          <p:cNvPr id="2" name="Title 1"/>
+          <p:cNvSpPr>
+            <a:spLocks noGrp="1"/>
+          </p:cNvSpPr>
+          <p:nvPr>
+            <p:ph type="title"/>
+          </p:nvPr>
+        </p:nvSpPr>
+        <p:spPr/>
+        <p:txBody>
+          <a:bodyPr/>
+          <a:lstStyle/>
+          <a:p>
+            <a:r>
+              <a:rPr lang="en-US" dirty="0"/>
               <a:t>Auto Crop:: non-picture selected</a:t>
             </a:r>
             <a:endParaRPr lang="en-SG" dirty="0"/>
@@ -10998,7 +11302,7 @@
 </p:sld>
 </file>
 
-<file path=ppt/slides/slide22.xml><?xml version="1.0" encoding="utf-8"?>
+<file path=ppt/slides/slide25.xml><?xml version="1.0" encoding="utf-8"?>
 <p:sld xmlns:a="http://schemas.openxmlformats.org/drawingml/2006/main" xmlns:r="http://schemas.openxmlformats.org/officeDocument/2006/relationships" xmlns:p="http://schemas.openxmlformats.org/presentationml/2006/main">
   <p:cSld>
     <p:spTree>
@@ -11108,7 +11412,7 @@
 </p:sld>
 </file>
 
-<file path=ppt/slides/slide23.xml><?xml version="1.0" encoding="utf-8"?>
+<file path=ppt/slides/slide26.xml><?xml version="1.0" encoding="utf-8"?>
 <p:sld xmlns:a="http://schemas.openxmlformats.org/drawingml/2006/main" xmlns:r="http://schemas.openxmlformats.org/officeDocument/2006/relationships" xmlns:p="http://schemas.openxmlformats.org/presentationml/2006/main">
   <p:cSld>
     <p:spTree>
@@ -11186,7 +11490,7 @@
 </p:sld>
 </file>
 
-<file path=ppt/slides/slide24.xml><?xml version="1.0" encoding="utf-8"?>
+<file path=ppt/slides/slide27.xml><?xml version="1.0" encoding="utf-8"?>
 <p:sld xmlns:a="http://schemas.openxmlformats.org/drawingml/2006/main" xmlns:r="http://schemas.openxmlformats.org/officeDocument/2006/relationships" xmlns:p="http://schemas.openxmlformats.org/presentationml/2006/main">
   <p:cSld>
     <p:spTree>
@@ -11216,7 +11520,7 @@
 </p:sld>
 </file>
 
-<file path=ppt/slides/slide25.xml><?xml version="1.0" encoding="utf-8"?>
+<file path=ppt/slides/slide28.xml><?xml version="1.0" encoding="utf-8"?>
 <p:sld xmlns:a="http://schemas.openxmlformats.org/drawingml/2006/main" xmlns:r="http://schemas.openxmlformats.org/officeDocument/2006/relationships" xmlns:p="http://schemas.openxmlformats.org/presentationml/2006/main">
   <p:cSld>
     <p:spTree>
@@ -11288,7 +11592,7 @@
 </p:sld>
 </file>
 
-<file path=ppt/slides/slide26.xml><?xml version="1.0" encoding="utf-8"?>
+<file path=ppt/slides/slide29.xml><?xml version="1.0" encoding="utf-8"?>
 <p:sld xmlns:a="http://schemas.openxmlformats.org/drawingml/2006/main" xmlns:r="http://schemas.openxmlformats.org/officeDocument/2006/relationships" xmlns:p="http://schemas.openxmlformats.org/presentationml/2006/main">
   <p:cSld>
     <p:bg>
@@ -11386,7 +11690,7 @@
 </p:sld>
 </file>
 
-<file path=ppt/slides/slide27.xml><?xml version="1.0" encoding="utf-8"?>
+<file path=ppt/slides/slide3.xml><?xml version="1.0" encoding="utf-8"?>
 <p:sld xmlns:a="http://schemas.openxmlformats.org/drawingml/2006/main" xmlns:r="http://schemas.openxmlformats.org/officeDocument/2006/relationships" xmlns:p="http://schemas.openxmlformats.org/presentationml/2006/main">
   <p:cSld>
     <p:spTree>
@@ -11420,6 +11724,59 @@
           <a:p>
             <a:r>
               <a:rPr lang="en-US" dirty="0"/>
+              <a:t>Auto Crop:: One edge cropped</a:t>
+            </a:r>
+            <a:endParaRPr lang="en-SG" dirty="0"/>
+          </a:p>
+        </p:txBody>
+      </p:sp>
+    </p:spTree>
+    <p:extLst>
+      <p:ext uri="{BB962C8B-B14F-4D97-AF65-F5344CB8AC3E}">
+        <p14:creationId xmlns:p14="http://schemas.microsoft.com/office/powerpoint/2010/main" val="2406691133"/>
+      </p:ext>
+    </p:extLst>
+  </p:cSld>
+  <p:clrMapOvr>
+    <a:masterClrMapping/>
+  </p:clrMapOvr>
+</p:sld>
+</file>
+
+<file path=ppt/slides/slide30.xml><?xml version="1.0" encoding="utf-8"?>
+<p:sld xmlns:a="http://schemas.openxmlformats.org/drawingml/2006/main" xmlns:r="http://schemas.openxmlformats.org/officeDocument/2006/relationships" xmlns:p="http://schemas.openxmlformats.org/presentationml/2006/main">
+  <p:cSld>
+    <p:spTree>
+      <p:nvGrpSpPr>
+        <p:cNvPr id="1" name=""/>
+        <p:cNvGrpSpPr/>
+        <p:nvPr/>
+      </p:nvGrpSpPr>
+      <p:grpSpPr>
+        <a:xfrm>
+          <a:off x="0" y="0"/>
+          <a:ext cx="0" cy="0"/>
+          <a:chOff x="0" y="0"/>
+          <a:chExt cx="0" cy="0"/>
+        </a:xfrm>
+      </p:grpSpPr>
+      <p:sp>
+        <p:nvSpPr>
+          <p:cNvPr id="2" name="Title 1"/>
+          <p:cNvSpPr>
+            <a:spLocks noGrp="1"/>
+          </p:cNvSpPr>
+          <p:nvPr>
+            <p:ph type="title"/>
+          </p:nvPr>
+        </p:nvSpPr>
+        <p:spPr/>
+        <p:txBody>
+          <a:bodyPr/>
+          <a:lstStyle/>
+          <a:p>
+            <a:r>
+              <a:rPr lang="en-US" dirty="0"/>
               <a:t>Auto Crop:: Larger reference image</a:t>
             </a:r>
             <a:endParaRPr lang="en-SG" dirty="0"/>
@@ -11458,7 +11815,7 @@
 </p:sld>
 </file>
 
-<file path=ppt/slides/slide28.xml><?xml version="1.0" encoding="utf-8"?>
+<file path=ppt/slides/slide31.xml><?xml version="1.0" encoding="utf-8"?>
 <p:sld xmlns:a="http://schemas.openxmlformats.org/drawingml/2006/main" xmlns:r="http://schemas.openxmlformats.org/officeDocument/2006/relationships" xmlns:p="http://schemas.openxmlformats.org/presentationml/2006/main">
   <p:cSld>
     <p:bg>
@@ -11556,7 +11913,7 @@
 </p:sld>
 </file>
 
-<file path=ppt/slides/slide29.xml><?xml version="1.0" encoding="utf-8"?>
+<file path=ppt/slides/slide32.xml><?xml version="1.0" encoding="utf-8"?>
 <p:sld xmlns:a="http://schemas.openxmlformats.org/drawingml/2006/main" xmlns:r="http://schemas.openxmlformats.org/officeDocument/2006/relationships" xmlns:p="http://schemas.openxmlformats.org/presentationml/2006/main" show="0">
   <p:cSld>
     <p:spTree>
@@ -11625,59 +11982,6 @@
     <p:extLst>
       <p:ext uri="{BB962C8B-B14F-4D97-AF65-F5344CB8AC3E}">
         <p14:creationId xmlns:p14="http://schemas.microsoft.com/office/powerpoint/2010/main" val="2234878813"/>
-      </p:ext>
-    </p:extLst>
-  </p:cSld>
-  <p:clrMapOvr>
-    <a:masterClrMapping/>
-  </p:clrMapOvr>
-</p:sld>
-</file>
-
-<file path=ppt/slides/slide3.xml><?xml version="1.0" encoding="utf-8"?>
-<p:sld xmlns:a="http://schemas.openxmlformats.org/drawingml/2006/main" xmlns:r="http://schemas.openxmlformats.org/officeDocument/2006/relationships" xmlns:p="http://schemas.openxmlformats.org/presentationml/2006/main">
-  <p:cSld>
-    <p:spTree>
-      <p:nvGrpSpPr>
-        <p:cNvPr id="1" name=""/>
-        <p:cNvGrpSpPr/>
-        <p:nvPr/>
-      </p:nvGrpSpPr>
-      <p:grpSpPr>
-        <a:xfrm>
-          <a:off x="0" y="0"/>
-          <a:ext cx="0" cy="0"/>
-          <a:chOff x="0" y="0"/>
-          <a:chExt cx="0" cy="0"/>
-        </a:xfrm>
-      </p:grpSpPr>
-      <p:sp>
-        <p:nvSpPr>
-          <p:cNvPr id="2" name="Title 1"/>
-          <p:cNvSpPr>
-            <a:spLocks noGrp="1"/>
-          </p:cNvSpPr>
-          <p:nvPr>
-            <p:ph type="title"/>
-          </p:nvPr>
-        </p:nvSpPr>
-        <p:spPr/>
-        <p:txBody>
-          <a:bodyPr/>
-          <a:lstStyle/>
-          <a:p>
-            <a:r>
-              <a:rPr lang="en-US" dirty="0"/>
-              <a:t>Auto Crop:: One edge cropped</a:t>
-            </a:r>
-            <a:endParaRPr lang="en-SG" dirty="0"/>
-          </a:p>
-        </p:txBody>
-      </p:sp>
-    </p:spTree>
-    <p:extLst>
-      <p:ext uri="{BB962C8B-B14F-4D97-AF65-F5344CB8AC3E}">
-        <p14:creationId xmlns:p14="http://schemas.microsoft.com/office/powerpoint/2010/main" val="2406691133"/>
       </p:ext>
     </p:extLst>
   </p:cSld>

--- a/doc/test/CropToSame.pptx
+++ b/doc/test/CropToSame.pptx
@@ -7,7 +7,7 @@
     <p:sldMasterId id="2147483672" r:id="rId3"/>
   </p:sldMasterIdLst>
   <p:notesMasterIdLst>
-    <p:notesMasterId r:id="rId36"/>
+    <p:notesMasterId r:id="rId39"/>
   </p:notesMasterIdLst>
   <p:sldIdLst>
     <p:sldId id="287" r:id="rId4"/>
@@ -41,7 +41,10 @@
     <p:sldId id="293" r:id="rId32"/>
     <p:sldId id="321" r:id="rId33"/>
     <p:sldId id="362" r:id="rId34"/>
-    <p:sldId id="318" r:id="rId35"/>
+    <p:sldId id="373" r:id="rId35"/>
+    <p:sldId id="374" r:id="rId36"/>
+    <p:sldId id="375" r:id="rId37"/>
+    <p:sldId id="318" r:id="rId38"/>
   </p:sldIdLst>
   <p:sldSz cx="9144000" cy="6858000" type="screen4x3"/>
   <p:notesSz cx="6858000" cy="9144000"/>
@@ -180,6 +183,9 @@
             <p14:sldId id="293"/>
             <p14:sldId id="321"/>
             <p14:sldId id="362"/>
+            <p14:sldId id="373"/>
+            <p14:sldId id="374"/>
+            <p14:sldId id="375"/>
             <p14:sldId id="318"/>
           </p14:sldIdLst>
         </p14:section>
@@ -201,6 +207,10 @@
     </p:ext>
   </p:extLst>
 </p:presentation>
+</file>
+
+<file path=ppt/revisionInfo.xml><?xml version="1.0" encoding="utf-8"?>
+<p1510:revInfo xmlns:a="http://schemas.openxmlformats.org/drawingml/2006/main" xmlns:r="http://schemas.openxmlformats.org/officeDocument/2006/relationships" xmlns:p1510="http://schemas.microsoft.com/office/powerpoint/2015/10/main"/>
 </file>
 
 <file path=ppt/notesMasters/notesMaster1.xml><?xml version="1.0" encoding="utf-8"?>
@@ -285,7 +295,7 @@
           <a:p>
             <a:fld id="{26004F41-C1A1-4B0D-9EEE-5E3F0E5BC108}" type="datetimeFigureOut">
               <a:rPr lang="en-SG" smtClean="0"/>
-              <a:t>3/31/2017</a:t>
+              <a:t>29/5/2017</a:t>
             </a:fld>
             <a:endParaRPr lang="en-SG"/>
           </a:p>
@@ -732,7 +742,7 @@
           <a:p>
             <a:fld id="{699DC775-C286-4358-8C92-D7E584E969B3}" type="datetimeFigureOut">
               <a:rPr lang="en-US" smtClean="0"/>
-              <a:t>3/31/2017</a:t>
+              <a:t>5/29/2017</a:t>
             </a:fld>
             <a:endParaRPr lang="en-US"/>
           </a:p>
@@ -900,7 +910,7 @@
           <a:p>
             <a:fld id="{699DC775-C286-4358-8C92-D7E584E969B3}" type="datetimeFigureOut">
               <a:rPr lang="en-US" smtClean="0"/>
-              <a:t>3/31/2017</a:t>
+              <a:t>5/29/2017</a:t>
             </a:fld>
             <a:endParaRPr lang="en-US"/>
           </a:p>
@@ -1078,7 +1088,7 @@
           <a:p>
             <a:fld id="{699DC775-C286-4358-8C92-D7E584E969B3}" type="datetimeFigureOut">
               <a:rPr lang="en-US" smtClean="0"/>
-              <a:t>3/31/2017</a:t>
+              <a:t>5/29/2017</a:t>
             </a:fld>
             <a:endParaRPr lang="en-US"/>
           </a:p>
@@ -1318,7 +1328,7 @@
           <a:p>
             <a:fld id="{699DC775-C286-4358-8C92-D7E584E969B3}" type="datetimeFigureOut">
               <a:rPr lang="en-US" smtClean="0"/>
-              <a:t>3/31/2017</a:t>
+              <a:t>5/29/2017</a:t>
             </a:fld>
             <a:endParaRPr lang="en-US"/>
           </a:p>
@@ -1486,7 +1496,7 @@
           <a:p>
             <a:fld id="{699DC775-C286-4358-8C92-D7E584E969B3}" type="datetimeFigureOut">
               <a:rPr lang="en-US" smtClean="0"/>
-              <a:t>3/31/2017</a:t>
+              <a:t>5/29/2017</a:t>
             </a:fld>
             <a:endParaRPr lang="en-US"/>
           </a:p>
@@ -1731,7 +1741,7 @@
           <a:p>
             <a:fld id="{699DC775-C286-4358-8C92-D7E584E969B3}" type="datetimeFigureOut">
               <a:rPr lang="en-US" smtClean="0"/>
-              <a:t>3/31/2017</a:t>
+              <a:t>5/29/2017</a:t>
             </a:fld>
             <a:endParaRPr lang="en-US"/>
           </a:p>
@@ -2016,7 +2026,7 @@
           <a:p>
             <a:fld id="{699DC775-C286-4358-8C92-D7E584E969B3}" type="datetimeFigureOut">
               <a:rPr lang="en-US" smtClean="0"/>
-              <a:t>3/31/2017</a:t>
+              <a:t>5/29/2017</a:t>
             </a:fld>
             <a:endParaRPr lang="en-US"/>
           </a:p>
@@ -2435,7 +2445,7 @@
           <a:p>
             <a:fld id="{699DC775-C286-4358-8C92-D7E584E969B3}" type="datetimeFigureOut">
               <a:rPr lang="en-US" smtClean="0"/>
-              <a:t>3/31/2017</a:t>
+              <a:t>5/29/2017</a:t>
             </a:fld>
             <a:endParaRPr lang="en-US"/>
           </a:p>
@@ -2552,7 +2562,7 @@
           <a:p>
             <a:fld id="{699DC775-C286-4358-8C92-D7E584E969B3}" type="datetimeFigureOut">
               <a:rPr lang="en-US" smtClean="0"/>
-              <a:t>3/31/2017</a:t>
+              <a:t>5/29/2017</a:t>
             </a:fld>
             <a:endParaRPr lang="en-US"/>
           </a:p>
@@ -2647,7 +2657,7 @@
           <a:p>
             <a:fld id="{699DC775-C286-4358-8C92-D7E584E969B3}" type="datetimeFigureOut">
               <a:rPr lang="en-US" smtClean="0"/>
-              <a:t>3/31/2017</a:t>
+              <a:t>5/29/2017</a:t>
             </a:fld>
             <a:endParaRPr lang="en-US"/>
           </a:p>
@@ -2922,7 +2932,7 @@
           <a:p>
             <a:fld id="{699DC775-C286-4358-8C92-D7E584E969B3}" type="datetimeFigureOut">
               <a:rPr lang="en-US" smtClean="0"/>
-              <a:t>3/31/2017</a:t>
+              <a:t>5/29/2017</a:t>
             </a:fld>
             <a:endParaRPr lang="en-US"/>
           </a:p>
@@ -3090,7 +3100,7 @@
           <a:p>
             <a:fld id="{699DC775-C286-4358-8C92-D7E584E969B3}" type="datetimeFigureOut">
               <a:rPr lang="en-US" smtClean="0"/>
-              <a:t>3/31/2017</a:t>
+              <a:t>5/29/2017</a:t>
             </a:fld>
             <a:endParaRPr lang="en-US"/>
           </a:p>
@@ -3342,7 +3352,7 @@
           <a:p>
             <a:fld id="{699DC775-C286-4358-8C92-D7E584E969B3}" type="datetimeFigureOut">
               <a:rPr lang="en-US" smtClean="0"/>
-              <a:t>3/31/2017</a:t>
+              <a:t>5/29/2017</a:t>
             </a:fld>
             <a:endParaRPr lang="en-US"/>
           </a:p>
@@ -3510,7 +3520,7 @@
           <a:p>
             <a:fld id="{699DC775-C286-4358-8C92-D7E584E969B3}" type="datetimeFigureOut">
               <a:rPr lang="en-US" smtClean="0"/>
-              <a:t>3/31/2017</a:t>
+              <a:t>5/29/2017</a:t>
             </a:fld>
             <a:endParaRPr lang="en-US"/>
           </a:p>
@@ -3688,7 +3698,7 @@
           <a:p>
             <a:fld id="{699DC775-C286-4358-8C92-D7E584E969B3}" type="datetimeFigureOut">
               <a:rPr lang="en-US" smtClean="0"/>
-              <a:t>3/31/2017</a:t>
+              <a:t>5/29/2017</a:t>
             </a:fld>
             <a:endParaRPr lang="en-US"/>
           </a:p>
@@ -3936,7 +3946,7 @@
           <a:p>
             <a:fld id="{699DC775-C286-4358-8C92-D7E584E969B3}" type="datetimeFigureOut">
               <a:rPr lang="en-US" smtClean="0"/>
-              <a:t>3/31/2017</a:t>
+              <a:t>5/29/2017</a:t>
             </a:fld>
             <a:endParaRPr lang="en-US"/>
           </a:p>
@@ -4112,7 +4122,7 @@
           <a:p>
             <a:fld id="{699DC775-C286-4358-8C92-D7E584E969B3}" type="datetimeFigureOut">
               <a:rPr lang="en-US" smtClean="0"/>
-              <a:t>3/31/2017</a:t>
+              <a:t>5/29/2017</a:t>
             </a:fld>
             <a:endParaRPr lang="en-US"/>
           </a:p>
@@ -4365,7 +4375,7 @@
           <a:p>
             <a:fld id="{699DC775-C286-4358-8C92-D7E584E969B3}" type="datetimeFigureOut">
               <a:rPr lang="en-US" smtClean="0"/>
-              <a:t>3/31/2017</a:t>
+              <a:t>5/29/2017</a:t>
             </a:fld>
             <a:endParaRPr lang="en-US"/>
           </a:p>
@@ -4658,7 +4668,7 @@
           <a:p>
             <a:fld id="{699DC775-C286-4358-8C92-D7E584E969B3}" type="datetimeFigureOut">
               <a:rPr lang="en-US" smtClean="0"/>
-              <a:t>3/31/2017</a:t>
+              <a:t>5/29/2017</a:t>
             </a:fld>
             <a:endParaRPr lang="en-US"/>
           </a:p>
@@ -5085,7 +5095,7 @@
           <a:p>
             <a:fld id="{699DC775-C286-4358-8C92-D7E584E969B3}" type="datetimeFigureOut">
               <a:rPr lang="en-US" smtClean="0"/>
-              <a:t>3/31/2017</a:t>
+              <a:t>5/29/2017</a:t>
             </a:fld>
             <a:endParaRPr lang="en-US"/>
           </a:p>
@@ -5210,7 +5220,7 @@
           <a:p>
             <a:fld id="{699DC775-C286-4358-8C92-D7E584E969B3}" type="datetimeFigureOut">
               <a:rPr lang="en-US" smtClean="0"/>
-              <a:t>3/31/2017</a:t>
+              <a:t>5/29/2017</a:t>
             </a:fld>
             <a:endParaRPr lang="en-US"/>
           </a:p>
@@ -5313,7 +5323,7 @@
           <a:p>
             <a:fld id="{699DC775-C286-4358-8C92-D7E584E969B3}" type="datetimeFigureOut">
               <a:rPr lang="en-US" smtClean="0"/>
-              <a:t>3/31/2017</a:t>
+              <a:t>5/29/2017</a:t>
             </a:fld>
             <a:endParaRPr lang="en-US"/>
           </a:p>
@@ -5558,7 +5568,7 @@
           <a:p>
             <a:fld id="{699DC775-C286-4358-8C92-D7E584E969B3}" type="datetimeFigureOut">
               <a:rPr lang="en-US" smtClean="0"/>
-              <a:t>3/31/2017</a:t>
+              <a:t>5/29/2017</a:t>
             </a:fld>
             <a:endParaRPr lang="en-US"/>
           </a:p>
@@ -5841,7 +5851,7 @@
           <a:p>
             <a:fld id="{699DC775-C286-4358-8C92-D7E584E969B3}" type="datetimeFigureOut">
               <a:rPr lang="en-US" smtClean="0"/>
-              <a:t>3/31/2017</a:t>
+              <a:t>5/29/2017</a:t>
             </a:fld>
             <a:endParaRPr lang="en-US"/>
           </a:p>
@@ -6101,7 +6111,7 @@
           <a:p>
             <a:fld id="{699DC775-C286-4358-8C92-D7E584E969B3}" type="datetimeFigureOut">
               <a:rPr lang="en-US" smtClean="0"/>
-              <a:t>3/31/2017</a:t>
+              <a:t>5/29/2017</a:t>
             </a:fld>
             <a:endParaRPr lang="en-US"/>
           </a:p>
@@ -6277,7 +6287,7 @@
           <a:p>
             <a:fld id="{699DC775-C286-4358-8C92-D7E584E969B3}" type="datetimeFigureOut">
               <a:rPr lang="en-US" smtClean="0"/>
-              <a:t>3/31/2017</a:t>
+              <a:t>5/29/2017</a:t>
             </a:fld>
             <a:endParaRPr lang="en-US"/>
           </a:p>
@@ -6463,7 +6473,7 @@
           <a:p>
             <a:fld id="{699DC775-C286-4358-8C92-D7E584E969B3}" type="datetimeFigureOut">
               <a:rPr lang="en-US" smtClean="0"/>
-              <a:t>3/31/2017</a:t>
+              <a:t>5/29/2017</a:t>
             </a:fld>
             <a:endParaRPr lang="en-US"/>
           </a:p>
@@ -6748,7 +6758,7 @@
           <a:p>
             <a:fld id="{699DC775-C286-4358-8C92-D7E584E969B3}" type="datetimeFigureOut">
               <a:rPr lang="en-US" smtClean="0"/>
-              <a:t>3/31/2017</a:t>
+              <a:t>5/29/2017</a:t>
             </a:fld>
             <a:endParaRPr lang="en-US"/>
           </a:p>
@@ -7167,7 +7177,7 @@
           <a:p>
             <a:fld id="{699DC775-C286-4358-8C92-D7E584E969B3}" type="datetimeFigureOut">
               <a:rPr lang="en-US" smtClean="0"/>
-              <a:t>3/31/2017</a:t>
+              <a:t>5/29/2017</a:t>
             </a:fld>
             <a:endParaRPr lang="en-US"/>
           </a:p>
@@ -7284,7 +7294,7 @@
           <a:p>
             <a:fld id="{699DC775-C286-4358-8C92-D7E584E969B3}" type="datetimeFigureOut">
               <a:rPr lang="en-US" smtClean="0"/>
-              <a:t>3/31/2017</a:t>
+              <a:t>5/29/2017</a:t>
             </a:fld>
             <a:endParaRPr lang="en-US"/>
           </a:p>
@@ -7379,7 +7389,7 @@
           <a:p>
             <a:fld id="{699DC775-C286-4358-8C92-D7E584E969B3}" type="datetimeFigureOut">
               <a:rPr lang="en-US" smtClean="0"/>
-              <a:t>3/31/2017</a:t>
+              <a:t>5/29/2017</a:t>
             </a:fld>
             <a:endParaRPr lang="en-US"/>
           </a:p>
@@ -7654,7 +7664,7 @@
           <a:p>
             <a:fld id="{699DC775-C286-4358-8C92-D7E584E969B3}" type="datetimeFigureOut">
               <a:rPr lang="en-US" smtClean="0"/>
-              <a:t>3/31/2017</a:t>
+              <a:t>5/29/2017</a:t>
             </a:fld>
             <a:endParaRPr lang="en-US"/>
           </a:p>
@@ -7906,7 +7916,7 @@
           <a:p>
             <a:fld id="{699DC775-C286-4358-8C92-D7E584E969B3}" type="datetimeFigureOut">
               <a:rPr lang="en-US" smtClean="0"/>
-              <a:t>3/31/2017</a:t>
+              <a:t>5/29/2017</a:t>
             </a:fld>
             <a:endParaRPr lang="en-US"/>
           </a:p>
@@ -8117,7 +8127,7 @@
           <a:p>
             <a:fld id="{699DC775-C286-4358-8C92-D7E584E969B3}" type="datetimeFigureOut">
               <a:rPr lang="en-US" smtClean="0"/>
-              <a:t>3/31/2017</a:t>
+              <a:t>5/29/2017</a:t>
             </a:fld>
             <a:endParaRPr lang="en-US"/>
           </a:p>
@@ -8630,7 +8640,7 @@
           <a:p>
             <a:fld id="{699DC775-C286-4358-8C92-D7E584E969B3}" type="datetimeFigureOut">
               <a:rPr lang="en-US" smtClean="0"/>
-              <a:t>3/31/2017</a:t>
+              <a:t>5/29/2017</a:t>
             </a:fld>
             <a:endParaRPr lang="en-US"/>
           </a:p>
@@ -9141,7 +9151,7 @@
           <a:p>
             <a:fld id="{699DC775-C286-4358-8C92-D7E584E969B3}" type="datetimeFigureOut">
               <a:rPr lang="en-US" smtClean="0"/>
-              <a:t>3/31/2017</a:t>
+              <a:t>5/29/2017</a:t>
             </a:fld>
             <a:endParaRPr lang="en-US"/>
           </a:p>
@@ -9901,7 +9911,7 @@
           <a:p>
             <a:r>
               <a:rPr lang="en-US" dirty="0"/>
-              <a:t>Auto Crop:: Smaller reference image</a:t>
+              <a:t>Crop To Same:: Smaller reference image</a:t>
             </a:r>
             <a:endParaRPr lang="en-SG" dirty="0"/>
           </a:p>
@@ -10199,7 +10209,7 @@
           <a:p>
             <a:r>
               <a:rPr lang="en-US" dirty="0"/>
-              <a:t>Auto Crop:: Wider but shorter reference image</a:t>
+              <a:t>Crop To Same:: Wider but shorter reference image</a:t>
             </a:r>
             <a:endParaRPr lang="en-SG" dirty="0"/>
           </a:p>
@@ -10497,7 +10507,7 @@
           <a:p>
             <a:r>
               <a:rPr lang="en-US" dirty="0"/>
-              <a:t>Auto Crop:: Cropped image</a:t>
+              <a:t>Crop To Same:: Cropped image</a:t>
             </a:r>
             <a:br>
               <a:rPr lang="en-US" dirty="0"/>
@@ -10963,7 +10973,7 @@
           <a:p>
             <a:r>
               <a:rPr lang="en-US" dirty="0"/>
-              <a:t>Auto Crop:: Custom Anchor</a:t>
+              <a:t>Crop To Same:: Custom Anchor</a:t>
             </a:r>
             <a:endParaRPr lang="en-SG" dirty="0"/>
           </a:p>
@@ -11261,7 +11271,7 @@
           <a:p>
             <a:r>
               <a:rPr lang="en-US" dirty="0"/>
-              <a:t>Auto Crop:: non-picture selected</a:t>
+              <a:t>Crop To Same:: non-picture selected</a:t>
             </a:r>
             <a:endParaRPr lang="en-SG" dirty="0"/>
           </a:p>
@@ -11446,7 +11456,7 @@
           <a:p>
             <a:r>
               <a:rPr lang="en-US" dirty="0"/>
-              <a:t>Auto Crop:: nothing selected</a:t>
+              <a:t>Crop To Same:: nothing selected</a:t>
             </a:r>
             <a:endParaRPr lang="en-SG" dirty="0"/>
           </a:p>
@@ -11554,7 +11564,7 @@
           <a:p>
             <a:r>
               <a:rPr lang="en-US" dirty="0"/>
-              <a:t>Auto Crop:: Same picture</a:t>
+              <a:t>Crop To Same:: Same picture</a:t>
             </a:r>
             <a:endParaRPr lang="en-SG" dirty="0"/>
           </a:p>
@@ -11724,7 +11734,7 @@
           <a:p>
             <a:r>
               <a:rPr lang="en-US" dirty="0"/>
-              <a:t>Auto Crop:: One edge cropped</a:t>
+              <a:t>Crop To Same:: One edge cropped</a:t>
             </a:r>
             <a:endParaRPr lang="en-SG" dirty="0"/>
           </a:p>
@@ -11777,7 +11787,7 @@
           <a:p>
             <a:r>
               <a:rPr lang="en-US" dirty="0"/>
-              <a:t>Auto Crop:: Larger reference image</a:t>
+              <a:t>Crop To Same:: Larger reference image</a:t>
             </a:r>
             <a:endParaRPr lang="en-SG" dirty="0"/>
           </a:p>
@@ -11914,6 +11924,321 @@
 </file>
 
 <file path=ppt/slides/slide32.xml><?xml version="1.0" encoding="utf-8"?>
+<p:sld xmlns:a="http://schemas.openxmlformats.org/drawingml/2006/main" xmlns:r="http://schemas.openxmlformats.org/officeDocument/2006/relationships" xmlns:p="http://schemas.openxmlformats.org/presentationml/2006/main">
+  <p:cSld>
+    <p:spTree>
+      <p:nvGrpSpPr>
+        <p:cNvPr id="1" name=""/>
+        <p:cNvGrpSpPr/>
+        <p:nvPr/>
+      </p:nvGrpSpPr>
+      <p:grpSpPr>
+        <a:xfrm>
+          <a:off x="0" y="0"/>
+          <a:ext cx="0" cy="0"/>
+          <a:chOff x="0" y="0"/>
+          <a:chExt cx="0" cy="0"/>
+        </a:xfrm>
+      </p:grpSpPr>
+      <p:sp>
+        <p:nvSpPr>
+          <p:cNvPr id="2" name="Title 1"/>
+          <p:cNvSpPr>
+            <a:spLocks noGrp="1"/>
+          </p:cNvSpPr>
+          <p:nvPr>
+            <p:ph type="title"/>
+          </p:nvPr>
+        </p:nvSpPr>
+        <p:spPr/>
+        <p:txBody>
+          <a:bodyPr/>
+          <a:lstStyle/>
+          <a:p>
+            <a:r>
+              <a:rPr lang="en-US" dirty="0"/>
+              <a:t>Crop To Same:: Shape as reference object</a:t>
+            </a:r>
+            <a:endParaRPr lang="en-SG" dirty="0"/>
+          </a:p>
+        </p:txBody>
+      </p:sp>
+      <p:sp>
+        <p:nvSpPr>
+          <p:cNvPr id="3" name="Content Placeholder 2"/>
+          <p:cNvSpPr>
+            <a:spLocks noGrp="1"/>
+          </p:cNvSpPr>
+          <p:nvPr>
+            <p:ph idx="1"/>
+          </p:nvPr>
+        </p:nvSpPr>
+        <p:spPr/>
+        <p:txBody>
+          <a:bodyPr/>
+          <a:lstStyle/>
+          <a:p>
+            <a:endParaRPr lang="en-SG" dirty="0"/>
+          </a:p>
+        </p:txBody>
+      </p:sp>
+    </p:spTree>
+    <p:extLst>
+      <p:ext uri="{BB962C8B-B14F-4D97-AF65-F5344CB8AC3E}">
+        <p14:creationId xmlns:p14="http://schemas.microsoft.com/office/powerpoint/2010/main" val="814270024"/>
+      </p:ext>
+    </p:extLst>
+  </p:cSld>
+  <p:clrMapOvr>
+    <a:masterClrMapping/>
+  </p:clrMapOvr>
+</p:sld>
+</file>
+
+<file path=ppt/slides/slide33.xml><?xml version="1.0" encoding="utf-8"?>
+<p:sld xmlns:a="http://schemas.openxmlformats.org/drawingml/2006/main" xmlns:r="http://schemas.openxmlformats.org/officeDocument/2006/relationships" xmlns:p="http://schemas.openxmlformats.org/presentationml/2006/main">
+  <p:cSld>
+    <p:bg>
+      <p:bgPr>
+        <a:solidFill>
+          <a:schemeClr val="bg1"/>
+        </a:solidFill>
+        <a:effectLst/>
+      </p:bgPr>
+    </p:bg>
+    <p:spTree>
+      <p:nvGrpSpPr>
+        <p:cNvPr id="1" name=""/>
+        <p:cNvGrpSpPr/>
+        <p:nvPr/>
+      </p:nvGrpSpPr>
+      <p:grpSpPr>
+        <a:xfrm>
+          <a:off x="0" y="0"/>
+          <a:ext cx="0" cy="0"/>
+          <a:chOff x="0" y="0"/>
+          <a:chExt cx="0" cy="0"/>
+        </a:xfrm>
+      </p:grpSpPr>
+      <p:pic>
+        <p:nvPicPr>
+          <p:cNvPr id="3" name="selectMe1"/>
+          <p:cNvPicPr>
+            <a:picLocks noChangeAspect="1"/>
+          </p:cNvPicPr>
+          <p:nvPr/>
+        </p:nvPicPr>
+        <p:blipFill rotWithShape="1">
+          <a:blip r:embed="rId2">
+            <a:extLst>
+              <a:ext uri="{28A0092B-C50C-407E-A947-70E740481C1C}">
+                <a14:useLocalDpi xmlns:a14="http://schemas.microsoft.com/office/drawing/2010/main" val="0"/>
+              </a:ext>
+            </a:extLst>
+          </a:blip>
+          <a:srcRect l="10000" t="9966" r="6667" b="10306"/>
+          <a:stretch/>
+        </p:blipFill>
+        <p:spPr>
+          <a:xfrm>
+            <a:off x="4114800" y="3352800"/>
+            <a:ext cx="3810000" cy="2438400"/>
+          </a:xfrm>
+          <a:prstGeom prst="rect">
+            <a:avLst/>
+          </a:prstGeom>
+        </p:spPr>
+      </p:pic>
+      <p:sp>
+        <p:nvSpPr>
+          <p:cNvPr id="2" name="selectMe2"/>
+          <p:cNvSpPr/>
+          <p:nvPr/>
+        </p:nvSpPr>
+        <p:spPr>
+          <a:xfrm>
+            <a:off x="1143000" y="1371600"/>
+            <a:ext cx="1905000" cy="1524000"/>
+          </a:xfrm>
+          <a:prstGeom prst="rect">
+            <a:avLst/>
+          </a:prstGeom>
+        </p:spPr>
+        <p:style>
+          <a:lnRef idx="2">
+            <a:schemeClr val="accent1">
+              <a:shade val="50000"/>
+            </a:schemeClr>
+          </a:lnRef>
+          <a:fillRef idx="1">
+            <a:schemeClr val="accent1"/>
+          </a:fillRef>
+          <a:effectRef idx="0">
+            <a:schemeClr val="accent1"/>
+          </a:effectRef>
+          <a:fontRef idx="minor">
+            <a:schemeClr val="lt1"/>
+          </a:fontRef>
+        </p:style>
+        <p:txBody>
+          <a:bodyPr rtlCol="0" anchor="ctr"/>
+          <a:lstStyle/>
+          <a:p>
+            <a:pPr algn="ctr"/>
+            <a:endParaRPr lang="en-US"/>
+          </a:p>
+        </p:txBody>
+      </p:sp>
+    </p:spTree>
+    <p:extLst>
+      <p:ext uri="{BB962C8B-B14F-4D97-AF65-F5344CB8AC3E}">
+        <p14:creationId xmlns:p14="http://schemas.microsoft.com/office/powerpoint/2010/main" val="2203653812"/>
+      </p:ext>
+    </p:extLst>
+  </p:cSld>
+  <p:clrMapOvr>
+    <a:masterClrMapping/>
+  </p:clrMapOvr>
+</p:sld>
+</file>
+
+<file path=ppt/slides/slide34.xml><?xml version="1.0" encoding="utf-8"?>
+<p:sld xmlns:a="http://schemas.openxmlformats.org/drawingml/2006/main" xmlns:r="http://schemas.openxmlformats.org/officeDocument/2006/relationships" xmlns:p="http://schemas.openxmlformats.org/presentationml/2006/main">
+  <p:cSld>
+    <p:bg>
+      <p:bgPr>
+        <a:solidFill>
+          <a:schemeClr val="bg1"/>
+        </a:solidFill>
+        <a:effectLst/>
+      </p:bgPr>
+    </p:bg>
+    <p:spTree>
+      <p:nvGrpSpPr>
+        <p:cNvPr id="1" name=""/>
+        <p:cNvGrpSpPr/>
+        <p:nvPr/>
+      </p:nvGrpSpPr>
+      <p:grpSpPr>
+        <a:xfrm>
+          <a:off x="0" y="0"/>
+          <a:ext cx="0" cy="0"/>
+          <a:chOff x="0" y="0"/>
+          <a:chExt cx="0" cy="0"/>
+        </a:xfrm>
+      </p:grpSpPr>
+      <p:sp>
+        <p:nvSpPr>
+          <p:cNvPr id="5" name="text"/>
+          <p:cNvSpPr txBox="1"/>
+          <p:nvPr/>
+        </p:nvSpPr>
+        <p:spPr>
+          <a:xfrm>
+            <a:off x="8101022" y="0"/>
+            <a:ext cx="1042978" cy="369332"/>
+          </a:xfrm>
+          <a:prstGeom prst="rect">
+            <a:avLst/>
+          </a:prstGeom>
+          <a:noFill/>
+        </p:spPr>
+        <p:txBody>
+          <a:bodyPr wrap="none" rtlCol="0">
+            <a:spAutoFit/>
+          </a:bodyPr>
+          <a:lstStyle/>
+          <a:p>
+            <a:r>
+              <a:rPr lang="en-SG" dirty="0"/>
+              <a:t>Expected</a:t>
+            </a:r>
+          </a:p>
+        </p:txBody>
+      </p:sp>
+      <p:pic>
+        <p:nvPicPr>
+          <p:cNvPr id="6" name="selectMe1"/>
+          <p:cNvPicPr>
+            <a:picLocks noChangeAspect="1"/>
+          </p:cNvPicPr>
+          <p:nvPr/>
+        </p:nvPicPr>
+        <p:blipFill rotWithShape="1">
+          <a:blip r:embed="rId2">
+            <a:extLst>
+              <a:ext uri="{28A0092B-C50C-407E-A947-70E740481C1C}">
+                <a14:useLocalDpi xmlns:a14="http://schemas.microsoft.com/office/drawing/2010/main" val="0"/>
+              </a:ext>
+            </a:extLst>
+          </a:blip>
+          <a:srcRect l="30833" t="24915" r="27500" b="25255"/>
+          <a:stretch/>
+        </p:blipFill>
+        <p:spPr>
+          <a:xfrm>
+            <a:off x="5067299" y="3809999"/>
+            <a:ext cx="1905005" cy="1524001"/>
+          </a:xfrm>
+          <a:prstGeom prst="rect">
+            <a:avLst/>
+          </a:prstGeom>
+        </p:spPr>
+      </p:pic>
+      <p:sp>
+        <p:nvSpPr>
+          <p:cNvPr id="7" name="selectMe2"/>
+          <p:cNvSpPr/>
+          <p:nvPr/>
+        </p:nvSpPr>
+        <p:spPr>
+          <a:xfrm>
+            <a:off x="1143000" y="1371600"/>
+            <a:ext cx="1905000" cy="1524000"/>
+          </a:xfrm>
+          <a:prstGeom prst="rect">
+            <a:avLst/>
+          </a:prstGeom>
+        </p:spPr>
+        <p:style>
+          <a:lnRef idx="2">
+            <a:schemeClr val="accent1">
+              <a:shade val="50000"/>
+            </a:schemeClr>
+          </a:lnRef>
+          <a:fillRef idx="1">
+            <a:schemeClr val="accent1"/>
+          </a:fillRef>
+          <a:effectRef idx="0">
+            <a:schemeClr val="accent1"/>
+          </a:effectRef>
+          <a:fontRef idx="minor">
+            <a:schemeClr val="lt1"/>
+          </a:fontRef>
+        </p:style>
+        <p:txBody>
+          <a:bodyPr rtlCol="0" anchor="ctr"/>
+          <a:lstStyle/>
+          <a:p>
+            <a:pPr algn="ctr"/>
+            <a:endParaRPr lang="en-US"/>
+          </a:p>
+        </p:txBody>
+      </p:sp>
+    </p:spTree>
+    <p:extLst>
+      <p:ext uri="{BB962C8B-B14F-4D97-AF65-F5344CB8AC3E}">
+        <p14:creationId xmlns:p14="http://schemas.microsoft.com/office/powerpoint/2010/main" val="26698444"/>
+      </p:ext>
+    </p:extLst>
+  </p:cSld>
+  <p:clrMapOvr>
+    <a:masterClrMapping/>
+  </p:clrMapOvr>
+</p:sld>
+</file>
+
+<file path=ppt/slides/slide35.xml><?xml version="1.0" encoding="utf-8"?>
 <p:sld xmlns:a="http://schemas.openxmlformats.org/drawingml/2006/main" xmlns:r="http://schemas.openxmlformats.org/officeDocument/2006/relationships" xmlns:p="http://schemas.openxmlformats.org/presentationml/2006/main" show="0">
   <p:cSld>
     <p:spTree>
@@ -12249,7 +12574,7 @@
           <a:p>
             <a:r>
               <a:rPr lang="en-US" dirty="0"/>
-              <a:t>Auto Crop:: Two edges cropped</a:t>
+              <a:t>Crop To Same:: Two edges cropped</a:t>
             </a:r>
             <a:endParaRPr lang="en-SG" dirty="0"/>
           </a:p>
@@ -12545,7 +12870,7 @@
           <a:p>
             <a:r>
               <a:rPr lang="en-US" dirty="0"/>
-              <a:t>Auto Crop:: Four edges cropped</a:t>
+              <a:t>Crop To Same:: Four edges cropped</a:t>
             </a:r>
             <a:endParaRPr lang="en-SG" dirty="0"/>
           </a:p>
